--- a/11_circular_ewhite/touch_ups.pptx
+++ b/11_circular_ewhite/touch_ups.pptx
@@ -9,8 +9,8 @@
   </p:notesMasterIdLst>
   <p:sldIdLst>
     <p:sldId id="256" r:id="rId2"/>
-    <p:sldId id="262" r:id="rId3"/>
-    <p:sldId id="263" r:id="rId4"/>
+    <p:sldId id="263" r:id="rId3"/>
+    <p:sldId id="264" r:id="rId4"/>
     <p:sldId id="261" r:id="rId5"/>
   </p:sldIdLst>
   <p:sldSz cx="12192000" cy="6858000"/>
@@ -121,7 +121,7 @@
 <file path=ppt/revisionInfo.xml><?xml version="1.0" encoding="utf-8"?>
 <p1510:revInfo xmlns:a="http://schemas.openxmlformats.org/drawingml/2006/main" xmlns:r="http://schemas.openxmlformats.org/officeDocument/2006/relationships" xmlns:p1510="http://schemas.microsoft.com/office/powerpoint/2015/10/main">
   <p1510:revLst>
-    <p1510:client id="{87DEA6A5-04DD-4F0B-8A38-25F89595D54E}" v="50" dt="2023-04-11T15:31:15.120"/>
+    <p1510:client id="{87DEA6A5-04DD-4F0B-8A38-25F89595D54E}" v="83" dt="2023-04-11T22:05:06.097"/>
   </p1510:revLst>
 </p1510:revInfo>
 </file>
@@ -131,7 +131,7 @@
   <pc:docChgLst>
     <pc:chgData name="White, Ellie" userId="fec56361-5c8a-4790-9e84-6272d2f2258e" providerId="ADAL" clId="{87DEA6A5-04DD-4F0B-8A38-25F89595D54E}"/>
     <pc:docChg chg="undo custSel addSld delSld modSld">
-      <pc:chgData name="White, Ellie" userId="fec56361-5c8a-4790-9e84-6272d2f2258e" providerId="ADAL" clId="{87DEA6A5-04DD-4F0B-8A38-25F89595D54E}" dt="2023-04-11T15:31:15.119" v="974" actId="164"/>
+      <pc:chgData name="White, Ellie" userId="fec56361-5c8a-4790-9e84-6272d2f2258e" providerId="ADAL" clId="{87DEA6A5-04DD-4F0B-8A38-25F89595D54E}" dt="2023-04-11T22:05:36.722" v="2304" actId="20577"/>
       <pc:docMkLst>
         <pc:docMk/>
       </pc:docMkLst>
@@ -1907,14 +1907,14 @@
           </ac:spMkLst>
         </pc:spChg>
       </pc:sldChg>
-      <pc:sldChg chg="addSp delSp modSp add mod">
-        <pc:chgData name="White, Ellie" userId="fec56361-5c8a-4790-9e84-6272d2f2258e" providerId="ADAL" clId="{87DEA6A5-04DD-4F0B-8A38-25F89595D54E}" dt="2023-04-11T15:03:31.245" v="867" actId="403"/>
+      <pc:sldChg chg="addSp delSp modSp add del mod modNotesTx">
+        <pc:chgData name="White, Ellie" userId="fec56361-5c8a-4790-9e84-6272d2f2258e" providerId="ADAL" clId="{87DEA6A5-04DD-4F0B-8A38-25F89595D54E}" dt="2023-04-11T20:38:49.697" v="2289" actId="47"/>
         <pc:sldMkLst>
           <pc:docMk/>
           <pc:sldMk cId="3136029642" sldId="262"/>
         </pc:sldMkLst>
-        <pc:spChg chg="add mod">
-          <ac:chgData name="White, Ellie" userId="fec56361-5c8a-4790-9e84-6272d2f2258e" providerId="ADAL" clId="{87DEA6A5-04DD-4F0B-8A38-25F89595D54E}" dt="2023-04-11T15:03:31.245" v="867" actId="403"/>
+        <pc:spChg chg="add del mod">
+          <ac:chgData name="White, Ellie" userId="fec56361-5c8a-4790-9e84-6272d2f2258e" providerId="ADAL" clId="{87DEA6A5-04DD-4F0B-8A38-25F89595D54E}" dt="2023-04-11T20:38:22.974" v="2284"/>
           <ac:spMkLst>
             <pc:docMk/>
             <pc:sldMk cId="3136029642" sldId="262"/>
@@ -2483,11 +2483,27 @@
         </pc:cxnChg>
       </pc:sldChg>
       <pc:sldChg chg="addSp delSp modSp add mod">
-        <pc:chgData name="White, Ellie" userId="fec56361-5c8a-4790-9e84-6272d2f2258e" providerId="ADAL" clId="{87DEA6A5-04DD-4F0B-8A38-25F89595D54E}" dt="2023-04-11T15:31:15.119" v="974" actId="164"/>
+        <pc:chgData name="White, Ellie" userId="fec56361-5c8a-4790-9e84-6272d2f2258e" providerId="ADAL" clId="{87DEA6A5-04DD-4F0B-8A38-25F89595D54E}" dt="2023-04-11T22:04:45.494" v="2298" actId="1035"/>
         <pc:sldMkLst>
           <pc:docMk/>
           <pc:sldMk cId="912822917" sldId="263"/>
         </pc:sldMkLst>
+        <pc:spChg chg="add mod">
+          <ac:chgData name="White, Ellie" userId="fec56361-5c8a-4790-9e84-6272d2f2258e" providerId="ADAL" clId="{87DEA6A5-04DD-4F0B-8A38-25F89595D54E}" dt="2023-04-11T20:32:52.031" v="2181" actId="2711"/>
+          <ac:spMkLst>
+            <pc:docMk/>
+            <pc:sldMk cId="912822917" sldId="263"/>
+            <ac:spMk id="2" creationId="{8288BC70-C0F2-8DD8-17A6-B82FC0EAF39C}"/>
+          </ac:spMkLst>
+        </pc:spChg>
+        <pc:spChg chg="add mod">
+          <ac:chgData name="White, Ellie" userId="fec56361-5c8a-4790-9e84-6272d2f2258e" providerId="ADAL" clId="{87DEA6A5-04DD-4F0B-8A38-25F89595D54E}" dt="2023-04-11T20:32:52.031" v="2181" actId="2711"/>
+          <ac:spMkLst>
+            <pc:docMk/>
+            <pc:sldMk cId="912822917" sldId="263"/>
+            <ac:spMk id="4" creationId="{5D0E829E-09C8-6C7F-0619-369953D3F049}"/>
+          </ac:spMkLst>
+        </pc:spChg>
         <pc:spChg chg="mod">
           <ac:chgData name="White, Ellie" userId="fec56361-5c8a-4790-9e84-6272d2f2258e" providerId="ADAL" clId="{87DEA6A5-04DD-4F0B-8A38-25F89595D54E}" dt="2023-04-11T06:12:09.626" v="803" actId="165"/>
           <ac:spMkLst>
@@ -2496,16 +2512,16 @@
             <ac:spMk id="11" creationId="{844ABA5D-F707-9535-1914-1C3A7F482CEA}"/>
           </ac:spMkLst>
         </pc:spChg>
-        <pc:spChg chg="mod topLvl">
-          <ac:chgData name="White, Ellie" userId="fec56361-5c8a-4790-9e84-6272d2f2258e" providerId="ADAL" clId="{87DEA6A5-04DD-4F0B-8A38-25F89595D54E}" dt="2023-04-11T15:11:42.352" v="960" actId="164"/>
+        <pc:spChg chg="del mod topLvl">
+          <ac:chgData name="White, Ellie" userId="fec56361-5c8a-4790-9e84-6272d2f2258e" providerId="ADAL" clId="{87DEA6A5-04DD-4F0B-8A38-25F89595D54E}" dt="2023-04-11T19:45:46.018" v="1497" actId="478"/>
           <ac:spMkLst>
             <pc:docMk/>
             <pc:sldMk cId="912822917" sldId="263"/>
             <ac:spMk id="12" creationId="{A92751BD-0BCB-F84D-4CE3-45911BE1EE09}"/>
           </ac:spMkLst>
         </pc:spChg>
-        <pc:spChg chg="mod topLvl">
-          <ac:chgData name="White, Ellie" userId="fec56361-5c8a-4790-9e84-6272d2f2258e" providerId="ADAL" clId="{87DEA6A5-04DD-4F0B-8A38-25F89595D54E}" dt="2023-04-11T15:11:42.352" v="960" actId="164"/>
+        <pc:spChg chg="del mod topLvl">
+          <ac:chgData name="White, Ellie" userId="fec56361-5c8a-4790-9e84-6272d2f2258e" providerId="ADAL" clId="{87DEA6A5-04DD-4F0B-8A38-25F89595D54E}" dt="2023-04-11T19:46:45.132" v="1502" actId="478"/>
           <ac:spMkLst>
             <pc:docMk/>
             <pc:sldMk cId="912822917" sldId="263"/>
@@ -2513,7 +2529,7 @@
           </ac:spMkLst>
         </pc:spChg>
         <pc:spChg chg="mod topLvl">
-          <ac:chgData name="White, Ellie" userId="fec56361-5c8a-4790-9e84-6272d2f2258e" providerId="ADAL" clId="{87DEA6A5-04DD-4F0B-8A38-25F89595D54E}" dt="2023-04-11T15:11:42.352" v="960" actId="164"/>
+          <ac:chgData name="White, Ellie" userId="fec56361-5c8a-4790-9e84-6272d2f2258e" providerId="ADAL" clId="{87DEA6A5-04DD-4F0B-8A38-25F89595D54E}" dt="2023-04-11T20:37:29.549" v="2279" actId="688"/>
           <ac:spMkLst>
             <pc:docMk/>
             <pc:sldMk cId="912822917" sldId="263"/>
@@ -2521,7 +2537,7 @@
           </ac:spMkLst>
         </pc:spChg>
         <pc:spChg chg="mod topLvl">
-          <ac:chgData name="White, Ellie" userId="fec56361-5c8a-4790-9e84-6272d2f2258e" providerId="ADAL" clId="{87DEA6A5-04DD-4F0B-8A38-25F89595D54E}" dt="2023-04-11T15:11:42.352" v="960" actId="164"/>
+          <ac:chgData name="White, Ellie" userId="fec56361-5c8a-4790-9e84-6272d2f2258e" providerId="ADAL" clId="{87DEA6A5-04DD-4F0B-8A38-25F89595D54E}" dt="2023-04-11T20:32:52.031" v="2181" actId="2711"/>
           <ac:spMkLst>
             <pc:docMk/>
             <pc:sldMk cId="912822917" sldId="263"/>
@@ -2536,16 +2552,24 @@
             <ac:spMk id="16" creationId="{355663AC-5DF1-DE82-D377-3B4D2A05ADFE}"/>
           </ac:spMkLst>
         </pc:spChg>
-        <pc:spChg chg="mod">
-          <ac:chgData name="White, Ellie" userId="fec56361-5c8a-4790-9e84-6272d2f2258e" providerId="ADAL" clId="{87DEA6A5-04DD-4F0B-8A38-25F89595D54E}" dt="2023-04-11T15:08:54.314" v="887" actId="165"/>
+        <pc:spChg chg="mod topLvl">
+          <ac:chgData name="White, Ellie" userId="fec56361-5c8a-4790-9e84-6272d2f2258e" providerId="ADAL" clId="{87DEA6A5-04DD-4F0B-8A38-25F89595D54E}" dt="2023-04-11T20:18:02.679" v="1855"/>
           <ac:spMkLst>
             <pc:docMk/>
             <pc:sldMk cId="912822917" sldId="263"/>
             <ac:spMk id="17" creationId="{E8EB3159-5F25-B2C0-43AC-83F1DF73BE7B}"/>
           </ac:spMkLst>
         </pc:spChg>
-        <pc:spChg chg="mod">
-          <ac:chgData name="White, Ellie" userId="fec56361-5c8a-4790-9e84-6272d2f2258e" providerId="ADAL" clId="{87DEA6A5-04DD-4F0B-8A38-25F89595D54E}" dt="2023-04-11T15:08:54.314" v="887" actId="165"/>
+        <pc:spChg chg="add mod topLvl">
+          <ac:chgData name="White, Ellie" userId="fec56361-5c8a-4790-9e84-6272d2f2258e" providerId="ADAL" clId="{87DEA6A5-04DD-4F0B-8A38-25F89595D54E}" dt="2023-04-11T20:33:39.714" v="2186" actId="207"/>
+          <ac:spMkLst>
+            <pc:docMk/>
+            <pc:sldMk cId="912822917" sldId="263"/>
+            <ac:spMk id="19" creationId="{DA929B51-3EC7-211E-BBAF-5B09BADD2F03}"/>
+          </ac:spMkLst>
+        </pc:spChg>
+        <pc:spChg chg="mod">
+          <ac:chgData name="White, Ellie" userId="fec56361-5c8a-4790-9e84-6272d2f2258e" providerId="ADAL" clId="{87DEA6A5-04DD-4F0B-8A38-25F89595D54E}" dt="2023-04-11T20:18:02.679" v="1855"/>
           <ac:spMkLst>
             <pc:docMk/>
             <pc:sldMk cId="912822917" sldId="263"/>
@@ -2561,7 +2585,7 @@
           </ac:spMkLst>
         </pc:spChg>
         <pc:spChg chg="mod">
-          <ac:chgData name="White, Ellie" userId="fec56361-5c8a-4790-9e84-6272d2f2258e" providerId="ADAL" clId="{87DEA6A5-04DD-4F0B-8A38-25F89595D54E}" dt="2023-04-11T15:08:54.314" v="887" actId="165"/>
+          <ac:chgData name="White, Ellie" userId="fec56361-5c8a-4790-9e84-6272d2f2258e" providerId="ADAL" clId="{87DEA6A5-04DD-4F0B-8A38-25F89595D54E}" dt="2023-04-11T20:18:02.679" v="1855"/>
           <ac:spMkLst>
             <pc:docMk/>
             <pc:sldMk cId="912822917" sldId="263"/>
@@ -2569,7 +2593,7 @@
           </ac:spMkLst>
         </pc:spChg>
         <pc:spChg chg="mod">
-          <ac:chgData name="White, Ellie" userId="fec56361-5c8a-4790-9e84-6272d2f2258e" providerId="ADAL" clId="{87DEA6A5-04DD-4F0B-8A38-25F89595D54E}" dt="2023-04-11T15:08:54.314" v="887" actId="165"/>
+          <ac:chgData name="White, Ellie" userId="fec56361-5c8a-4790-9e84-6272d2f2258e" providerId="ADAL" clId="{87DEA6A5-04DD-4F0B-8A38-25F89595D54E}" dt="2023-04-11T20:18:02.679" v="1855"/>
           <ac:spMkLst>
             <pc:docMk/>
             <pc:sldMk cId="912822917" sldId="263"/>
@@ -2577,15 +2601,39 @@
           </ac:spMkLst>
         </pc:spChg>
         <pc:spChg chg="mod">
-          <ac:chgData name="White, Ellie" userId="fec56361-5c8a-4790-9e84-6272d2f2258e" providerId="ADAL" clId="{87DEA6A5-04DD-4F0B-8A38-25F89595D54E}" dt="2023-04-11T15:08:54.314" v="887" actId="165"/>
+          <ac:chgData name="White, Ellie" userId="fec56361-5c8a-4790-9e84-6272d2f2258e" providerId="ADAL" clId="{87DEA6A5-04DD-4F0B-8A38-25F89595D54E}" dt="2023-04-11T20:18:02.679" v="1855"/>
           <ac:spMkLst>
             <pc:docMk/>
             <pc:sldMk cId="912822917" sldId="263"/>
             <ac:spMk id="24" creationId="{2FFEA1FF-8F5A-57FB-1329-EE3230CCA5E4}"/>
           </ac:spMkLst>
         </pc:spChg>
-        <pc:spChg chg="mod">
-          <ac:chgData name="White, Ellie" userId="fec56361-5c8a-4790-9e84-6272d2f2258e" providerId="ADAL" clId="{87DEA6A5-04DD-4F0B-8A38-25F89595D54E}" dt="2023-04-11T15:08:54.314" v="887" actId="165"/>
+        <pc:spChg chg="add mod">
+          <ac:chgData name="White, Ellie" userId="fec56361-5c8a-4790-9e84-6272d2f2258e" providerId="ADAL" clId="{87DEA6A5-04DD-4F0B-8A38-25F89595D54E}" dt="2023-04-11T20:32:52.031" v="2181" actId="2711"/>
+          <ac:spMkLst>
+            <pc:docMk/>
+            <pc:sldMk cId="912822917" sldId="263"/>
+            <ac:spMk id="25" creationId="{6740CC60-AAA6-29FC-E133-D4D586531A7E}"/>
+          </ac:spMkLst>
+        </pc:spChg>
+        <pc:spChg chg="add mod">
+          <ac:chgData name="White, Ellie" userId="fec56361-5c8a-4790-9e84-6272d2f2258e" providerId="ADAL" clId="{87DEA6A5-04DD-4F0B-8A38-25F89595D54E}" dt="2023-04-11T20:32:52.031" v="2181" actId="2711"/>
+          <ac:spMkLst>
+            <pc:docMk/>
+            <pc:sldMk cId="912822917" sldId="263"/>
+            <ac:spMk id="26" creationId="{2F639B51-9B23-CF8C-B90C-337237AA59E8}"/>
+          </ac:spMkLst>
+        </pc:spChg>
+        <pc:spChg chg="add mod">
+          <ac:chgData name="White, Ellie" userId="fec56361-5c8a-4790-9e84-6272d2f2258e" providerId="ADAL" clId="{87DEA6A5-04DD-4F0B-8A38-25F89595D54E}" dt="2023-04-11T20:32:52.031" v="2181" actId="2711"/>
+          <ac:spMkLst>
+            <pc:docMk/>
+            <pc:sldMk cId="912822917" sldId="263"/>
+            <ac:spMk id="27" creationId="{8AEBDDE5-8B8D-D61D-765C-CCEA11C6A82A}"/>
+          </ac:spMkLst>
+        </pc:spChg>
+        <pc:spChg chg="mod">
+          <ac:chgData name="White, Ellie" userId="fec56361-5c8a-4790-9e84-6272d2f2258e" providerId="ADAL" clId="{87DEA6A5-04DD-4F0B-8A38-25F89595D54E}" dt="2023-04-11T20:18:02.679" v="1855"/>
           <ac:spMkLst>
             <pc:docMk/>
             <pc:sldMk cId="912822917" sldId="263"/>
@@ -2593,7 +2641,7 @@
           </ac:spMkLst>
         </pc:spChg>
         <pc:spChg chg="mod">
-          <ac:chgData name="White, Ellie" userId="fec56361-5c8a-4790-9e84-6272d2f2258e" providerId="ADAL" clId="{87DEA6A5-04DD-4F0B-8A38-25F89595D54E}" dt="2023-04-11T15:08:54.314" v="887" actId="165"/>
+          <ac:chgData name="White, Ellie" userId="fec56361-5c8a-4790-9e84-6272d2f2258e" providerId="ADAL" clId="{87DEA6A5-04DD-4F0B-8A38-25F89595D54E}" dt="2023-04-11T20:18:02.679" v="1855"/>
           <ac:spMkLst>
             <pc:docMk/>
             <pc:sldMk cId="912822917" sldId="263"/>
@@ -2601,13 +2649,21 @@
           </ac:spMkLst>
         </pc:spChg>
         <pc:spChg chg="mod">
-          <ac:chgData name="White, Ellie" userId="fec56361-5c8a-4790-9e84-6272d2f2258e" providerId="ADAL" clId="{87DEA6A5-04DD-4F0B-8A38-25F89595D54E}" dt="2023-04-11T15:08:54.314" v="887" actId="165"/>
+          <ac:chgData name="White, Ellie" userId="fec56361-5c8a-4790-9e84-6272d2f2258e" providerId="ADAL" clId="{87DEA6A5-04DD-4F0B-8A38-25F89595D54E}" dt="2023-04-11T20:18:02.679" v="1855"/>
           <ac:spMkLst>
             <pc:docMk/>
             <pc:sldMk cId="912822917" sldId="263"/>
             <ac:spMk id="30" creationId="{52FED1B8-24A1-12B4-7DC3-1595C2923EF6}"/>
           </ac:spMkLst>
         </pc:spChg>
+        <pc:spChg chg="add mod">
+          <ac:chgData name="White, Ellie" userId="fec56361-5c8a-4790-9e84-6272d2f2258e" providerId="ADAL" clId="{87DEA6A5-04DD-4F0B-8A38-25F89595D54E}" dt="2023-04-11T20:32:52.031" v="2181" actId="2711"/>
+          <ac:spMkLst>
+            <pc:docMk/>
+            <pc:sldMk cId="912822917" sldId="263"/>
+            <ac:spMk id="31" creationId="{3C825B84-13DF-AA06-B312-526AFA44F8D3}"/>
+          </ac:spMkLst>
+        </pc:spChg>
         <pc:spChg chg="mod">
           <ac:chgData name="White, Ellie" userId="fec56361-5c8a-4790-9e84-6272d2f2258e" providerId="ADAL" clId="{87DEA6A5-04DD-4F0B-8A38-25F89595D54E}" dt="2023-04-11T06:12:09.626" v="803" actId="165"/>
           <ac:spMkLst>
@@ -2617,13 +2673,21 @@
           </ac:spMkLst>
         </pc:spChg>
         <pc:spChg chg="mod">
-          <ac:chgData name="White, Ellie" userId="fec56361-5c8a-4790-9e84-6272d2f2258e" providerId="ADAL" clId="{87DEA6A5-04DD-4F0B-8A38-25F89595D54E}" dt="2023-04-11T15:08:54.314" v="887" actId="165"/>
+          <ac:chgData name="White, Ellie" userId="fec56361-5c8a-4790-9e84-6272d2f2258e" providerId="ADAL" clId="{87DEA6A5-04DD-4F0B-8A38-25F89595D54E}" dt="2023-04-11T20:18:02.679" v="1855"/>
           <ac:spMkLst>
             <pc:docMk/>
             <pc:sldMk cId="912822917" sldId="263"/>
             <ac:spMk id="32" creationId="{2E8B8AE1-2ED1-A064-0F0C-35811B7A3A73}"/>
           </ac:spMkLst>
         </pc:spChg>
+        <pc:spChg chg="add mod">
+          <ac:chgData name="White, Ellie" userId="fec56361-5c8a-4790-9e84-6272d2f2258e" providerId="ADAL" clId="{87DEA6A5-04DD-4F0B-8A38-25F89595D54E}" dt="2023-04-11T20:32:52.031" v="2181" actId="2711"/>
+          <ac:spMkLst>
+            <pc:docMk/>
+            <pc:sldMk cId="912822917" sldId="263"/>
+            <ac:spMk id="33" creationId="{0623E2AF-E374-D1DE-45ED-B71682CA7A78}"/>
+          </ac:spMkLst>
+        </pc:spChg>
         <pc:spChg chg="mod">
           <ac:chgData name="White, Ellie" userId="fec56361-5c8a-4790-9e84-6272d2f2258e" providerId="ADAL" clId="{87DEA6A5-04DD-4F0B-8A38-25F89595D54E}" dt="2023-04-11T06:12:09.626" v="803" actId="165"/>
           <ac:spMkLst>
@@ -2633,13 +2697,21 @@
           </ac:spMkLst>
         </pc:spChg>
         <pc:spChg chg="mod">
-          <ac:chgData name="White, Ellie" userId="fec56361-5c8a-4790-9e84-6272d2f2258e" providerId="ADAL" clId="{87DEA6A5-04DD-4F0B-8A38-25F89595D54E}" dt="2023-04-11T15:08:54.314" v="887" actId="165"/>
+          <ac:chgData name="White, Ellie" userId="fec56361-5c8a-4790-9e84-6272d2f2258e" providerId="ADAL" clId="{87DEA6A5-04DD-4F0B-8A38-25F89595D54E}" dt="2023-04-11T20:18:02.679" v="1855"/>
           <ac:spMkLst>
             <pc:docMk/>
             <pc:sldMk cId="912822917" sldId="263"/>
             <ac:spMk id="34" creationId="{BAC09385-76B2-A5E3-587A-5B1B7B5A401B}"/>
           </ac:spMkLst>
         </pc:spChg>
+        <pc:spChg chg="add mod">
+          <ac:chgData name="White, Ellie" userId="fec56361-5c8a-4790-9e84-6272d2f2258e" providerId="ADAL" clId="{87DEA6A5-04DD-4F0B-8A38-25F89595D54E}" dt="2023-04-11T20:32:52.031" v="2181" actId="2711"/>
+          <ac:spMkLst>
+            <pc:docMk/>
+            <pc:sldMk cId="912822917" sldId="263"/>
+            <ac:spMk id="37" creationId="{18EBC1E1-81D2-2127-09F4-D39CCB1BD912}"/>
+          </ac:spMkLst>
+        </pc:spChg>
         <pc:spChg chg="mod">
           <ac:chgData name="White, Ellie" userId="fec56361-5c8a-4790-9e84-6272d2f2258e" providerId="ADAL" clId="{87DEA6A5-04DD-4F0B-8A38-25F89595D54E}" dt="2023-04-11T06:12:09.626" v="803" actId="165"/>
           <ac:spMkLst>
@@ -2648,8 +2720,24 @@
             <ac:spMk id="37" creationId="{97060462-59E5-ED59-7A98-3E36125EE861}"/>
           </ac:spMkLst>
         </pc:spChg>
-        <pc:spChg chg="mod">
-          <ac:chgData name="White, Ellie" userId="fec56361-5c8a-4790-9e84-6272d2f2258e" providerId="ADAL" clId="{87DEA6A5-04DD-4F0B-8A38-25F89595D54E}" dt="2023-04-11T15:08:54.314" v="887" actId="165"/>
+        <pc:spChg chg="add mod">
+          <ac:chgData name="White, Ellie" userId="fec56361-5c8a-4790-9e84-6272d2f2258e" providerId="ADAL" clId="{87DEA6A5-04DD-4F0B-8A38-25F89595D54E}" dt="2023-04-11T20:32:52.031" v="2181" actId="2711"/>
+          <ac:spMkLst>
+            <pc:docMk/>
+            <pc:sldMk cId="912822917" sldId="263"/>
+            <ac:spMk id="38" creationId="{FBC3D8DE-F4D6-6C17-0B6A-B788F41EAD5D}"/>
+          </ac:spMkLst>
+        </pc:spChg>
+        <pc:spChg chg="add mod">
+          <ac:chgData name="White, Ellie" userId="fec56361-5c8a-4790-9e84-6272d2f2258e" providerId="ADAL" clId="{87DEA6A5-04DD-4F0B-8A38-25F89595D54E}" dt="2023-04-11T20:32:52.031" v="2181" actId="2711"/>
+          <ac:spMkLst>
+            <pc:docMk/>
+            <pc:sldMk cId="912822917" sldId="263"/>
+            <ac:spMk id="39" creationId="{BCA7267D-0CEC-EBFA-292B-6446F5F59D83}"/>
+          </ac:spMkLst>
+        </pc:spChg>
+        <pc:spChg chg="mod">
+          <ac:chgData name="White, Ellie" userId="fec56361-5c8a-4790-9e84-6272d2f2258e" providerId="ADAL" clId="{87DEA6A5-04DD-4F0B-8A38-25F89595D54E}" dt="2023-04-11T20:37:06.251" v="2248" actId="14100"/>
           <ac:spMkLst>
             <pc:docMk/>
             <pc:sldMk cId="912822917" sldId="263"/>
@@ -2657,15 +2745,15 @@
           </ac:spMkLst>
         </pc:spChg>
         <pc:spChg chg="mod topLvl">
-          <ac:chgData name="White, Ellie" userId="fec56361-5c8a-4790-9e84-6272d2f2258e" providerId="ADAL" clId="{87DEA6A5-04DD-4F0B-8A38-25F89595D54E}" dt="2023-04-11T15:11:42.352" v="960" actId="164"/>
+          <ac:chgData name="White, Ellie" userId="fec56361-5c8a-4790-9e84-6272d2f2258e" providerId="ADAL" clId="{87DEA6A5-04DD-4F0B-8A38-25F89595D54E}" dt="2023-04-11T20:32:59.248" v="2182" actId="14100"/>
           <ac:spMkLst>
             <pc:docMk/>
             <pc:sldMk cId="912822917" sldId="263"/>
             <ac:spMk id="41" creationId="{5F5D940E-4470-F7CD-8BD1-A5F121F2E744}"/>
           </ac:spMkLst>
         </pc:spChg>
-        <pc:spChg chg="mod">
-          <ac:chgData name="White, Ellie" userId="fec56361-5c8a-4790-9e84-6272d2f2258e" providerId="ADAL" clId="{87DEA6A5-04DD-4F0B-8A38-25F89595D54E}" dt="2023-04-11T15:08:54.314" v="887" actId="165"/>
+        <pc:spChg chg="mod ord">
+          <ac:chgData name="White, Ellie" userId="fec56361-5c8a-4790-9e84-6272d2f2258e" providerId="ADAL" clId="{87DEA6A5-04DD-4F0B-8A38-25F89595D54E}" dt="2023-04-11T20:37:15.019" v="2258" actId="1038"/>
           <ac:spMkLst>
             <pc:docMk/>
             <pc:sldMk cId="912822917" sldId="263"/>
@@ -2673,31 +2761,63 @@
           </ac:spMkLst>
         </pc:spChg>
         <pc:spChg chg="mod topLvl">
-          <ac:chgData name="White, Ellie" userId="fec56361-5c8a-4790-9e84-6272d2f2258e" providerId="ADAL" clId="{87DEA6A5-04DD-4F0B-8A38-25F89595D54E}" dt="2023-04-11T15:11:42.352" v="960" actId="164"/>
+          <ac:chgData name="White, Ellie" userId="fec56361-5c8a-4790-9e84-6272d2f2258e" providerId="ADAL" clId="{87DEA6A5-04DD-4F0B-8A38-25F89595D54E}" dt="2023-04-11T20:32:52.031" v="2181" actId="2711"/>
           <ac:spMkLst>
             <pc:docMk/>
             <pc:sldMk cId="912822917" sldId="263"/>
             <ac:spMk id="43" creationId="{F70E8B3A-3F4D-4216-0945-CC1BC07328A7}"/>
           </ac:spMkLst>
         </pc:spChg>
+        <pc:spChg chg="add mod">
+          <ac:chgData name="White, Ellie" userId="fec56361-5c8a-4790-9e84-6272d2f2258e" providerId="ADAL" clId="{87DEA6A5-04DD-4F0B-8A38-25F89595D54E}" dt="2023-04-11T20:32:52.031" v="2181" actId="2711"/>
+          <ac:spMkLst>
+            <pc:docMk/>
+            <pc:sldMk cId="912822917" sldId="263"/>
+            <ac:spMk id="44" creationId="{C913FC49-0B42-1E63-A489-1C08A6CE75E8}"/>
+          </ac:spMkLst>
+        </pc:spChg>
         <pc:spChg chg="mod topLvl">
-          <ac:chgData name="White, Ellie" userId="fec56361-5c8a-4790-9e84-6272d2f2258e" providerId="ADAL" clId="{87DEA6A5-04DD-4F0B-8A38-25F89595D54E}" dt="2023-04-11T15:11:42.352" v="960" actId="164"/>
+          <ac:chgData name="White, Ellie" userId="fec56361-5c8a-4790-9e84-6272d2f2258e" providerId="ADAL" clId="{87DEA6A5-04DD-4F0B-8A38-25F89595D54E}" dt="2023-04-11T20:34:05.872" v="2199" actId="1035"/>
           <ac:spMkLst>
             <pc:docMk/>
             <pc:sldMk cId="912822917" sldId="263"/>
             <ac:spMk id="45" creationId="{12B6A50C-C0A7-A3A2-2A3B-5B6FD9C0EFD2}"/>
           </ac:spMkLst>
         </pc:spChg>
-        <pc:spChg chg="mod">
-          <ac:chgData name="White, Ellie" userId="fec56361-5c8a-4790-9e84-6272d2f2258e" providerId="ADAL" clId="{87DEA6A5-04DD-4F0B-8A38-25F89595D54E}" dt="2023-04-11T15:27:26.558" v="968" actId="20577"/>
+        <pc:spChg chg="add mod">
+          <ac:chgData name="White, Ellie" userId="fec56361-5c8a-4790-9e84-6272d2f2258e" providerId="ADAL" clId="{87DEA6A5-04DD-4F0B-8A38-25F89595D54E}" dt="2023-04-11T20:32:52.031" v="2181" actId="2711"/>
+          <ac:spMkLst>
+            <pc:docMk/>
+            <pc:sldMk cId="912822917" sldId="263"/>
+            <ac:spMk id="46" creationId="{7504EDB8-34EB-2D1B-875A-CCD79307F8E7}"/>
+          </ac:spMkLst>
+        </pc:spChg>
+        <pc:spChg chg="add mod">
+          <ac:chgData name="White, Ellie" userId="fec56361-5c8a-4790-9e84-6272d2f2258e" providerId="ADAL" clId="{87DEA6A5-04DD-4F0B-8A38-25F89595D54E}" dt="2023-04-11T20:32:52.031" v="2181" actId="2711"/>
+          <ac:spMkLst>
+            <pc:docMk/>
+            <pc:sldMk cId="912822917" sldId="263"/>
+            <ac:spMk id="49" creationId="{4941CF0D-2BE0-8B42-A03E-6E82061E7976}"/>
+          </ac:spMkLst>
+        </pc:spChg>
+        <pc:spChg chg="add mod">
+          <ac:chgData name="White, Ellie" userId="fec56361-5c8a-4790-9e84-6272d2f2258e" providerId="ADAL" clId="{87DEA6A5-04DD-4F0B-8A38-25F89595D54E}" dt="2023-04-11T20:32:52.031" v="2181" actId="2711"/>
+          <ac:spMkLst>
+            <pc:docMk/>
+            <pc:sldMk cId="912822917" sldId="263"/>
+            <ac:spMk id="50" creationId="{07F4F73D-7D88-C6BE-A2EE-1E3B1867D2B0}"/>
+          </ac:spMkLst>
+        </pc:spChg>
+        <pc:spChg chg="mod topLvl">
+          <ac:chgData name="White, Ellie" userId="fec56361-5c8a-4790-9e84-6272d2f2258e" providerId="ADAL" clId="{87DEA6A5-04DD-4F0B-8A38-25F89595D54E}" dt="2023-04-11T20:33:39.714" v="2186" actId="207"/>
           <ac:spMkLst>
             <pc:docMk/>
             <pc:sldMk cId="912822917" sldId="263"/>
             <ac:spMk id="52" creationId="{A8B2F5B7-32F2-5956-89F6-ED6E67C8AE16}"/>
           </ac:spMkLst>
         </pc:spChg>
-        <pc:spChg chg="mod">
-          <ac:chgData name="White, Ellie" userId="fec56361-5c8a-4790-9e84-6272d2f2258e" providerId="ADAL" clId="{87DEA6A5-04DD-4F0B-8A38-25F89595D54E}" dt="2023-04-11T15:09:37.443" v="911" actId="1038"/>
+        <pc:spChg chg="mod topLvl">
+          <ac:chgData name="White, Ellie" userId="fec56361-5c8a-4790-9e84-6272d2f2258e" providerId="ADAL" clId="{87DEA6A5-04DD-4F0B-8A38-25F89595D54E}" dt="2023-04-11T20:33:39.714" v="2186" actId="207"/>
           <ac:spMkLst>
             <pc:docMk/>
             <pc:sldMk cId="912822917" sldId="263"/>
@@ -2705,7 +2825,7 @@
           </ac:spMkLst>
         </pc:spChg>
         <pc:spChg chg="mod">
-          <ac:chgData name="White, Ellie" userId="fec56361-5c8a-4790-9e84-6272d2f2258e" providerId="ADAL" clId="{87DEA6A5-04DD-4F0B-8A38-25F89595D54E}" dt="2023-04-11T15:10:42.101" v="917" actId="208"/>
+          <ac:chgData name="White, Ellie" userId="fec56361-5c8a-4790-9e84-6272d2f2258e" providerId="ADAL" clId="{87DEA6A5-04DD-4F0B-8A38-25F89595D54E}" dt="2023-04-11T20:18:02.679" v="1855"/>
           <ac:spMkLst>
             <pc:docMk/>
             <pc:sldMk cId="912822917" sldId="263"/>
@@ -2713,23 +2833,95 @@
           </ac:spMkLst>
         </pc:spChg>
         <pc:spChg chg="mod">
-          <ac:chgData name="White, Ellie" userId="fec56361-5c8a-4790-9e84-6272d2f2258e" providerId="ADAL" clId="{87DEA6A5-04DD-4F0B-8A38-25F89595D54E}" dt="2023-04-11T15:10:47.794" v="918" actId="1038"/>
+          <ac:chgData name="White, Ellie" userId="fec56361-5c8a-4790-9e84-6272d2f2258e" providerId="ADAL" clId="{87DEA6A5-04DD-4F0B-8A38-25F89595D54E}" dt="2023-04-11T20:18:02.679" v="1855"/>
           <ac:spMkLst>
             <pc:docMk/>
             <pc:sldMk cId="912822917" sldId="263"/>
             <ac:spMk id="58" creationId="{E2E61A04-C16F-87F3-537C-3FF415F6BDB2}"/>
           </ac:spMkLst>
         </pc:spChg>
+        <pc:spChg chg="add mod">
+          <ac:chgData name="White, Ellie" userId="fec56361-5c8a-4790-9e84-6272d2f2258e" providerId="ADAL" clId="{87DEA6A5-04DD-4F0B-8A38-25F89595D54E}" dt="2023-04-11T20:32:52.031" v="2181" actId="2711"/>
+          <ac:spMkLst>
+            <pc:docMk/>
+            <pc:sldMk cId="912822917" sldId="263"/>
+            <ac:spMk id="59" creationId="{06256524-78E4-8A33-A709-CC2DDBE52305}"/>
+          </ac:spMkLst>
+        </pc:spChg>
+        <pc:spChg chg="add mod">
+          <ac:chgData name="White, Ellie" userId="fec56361-5c8a-4790-9e84-6272d2f2258e" providerId="ADAL" clId="{87DEA6A5-04DD-4F0B-8A38-25F89595D54E}" dt="2023-04-11T20:32:52.031" v="2181" actId="2711"/>
+          <ac:spMkLst>
+            <pc:docMk/>
+            <pc:sldMk cId="912822917" sldId="263"/>
+            <ac:spMk id="60" creationId="{FACBA321-916B-7306-ACC0-22E77247ACBB}"/>
+          </ac:spMkLst>
+        </pc:spChg>
         <pc:spChg chg="mod topLvl">
-          <ac:chgData name="White, Ellie" userId="fec56361-5c8a-4790-9e84-6272d2f2258e" providerId="ADAL" clId="{87DEA6A5-04DD-4F0B-8A38-25F89595D54E}" dt="2023-04-11T15:11:42.352" v="960" actId="164"/>
+          <ac:chgData name="White, Ellie" userId="fec56361-5c8a-4790-9e84-6272d2f2258e" providerId="ADAL" clId="{87DEA6A5-04DD-4F0B-8A38-25F89595D54E}" dt="2023-04-11T20:24:45.244" v="2154" actId="1035"/>
           <ac:spMkLst>
             <pc:docMk/>
             <pc:sldMk cId="912822917" sldId="263"/>
             <ac:spMk id="61" creationId="{3B2890E0-4397-E461-4158-1EA89FBAA79A}"/>
           </ac:spMkLst>
         </pc:spChg>
-        <pc:spChg chg="mod">
-          <ac:chgData name="White, Ellie" userId="fec56361-5c8a-4790-9e84-6272d2f2258e" providerId="ADAL" clId="{87DEA6A5-04DD-4F0B-8A38-25F89595D54E}" dt="2023-04-11T15:08:54.314" v="887" actId="165"/>
+        <pc:spChg chg="add mod">
+          <ac:chgData name="White, Ellie" userId="fec56361-5c8a-4790-9e84-6272d2f2258e" providerId="ADAL" clId="{87DEA6A5-04DD-4F0B-8A38-25F89595D54E}" dt="2023-04-11T20:32:52.031" v="2181" actId="2711"/>
+          <ac:spMkLst>
+            <pc:docMk/>
+            <pc:sldMk cId="912822917" sldId="263"/>
+            <ac:spMk id="62" creationId="{F65FC63B-61EF-7AE4-DBC4-E9955A8C1A3B}"/>
+          </ac:spMkLst>
+        </pc:spChg>
+        <pc:spChg chg="add mod">
+          <ac:chgData name="White, Ellie" userId="fec56361-5c8a-4790-9e84-6272d2f2258e" providerId="ADAL" clId="{87DEA6A5-04DD-4F0B-8A38-25F89595D54E}" dt="2023-04-11T20:32:52.031" v="2181" actId="2711"/>
+          <ac:spMkLst>
+            <pc:docMk/>
+            <pc:sldMk cId="912822917" sldId="263"/>
+            <ac:spMk id="63" creationId="{B9A49320-49E4-25AC-D7A4-3EF82594EFA8}"/>
+          </ac:spMkLst>
+        </pc:spChg>
+        <pc:spChg chg="add del mod">
+          <ac:chgData name="White, Ellie" userId="fec56361-5c8a-4790-9e84-6272d2f2258e" providerId="ADAL" clId="{87DEA6A5-04DD-4F0B-8A38-25F89595D54E}" dt="2023-04-11T20:05:41.073" v="1598" actId="478"/>
+          <ac:spMkLst>
+            <pc:docMk/>
+            <pc:sldMk cId="912822917" sldId="263"/>
+            <ac:spMk id="64" creationId="{F4FFF178-BD61-C29E-4B2E-8B3AE5D84F62}"/>
+          </ac:spMkLst>
+        </pc:spChg>
+        <pc:spChg chg="add del mod">
+          <ac:chgData name="White, Ellie" userId="fec56361-5c8a-4790-9e84-6272d2f2258e" providerId="ADAL" clId="{87DEA6A5-04DD-4F0B-8A38-25F89595D54E}" dt="2023-04-11T22:04:05.396" v="2291" actId="478"/>
+          <ac:spMkLst>
+            <pc:docMk/>
+            <pc:sldMk cId="912822917" sldId="263"/>
+            <ac:spMk id="65" creationId="{020D8591-D2BA-3C8C-92B8-7DF8E87DD431}"/>
+          </ac:spMkLst>
+        </pc:spChg>
+        <pc:spChg chg="add mod">
+          <ac:chgData name="White, Ellie" userId="fec56361-5c8a-4790-9e84-6272d2f2258e" providerId="ADAL" clId="{87DEA6A5-04DD-4F0B-8A38-25F89595D54E}" dt="2023-04-11T22:04:45.494" v="2298" actId="1035"/>
+          <ac:spMkLst>
+            <pc:docMk/>
+            <pc:sldMk cId="912822917" sldId="263"/>
+            <ac:spMk id="67" creationId="{971AAD21-5C56-2005-235D-C9C3F123073C}"/>
+          </ac:spMkLst>
+        </pc:spChg>
+        <pc:spChg chg="add mod">
+          <ac:chgData name="White, Ellie" userId="fec56361-5c8a-4790-9e84-6272d2f2258e" providerId="ADAL" clId="{87DEA6A5-04DD-4F0B-8A38-25F89595D54E}" dt="2023-04-11T20:32:52.031" v="2181" actId="2711"/>
+          <ac:spMkLst>
+            <pc:docMk/>
+            <pc:sldMk cId="912822917" sldId="263"/>
+            <ac:spMk id="68" creationId="{565DE8B8-204B-3F62-43F2-E3B902184143}"/>
+          </ac:spMkLst>
+        </pc:spChg>
+        <pc:spChg chg="add mod">
+          <ac:chgData name="White, Ellie" userId="fec56361-5c8a-4790-9e84-6272d2f2258e" providerId="ADAL" clId="{87DEA6A5-04DD-4F0B-8A38-25F89595D54E}" dt="2023-04-11T22:04:33.735" v="2297" actId="1076"/>
+          <ac:spMkLst>
+            <pc:docMk/>
+            <pc:sldMk cId="912822917" sldId="263"/>
+            <ac:spMk id="71" creationId="{5152D9C3-E3FE-5D11-363A-7439714E7DEB}"/>
+          </ac:spMkLst>
+        </pc:spChg>
+        <pc:spChg chg="mod">
+          <ac:chgData name="White, Ellie" userId="fec56361-5c8a-4790-9e84-6272d2f2258e" providerId="ADAL" clId="{87DEA6A5-04DD-4F0B-8A38-25F89595D54E}" dt="2023-04-11T20:18:02.679" v="1855"/>
           <ac:spMkLst>
             <pc:docMk/>
             <pc:sldMk cId="912822917" sldId="263"/>
@@ -2737,7 +2929,7 @@
           </ac:spMkLst>
         </pc:spChg>
         <pc:spChg chg="mod topLvl">
-          <ac:chgData name="White, Ellie" userId="fec56361-5c8a-4790-9e84-6272d2f2258e" providerId="ADAL" clId="{87DEA6A5-04DD-4F0B-8A38-25F89595D54E}" dt="2023-04-11T15:11:42.352" v="960" actId="164"/>
+          <ac:chgData name="White, Ellie" userId="fec56361-5c8a-4790-9e84-6272d2f2258e" providerId="ADAL" clId="{87DEA6A5-04DD-4F0B-8A38-25F89595D54E}" dt="2023-04-11T20:18:02.679" v="1855"/>
           <ac:spMkLst>
             <pc:docMk/>
             <pc:sldMk cId="912822917" sldId="263"/>
@@ -2745,7 +2937,7 @@
           </ac:spMkLst>
         </pc:spChg>
         <pc:spChg chg="mod">
-          <ac:chgData name="White, Ellie" userId="fec56361-5c8a-4790-9e84-6272d2f2258e" providerId="ADAL" clId="{87DEA6A5-04DD-4F0B-8A38-25F89595D54E}" dt="2023-04-11T15:08:54.314" v="887" actId="165"/>
+          <ac:chgData name="White, Ellie" userId="fec56361-5c8a-4790-9e84-6272d2f2258e" providerId="ADAL" clId="{87DEA6A5-04DD-4F0B-8A38-25F89595D54E}" dt="2023-04-11T20:18:02.679" v="1855"/>
           <ac:spMkLst>
             <pc:docMk/>
             <pc:sldMk cId="912822917" sldId="263"/>
@@ -2753,7 +2945,7 @@
           </ac:spMkLst>
         </pc:spChg>
         <pc:spChg chg="mod">
-          <ac:chgData name="White, Ellie" userId="fec56361-5c8a-4790-9e84-6272d2f2258e" providerId="ADAL" clId="{87DEA6A5-04DD-4F0B-8A38-25F89595D54E}" dt="2023-04-11T15:08:54.314" v="887" actId="165"/>
+          <ac:chgData name="White, Ellie" userId="fec56361-5c8a-4790-9e84-6272d2f2258e" providerId="ADAL" clId="{87DEA6A5-04DD-4F0B-8A38-25F89595D54E}" dt="2023-04-11T20:18:02.679" v="1855"/>
           <ac:spMkLst>
             <pc:docMk/>
             <pc:sldMk cId="912822917" sldId="263"/>
@@ -2761,7 +2953,7 @@
           </ac:spMkLst>
         </pc:spChg>
         <pc:spChg chg="mod">
-          <ac:chgData name="White, Ellie" userId="fec56361-5c8a-4790-9e84-6272d2f2258e" providerId="ADAL" clId="{87DEA6A5-04DD-4F0B-8A38-25F89595D54E}" dt="2023-04-11T15:08:54.314" v="887" actId="165"/>
+          <ac:chgData name="White, Ellie" userId="fec56361-5c8a-4790-9e84-6272d2f2258e" providerId="ADAL" clId="{87DEA6A5-04DD-4F0B-8A38-25F89595D54E}" dt="2023-04-11T20:18:02.679" v="1855"/>
           <ac:spMkLst>
             <pc:docMk/>
             <pc:sldMk cId="912822917" sldId="263"/>
@@ -2769,7 +2961,7 @@
           </ac:spMkLst>
         </pc:spChg>
         <pc:spChg chg="mod">
-          <ac:chgData name="White, Ellie" userId="fec56361-5c8a-4790-9e84-6272d2f2258e" providerId="ADAL" clId="{87DEA6A5-04DD-4F0B-8A38-25F89595D54E}" dt="2023-04-11T15:08:54.314" v="887" actId="165"/>
+          <ac:chgData name="White, Ellie" userId="fec56361-5c8a-4790-9e84-6272d2f2258e" providerId="ADAL" clId="{87DEA6A5-04DD-4F0B-8A38-25F89595D54E}" dt="2023-04-11T20:18:02.679" v="1855"/>
           <ac:spMkLst>
             <pc:docMk/>
             <pc:sldMk cId="912822917" sldId="263"/>
@@ -2785,7 +2977,7 @@
           </ac:spMkLst>
         </pc:spChg>
         <pc:spChg chg="mod topLvl">
-          <ac:chgData name="White, Ellie" userId="fec56361-5c8a-4790-9e84-6272d2f2258e" providerId="ADAL" clId="{87DEA6A5-04DD-4F0B-8A38-25F89595D54E}" dt="2023-04-11T15:11:42.352" v="960" actId="164"/>
+          <ac:chgData name="White, Ellie" userId="fec56361-5c8a-4790-9e84-6272d2f2258e" providerId="ADAL" clId="{87DEA6A5-04DD-4F0B-8A38-25F89595D54E}" dt="2023-04-11T20:18:02.679" v="1855"/>
           <ac:spMkLst>
             <pc:docMk/>
             <pc:sldMk cId="912822917" sldId="263"/>
@@ -2793,7 +2985,7 @@
           </ac:spMkLst>
         </pc:spChg>
         <pc:spChg chg="mod topLvl">
-          <ac:chgData name="White, Ellie" userId="fec56361-5c8a-4790-9e84-6272d2f2258e" providerId="ADAL" clId="{87DEA6A5-04DD-4F0B-8A38-25F89595D54E}" dt="2023-04-11T15:11:42.352" v="960" actId="164"/>
+          <ac:chgData name="White, Ellie" userId="fec56361-5c8a-4790-9e84-6272d2f2258e" providerId="ADAL" clId="{87DEA6A5-04DD-4F0B-8A38-25F89595D54E}" dt="2023-04-11T20:18:02.679" v="1855"/>
           <ac:spMkLst>
             <pc:docMk/>
             <pc:sldMk cId="912822917" sldId="263"/>
@@ -2801,7 +2993,7 @@
           </ac:spMkLst>
         </pc:spChg>
         <pc:spChg chg="mod topLvl">
-          <ac:chgData name="White, Ellie" userId="fec56361-5c8a-4790-9e84-6272d2f2258e" providerId="ADAL" clId="{87DEA6A5-04DD-4F0B-8A38-25F89595D54E}" dt="2023-04-11T15:11:42.352" v="960" actId="164"/>
+          <ac:chgData name="White, Ellie" userId="fec56361-5c8a-4790-9e84-6272d2f2258e" providerId="ADAL" clId="{87DEA6A5-04DD-4F0B-8A38-25F89595D54E}" dt="2023-04-11T20:18:02.679" v="1855"/>
           <ac:spMkLst>
             <pc:docMk/>
             <pc:sldMk cId="912822917" sldId="263"/>
@@ -2809,7 +3001,7 @@
           </ac:spMkLst>
         </pc:spChg>
         <pc:spChg chg="mod topLvl">
-          <ac:chgData name="White, Ellie" userId="fec56361-5c8a-4790-9e84-6272d2f2258e" providerId="ADAL" clId="{87DEA6A5-04DD-4F0B-8A38-25F89595D54E}" dt="2023-04-11T15:11:42.352" v="960" actId="164"/>
+          <ac:chgData name="White, Ellie" userId="fec56361-5c8a-4790-9e84-6272d2f2258e" providerId="ADAL" clId="{87DEA6A5-04DD-4F0B-8A38-25F89595D54E}" dt="2023-04-11T20:18:02.679" v="1855"/>
           <ac:spMkLst>
             <pc:docMk/>
             <pc:sldMk cId="912822917" sldId="263"/>
@@ -2817,15 +3009,15 @@
           </ac:spMkLst>
         </pc:spChg>
         <pc:spChg chg="mod topLvl">
-          <ac:chgData name="White, Ellie" userId="fec56361-5c8a-4790-9e84-6272d2f2258e" providerId="ADAL" clId="{87DEA6A5-04DD-4F0B-8A38-25F89595D54E}" dt="2023-04-11T15:11:42.352" v="960" actId="164"/>
+          <ac:chgData name="White, Ellie" userId="fec56361-5c8a-4790-9e84-6272d2f2258e" providerId="ADAL" clId="{87DEA6A5-04DD-4F0B-8A38-25F89595D54E}" dt="2023-04-11T20:18:02.679" v="1855"/>
           <ac:spMkLst>
             <pc:docMk/>
             <pc:sldMk cId="912822917" sldId="263"/>
             <ac:spMk id="116" creationId="{68732BA1-F724-FC4F-E74C-B052C4B3D729}"/>
           </ac:spMkLst>
         </pc:spChg>
-        <pc:spChg chg="mod">
-          <ac:chgData name="White, Ellie" userId="fec56361-5c8a-4790-9e84-6272d2f2258e" providerId="ADAL" clId="{87DEA6A5-04DD-4F0B-8A38-25F89595D54E}" dt="2023-04-11T15:08:54.314" v="887" actId="165"/>
+        <pc:spChg chg="mod topLvl">
+          <ac:chgData name="White, Ellie" userId="fec56361-5c8a-4790-9e84-6272d2f2258e" providerId="ADAL" clId="{87DEA6A5-04DD-4F0B-8A38-25F89595D54E}" dt="2023-04-11T20:18:02.679" v="1855"/>
           <ac:spMkLst>
             <pc:docMk/>
             <pc:sldMk cId="912822917" sldId="263"/>
@@ -2833,7 +3025,7 @@
           </ac:spMkLst>
         </pc:spChg>
         <pc:spChg chg="mod">
-          <ac:chgData name="White, Ellie" userId="fec56361-5c8a-4790-9e84-6272d2f2258e" providerId="ADAL" clId="{87DEA6A5-04DD-4F0B-8A38-25F89595D54E}" dt="2023-04-11T15:08:54.314" v="887" actId="165"/>
+          <ac:chgData name="White, Ellie" userId="fec56361-5c8a-4790-9e84-6272d2f2258e" providerId="ADAL" clId="{87DEA6A5-04DD-4F0B-8A38-25F89595D54E}" dt="2023-04-11T20:18:02.679" v="1855"/>
           <ac:spMkLst>
             <pc:docMk/>
             <pc:sldMk cId="912822917" sldId="263"/>
@@ -2841,7 +3033,7 @@
           </ac:spMkLst>
         </pc:spChg>
         <pc:spChg chg="mod">
-          <ac:chgData name="White, Ellie" userId="fec56361-5c8a-4790-9e84-6272d2f2258e" providerId="ADAL" clId="{87DEA6A5-04DD-4F0B-8A38-25F89595D54E}" dt="2023-04-11T15:08:54.314" v="887" actId="165"/>
+          <ac:chgData name="White, Ellie" userId="fec56361-5c8a-4790-9e84-6272d2f2258e" providerId="ADAL" clId="{87DEA6A5-04DD-4F0B-8A38-25F89595D54E}" dt="2023-04-11T20:18:02.679" v="1855"/>
           <ac:spMkLst>
             <pc:docMk/>
             <pc:sldMk cId="912822917" sldId="263"/>
@@ -2849,7 +3041,7 @@
           </ac:spMkLst>
         </pc:spChg>
         <pc:spChg chg="mod">
-          <ac:chgData name="White, Ellie" userId="fec56361-5c8a-4790-9e84-6272d2f2258e" providerId="ADAL" clId="{87DEA6A5-04DD-4F0B-8A38-25F89595D54E}" dt="2023-04-11T15:08:54.314" v="887" actId="165"/>
+          <ac:chgData name="White, Ellie" userId="fec56361-5c8a-4790-9e84-6272d2f2258e" providerId="ADAL" clId="{87DEA6A5-04DD-4F0B-8A38-25F89595D54E}" dt="2023-04-11T20:18:02.679" v="1855"/>
           <ac:spMkLst>
             <pc:docMk/>
             <pc:sldMk cId="912822917" sldId="263"/>
@@ -2857,7 +3049,7 @@
           </ac:spMkLst>
         </pc:spChg>
         <pc:spChg chg="mod">
-          <ac:chgData name="White, Ellie" userId="fec56361-5c8a-4790-9e84-6272d2f2258e" providerId="ADAL" clId="{87DEA6A5-04DD-4F0B-8A38-25F89595D54E}" dt="2023-04-11T15:08:54.314" v="887" actId="165"/>
+          <ac:chgData name="White, Ellie" userId="fec56361-5c8a-4790-9e84-6272d2f2258e" providerId="ADAL" clId="{87DEA6A5-04DD-4F0B-8A38-25F89595D54E}" dt="2023-04-11T20:18:02.679" v="1855"/>
           <ac:spMkLst>
             <pc:docMk/>
             <pc:sldMk cId="912822917" sldId="263"/>
@@ -2865,7 +3057,7 @@
           </ac:spMkLst>
         </pc:spChg>
         <pc:spChg chg="mod topLvl">
-          <ac:chgData name="White, Ellie" userId="fec56361-5c8a-4790-9e84-6272d2f2258e" providerId="ADAL" clId="{87DEA6A5-04DD-4F0B-8A38-25F89595D54E}" dt="2023-04-11T15:11:42.352" v="960" actId="164"/>
+          <ac:chgData name="White, Ellie" userId="fec56361-5c8a-4790-9e84-6272d2f2258e" providerId="ADAL" clId="{87DEA6A5-04DD-4F0B-8A38-25F89595D54E}" dt="2023-04-11T20:32:52.031" v="2181" actId="2711"/>
           <ac:spMkLst>
             <pc:docMk/>
             <pc:sldMk cId="912822917" sldId="263"/>
@@ -2888,16 +3080,16 @@
             <ac:grpSpMk id="4" creationId="{4519448C-E8DD-8550-D8A0-ED1C18D6A39B}"/>
           </ac:grpSpMkLst>
         </pc:grpChg>
-        <pc:grpChg chg="add mod">
-          <ac:chgData name="White, Ellie" userId="fec56361-5c8a-4790-9e84-6272d2f2258e" providerId="ADAL" clId="{87DEA6A5-04DD-4F0B-8A38-25F89595D54E}" dt="2023-04-11T15:31:15.119" v="974" actId="164"/>
+        <pc:grpChg chg="add del mod topLvl">
+          <ac:chgData name="White, Ellie" userId="fec56361-5c8a-4790-9e84-6272d2f2258e" providerId="ADAL" clId="{87DEA6A5-04DD-4F0B-8A38-25F89595D54E}" dt="2023-04-11T19:28:50.535" v="976" actId="165"/>
           <ac:grpSpMkLst>
             <pc:docMk/>
             <pc:sldMk cId="912822917" sldId="263"/>
             <ac:grpSpMk id="5" creationId="{B230CAD2-5244-44E5-4383-0C973928C157}"/>
           </ac:grpSpMkLst>
         </pc:grpChg>
-        <pc:grpChg chg="add mod">
-          <ac:chgData name="White, Ellie" userId="fec56361-5c8a-4790-9e84-6272d2f2258e" providerId="ADAL" clId="{87DEA6A5-04DD-4F0B-8A38-25F89595D54E}" dt="2023-04-11T15:31:15.119" v="974" actId="164"/>
+        <pc:grpChg chg="add del mod">
+          <ac:chgData name="White, Ellie" userId="fec56361-5c8a-4790-9e84-6272d2f2258e" providerId="ADAL" clId="{87DEA6A5-04DD-4F0B-8A38-25F89595D54E}" dt="2023-04-11T19:28:45.371" v="975" actId="165"/>
           <ac:grpSpMkLst>
             <pc:docMk/>
             <pc:sldMk cId="912822917" sldId="263"/>
@@ -2912,6 +3104,14 @@
             <ac:grpSpMk id="19" creationId="{3878B5F8-BF52-D62F-4856-8CAB47AE2F00}"/>
           </ac:grpSpMkLst>
         </pc:grpChg>
+        <pc:grpChg chg="add del mod">
+          <ac:chgData name="White, Ellie" userId="fec56361-5c8a-4790-9e84-6272d2f2258e" providerId="ADAL" clId="{87DEA6A5-04DD-4F0B-8A38-25F89595D54E}" dt="2023-04-11T19:42:29.011" v="1423" actId="165"/>
+          <ac:grpSpMkLst>
+            <pc:docMk/>
+            <pc:sldMk cId="912822917" sldId="263"/>
+            <ac:grpSpMk id="21" creationId="{62955CDA-DF1D-50AF-D555-AA3E336B01AD}"/>
+          </ac:grpSpMkLst>
+        </pc:grpChg>
         <pc:grpChg chg="mod">
           <ac:chgData name="White, Ellie" userId="fec56361-5c8a-4790-9e84-6272d2f2258e" providerId="ADAL" clId="{87DEA6A5-04DD-4F0B-8A38-25F89595D54E}" dt="2023-04-11T06:12:09.626" v="803" actId="165"/>
           <ac:grpSpMkLst>
@@ -2921,7 +3121,7 @@
           </ac:grpSpMkLst>
         </pc:grpChg>
         <pc:grpChg chg="mod">
-          <ac:chgData name="White, Ellie" userId="fec56361-5c8a-4790-9e84-6272d2f2258e" providerId="ADAL" clId="{87DEA6A5-04DD-4F0B-8A38-25F89595D54E}" dt="2023-04-11T15:08:54.314" v="887" actId="165"/>
+          <ac:chgData name="White, Ellie" userId="fec56361-5c8a-4790-9e84-6272d2f2258e" providerId="ADAL" clId="{87DEA6A5-04DD-4F0B-8A38-25F89595D54E}" dt="2023-04-11T20:18:02.679" v="1855"/>
           <ac:grpSpMkLst>
             <pc:docMk/>
             <pc:sldMk cId="912822917" sldId="263"/>
@@ -2944,8 +3144,8 @@
             <ac:grpSpMk id="46" creationId="{00ED4E4F-8478-589E-44C5-EEE0A9E81F58}"/>
           </ac:grpSpMkLst>
         </pc:grpChg>
-        <pc:grpChg chg="mod topLvl">
-          <ac:chgData name="White, Ellie" userId="fec56361-5c8a-4790-9e84-6272d2f2258e" providerId="ADAL" clId="{87DEA6A5-04DD-4F0B-8A38-25F89595D54E}" dt="2023-04-11T15:11:42.352" v="960" actId="164"/>
+        <pc:grpChg chg="del mod topLvl">
+          <ac:chgData name="White, Ellie" userId="fec56361-5c8a-4790-9e84-6272d2f2258e" providerId="ADAL" clId="{87DEA6A5-04DD-4F0B-8A38-25F89595D54E}" dt="2023-04-11T19:42:46.748" v="1424" actId="165"/>
           <ac:grpSpMkLst>
             <pc:docMk/>
             <pc:sldMk cId="912822917" sldId="263"/>
@@ -2968,16 +3168,16 @@
             <ac:grpSpMk id="50" creationId="{D184B23D-5B1E-1C91-5FB7-E684AFAF8A9E}"/>
           </ac:grpSpMkLst>
         </pc:grpChg>
-        <pc:grpChg chg="mod">
-          <ac:chgData name="White, Ellie" userId="fec56361-5c8a-4790-9e84-6272d2f2258e" providerId="ADAL" clId="{87DEA6A5-04DD-4F0B-8A38-25F89595D54E}" dt="2023-04-11T15:09:03.665" v="888" actId="165"/>
+        <pc:grpChg chg="del mod topLvl">
+          <ac:chgData name="White, Ellie" userId="fec56361-5c8a-4790-9e84-6272d2f2258e" providerId="ADAL" clId="{87DEA6A5-04DD-4F0B-8A38-25F89595D54E}" dt="2023-04-11T19:43:36.483" v="1446" actId="165"/>
           <ac:grpSpMkLst>
             <pc:docMk/>
             <pc:sldMk cId="912822917" sldId="263"/>
             <ac:grpSpMk id="51" creationId="{FE249A97-C380-F3FD-FDA4-5FD49C7F2982}"/>
           </ac:grpSpMkLst>
         </pc:grpChg>
-        <pc:grpChg chg="mod">
-          <ac:chgData name="White, Ellie" userId="fec56361-5c8a-4790-9e84-6272d2f2258e" providerId="ADAL" clId="{87DEA6A5-04DD-4F0B-8A38-25F89595D54E}" dt="2023-04-11T15:09:03.665" v="888" actId="165"/>
+        <pc:grpChg chg="mod topLvl">
+          <ac:chgData name="White, Ellie" userId="fec56361-5c8a-4790-9e84-6272d2f2258e" providerId="ADAL" clId="{87DEA6A5-04DD-4F0B-8A38-25F89595D54E}" dt="2023-04-11T20:18:02.679" v="1855"/>
           <ac:grpSpMkLst>
             <pc:docMk/>
             <pc:sldMk cId="912822917" sldId="263"/>
@@ -2992,8 +3192,24 @@
             <ac:grpSpMk id="59" creationId="{1BE492E9-D62C-9DF3-81DB-F497E6A35972}"/>
           </ac:grpSpMkLst>
         </pc:grpChg>
+        <pc:grpChg chg="add mod">
+          <ac:chgData name="White, Ellie" userId="fec56361-5c8a-4790-9e84-6272d2f2258e" providerId="ADAL" clId="{87DEA6A5-04DD-4F0B-8A38-25F89595D54E}" dt="2023-04-11T20:27:00.755" v="2179" actId="164"/>
+          <ac:grpSpMkLst>
+            <pc:docMk/>
+            <pc:sldMk cId="912822917" sldId="263"/>
+            <ac:grpSpMk id="66" creationId="{908F4B19-AA89-618F-0325-8418408C3898}"/>
+          </ac:grpSpMkLst>
+        </pc:grpChg>
+        <pc:grpChg chg="add mod">
+          <ac:chgData name="White, Ellie" userId="fec56361-5c8a-4790-9e84-6272d2f2258e" providerId="ADAL" clId="{87DEA6A5-04DD-4F0B-8A38-25F89595D54E}" dt="2023-04-11T20:27:00.755" v="2179" actId="164"/>
+          <ac:grpSpMkLst>
+            <pc:docMk/>
+            <pc:sldMk cId="912822917" sldId="263"/>
+            <ac:grpSpMk id="69" creationId="{B7095DA6-829B-68E7-1596-B7F16113994A}"/>
+          </ac:grpSpMkLst>
+        </pc:grpChg>
         <pc:grpChg chg="mod topLvl">
-          <ac:chgData name="White, Ellie" userId="fec56361-5c8a-4790-9e84-6272d2f2258e" providerId="ADAL" clId="{87DEA6A5-04DD-4F0B-8A38-25F89595D54E}" dt="2023-04-11T15:11:42.352" v="960" actId="164"/>
+          <ac:chgData name="White, Ellie" userId="fec56361-5c8a-4790-9e84-6272d2f2258e" providerId="ADAL" clId="{87DEA6A5-04DD-4F0B-8A38-25F89595D54E}" dt="2023-04-11T20:18:02.679" v="1855"/>
           <ac:grpSpMkLst>
             <pc:docMk/>
             <pc:sldMk cId="912822917" sldId="263"/>
@@ -3001,7 +3217,7 @@
           </ac:grpSpMkLst>
         </pc:grpChg>
         <pc:grpChg chg="mod">
-          <ac:chgData name="White, Ellie" userId="fec56361-5c8a-4790-9e84-6272d2f2258e" providerId="ADAL" clId="{87DEA6A5-04DD-4F0B-8A38-25F89595D54E}" dt="2023-04-11T15:08:54.314" v="887" actId="165"/>
+          <ac:chgData name="White, Ellie" userId="fec56361-5c8a-4790-9e84-6272d2f2258e" providerId="ADAL" clId="{87DEA6A5-04DD-4F0B-8A38-25F89595D54E}" dt="2023-04-11T20:18:02.679" v="1855"/>
           <ac:grpSpMkLst>
             <pc:docMk/>
             <pc:sldMk cId="912822917" sldId="263"/>
@@ -3009,7 +3225,7 @@
           </ac:grpSpMkLst>
         </pc:grpChg>
         <pc:grpChg chg="mod topLvl">
-          <ac:chgData name="White, Ellie" userId="fec56361-5c8a-4790-9e84-6272d2f2258e" providerId="ADAL" clId="{87DEA6A5-04DD-4F0B-8A38-25F89595D54E}" dt="2023-04-11T15:11:42.352" v="960" actId="164"/>
+          <ac:chgData name="White, Ellie" userId="fec56361-5c8a-4790-9e84-6272d2f2258e" providerId="ADAL" clId="{87DEA6A5-04DD-4F0B-8A38-25F89595D54E}" dt="2023-04-11T20:18:02.679" v="1855"/>
           <ac:grpSpMkLst>
             <pc:docMk/>
             <pc:sldMk cId="912822917" sldId="263"/>
@@ -3017,7 +3233,7 @@
           </ac:grpSpMkLst>
         </pc:grpChg>
         <pc:grpChg chg="mod topLvl">
-          <ac:chgData name="White, Ellie" userId="fec56361-5c8a-4790-9e84-6272d2f2258e" providerId="ADAL" clId="{87DEA6A5-04DD-4F0B-8A38-25F89595D54E}" dt="2023-04-11T15:11:42.352" v="960" actId="164"/>
+          <ac:chgData name="White, Ellie" userId="fec56361-5c8a-4790-9e84-6272d2f2258e" providerId="ADAL" clId="{87DEA6A5-04DD-4F0B-8A38-25F89595D54E}" dt="2023-04-11T20:18:02.679" v="1855"/>
           <ac:grpSpMkLst>
             <pc:docMk/>
             <pc:sldMk cId="912822917" sldId="263"/>
@@ -3025,7 +3241,7 @@
           </ac:grpSpMkLst>
         </pc:grpChg>
         <pc:grpChg chg="mod topLvl">
-          <ac:chgData name="White, Ellie" userId="fec56361-5c8a-4790-9e84-6272d2f2258e" providerId="ADAL" clId="{87DEA6A5-04DD-4F0B-8A38-25F89595D54E}" dt="2023-04-11T15:11:42.352" v="960" actId="164"/>
+          <ac:chgData name="White, Ellie" userId="fec56361-5c8a-4790-9e84-6272d2f2258e" providerId="ADAL" clId="{87DEA6A5-04DD-4F0B-8A38-25F89595D54E}" dt="2023-04-11T20:18:02.679" v="1855"/>
           <ac:grpSpMkLst>
             <pc:docMk/>
             <pc:sldMk cId="912822917" sldId="263"/>
@@ -3033,23 +3249,23 @@
           </ac:grpSpMkLst>
         </pc:grpChg>
         <pc:grpChg chg="mod topLvl">
-          <ac:chgData name="White, Ellie" userId="fec56361-5c8a-4790-9e84-6272d2f2258e" providerId="ADAL" clId="{87DEA6A5-04DD-4F0B-8A38-25F89595D54E}" dt="2023-04-11T15:11:42.352" v="960" actId="164"/>
+          <ac:chgData name="White, Ellie" userId="fec56361-5c8a-4790-9e84-6272d2f2258e" providerId="ADAL" clId="{87DEA6A5-04DD-4F0B-8A38-25F89595D54E}" dt="2023-04-11T20:18:02.679" v="1855"/>
           <ac:grpSpMkLst>
             <pc:docMk/>
             <pc:sldMk cId="912822917" sldId="263"/>
             <ac:grpSpMk id="126" creationId="{49C22CF5-4563-EAC1-06B9-8101272D2049}"/>
           </ac:grpSpMkLst>
         </pc:grpChg>
-        <pc:grpChg chg="mod">
-          <ac:chgData name="White, Ellie" userId="fec56361-5c8a-4790-9e84-6272d2f2258e" providerId="ADAL" clId="{87DEA6A5-04DD-4F0B-8A38-25F89595D54E}" dt="2023-04-11T15:08:54.314" v="887" actId="165"/>
+        <pc:grpChg chg="del mod topLvl">
+          <ac:chgData name="White, Ellie" userId="fec56361-5c8a-4790-9e84-6272d2f2258e" providerId="ADAL" clId="{87DEA6A5-04DD-4F0B-8A38-25F89595D54E}" dt="2023-04-11T19:45:57.107" v="1499" actId="165"/>
           <ac:grpSpMkLst>
             <pc:docMk/>
             <pc:sldMk cId="912822917" sldId="263"/>
             <ac:grpSpMk id="138" creationId="{83E2B7AF-13A4-CB34-1109-B826DFD66C78}"/>
           </ac:grpSpMkLst>
         </pc:grpChg>
-        <pc:grpChg chg="mod topLvl">
-          <ac:chgData name="White, Ellie" userId="fec56361-5c8a-4790-9e84-6272d2f2258e" providerId="ADAL" clId="{87DEA6A5-04DD-4F0B-8A38-25F89595D54E}" dt="2023-04-11T15:11:42.352" v="960" actId="164"/>
+        <pc:grpChg chg="del mod topLvl">
+          <ac:chgData name="White, Ellie" userId="fec56361-5c8a-4790-9e84-6272d2f2258e" providerId="ADAL" clId="{87DEA6A5-04DD-4F0B-8A38-25F89595D54E}" dt="2023-04-11T19:45:51.466" v="1498" actId="165"/>
           <ac:grpSpMkLst>
             <pc:docMk/>
             <pc:sldMk cId="912822917" sldId="263"/>
@@ -3057,7 +3273,7 @@
           </ac:grpSpMkLst>
         </pc:grpChg>
         <pc:picChg chg="mod topLvl">
-          <ac:chgData name="White, Ellie" userId="fec56361-5c8a-4790-9e84-6272d2f2258e" providerId="ADAL" clId="{87DEA6A5-04DD-4F0B-8A38-25F89595D54E}" dt="2023-04-11T15:11:42.352" v="960" actId="164"/>
+          <ac:chgData name="White, Ellie" userId="fec56361-5c8a-4790-9e84-6272d2f2258e" providerId="ADAL" clId="{87DEA6A5-04DD-4F0B-8A38-25F89595D54E}" dt="2023-04-11T20:18:02.679" v="1855"/>
           <ac:picMkLst>
             <pc:docMk/>
             <pc:sldMk cId="912822917" sldId="263"/>
@@ -3072,16 +3288,16 @@
             <ac:picMk id="4" creationId="{3300A544-0A05-5460-3FF5-D5E1380432D7}"/>
           </ac:picMkLst>
         </pc:picChg>
-        <pc:picChg chg="add mod ord">
-          <ac:chgData name="White, Ellie" userId="fec56361-5c8a-4790-9e84-6272d2f2258e" providerId="ADAL" clId="{87DEA6A5-04DD-4F0B-8A38-25F89595D54E}" dt="2023-04-11T15:31:15.119" v="974" actId="164"/>
+        <pc:picChg chg="add del mod ord topLvl">
+          <ac:chgData name="White, Ellie" userId="fec56361-5c8a-4790-9e84-6272d2f2258e" providerId="ADAL" clId="{87DEA6A5-04DD-4F0B-8A38-25F89595D54E}" dt="2023-04-11T20:38:39.719" v="2286" actId="478"/>
           <ac:picMkLst>
             <pc:docMk/>
             <pc:sldMk cId="912822917" sldId="263"/>
             <ac:picMk id="6" creationId="{F9A2B94A-0D58-0BD4-1D7A-27DBC8670F7B}"/>
           </ac:picMkLst>
         </pc:picChg>
-        <pc:picChg chg="mod">
-          <ac:chgData name="White, Ellie" userId="fec56361-5c8a-4790-9e84-6272d2f2258e" providerId="ADAL" clId="{87DEA6A5-04DD-4F0B-8A38-25F89595D54E}" dt="2023-04-11T15:08:54.314" v="887" actId="165"/>
+        <pc:picChg chg="mod topLvl">
+          <ac:chgData name="White, Ellie" userId="fec56361-5c8a-4790-9e84-6272d2f2258e" providerId="ADAL" clId="{87DEA6A5-04DD-4F0B-8A38-25F89595D54E}" dt="2023-04-11T20:18:02.679" v="1855"/>
           <ac:picMkLst>
             <pc:docMk/>
             <pc:sldMk cId="912822917" sldId="263"/>
@@ -3097,7 +3313,7 @@
           </ac:picMkLst>
         </pc:picChg>
         <pc:picChg chg="mod topLvl">
-          <ac:chgData name="White, Ellie" userId="fec56361-5c8a-4790-9e84-6272d2f2258e" providerId="ADAL" clId="{87DEA6A5-04DD-4F0B-8A38-25F89595D54E}" dt="2023-04-11T15:11:42.352" v="960" actId="164"/>
+          <ac:chgData name="White, Ellie" userId="fec56361-5c8a-4790-9e84-6272d2f2258e" providerId="ADAL" clId="{87DEA6A5-04DD-4F0B-8A38-25F89595D54E}" dt="2023-04-11T20:18:02.679" v="1855"/>
           <ac:picMkLst>
             <pc:docMk/>
             <pc:sldMk cId="912822917" sldId="263"/>
@@ -3105,7 +3321,7 @@
           </ac:picMkLst>
         </pc:picChg>
         <pc:picChg chg="mod">
-          <ac:chgData name="White, Ellie" userId="fec56361-5c8a-4790-9e84-6272d2f2258e" providerId="ADAL" clId="{87DEA6A5-04DD-4F0B-8A38-25F89595D54E}" dt="2023-04-11T15:08:54.314" v="887" actId="165"/>
+          <ac:chgData name="White, Ellie" userId="fec56361-5c8a-4790-9e84-6272d2f2258e" providerId="ADAL" clId="{87DEA6A5-04DD-4F0B-8A38-25F89595D54E}" dt="2023-04-11T20:18:02.679" v="1855"/>
           <ac:picMkLst>
             <pc:docMk/>
             <pc:sldMk cId="912822917" sldId="263"/>
@@ -3113,7 +3329,7 @@
           </ac:picMkLst>
         </pc:picChg>
         <pc:picChg chg="mod topLvl">
-          <ac:chgData name="White, Ellie" userId="fec56361-5c8a-4790-9e84-6272d2f2258e" providerId="ADAL" clId="{87DEA6A5-04DD-4F0B-8A38-25F89595D54E}" dt="2023-04-11T15:11:42.352" v="960" actId="164"/>
+          <ac:chgData name="White, Ellie" userId="fec56361-5c8a-4790-9e84-6272d2f2258e" providerId="ADAL" clId="{87DEA6A5-04DD-4F0B-8A38-25F89595D54E}" dt="2023-04-11T20:18:02.679" v="1855"/>
           <ac:picMkLst>
             <pc:docMk/>
             <pc:sldMk cId="912822917" sldId="263"/>
@@ -3121,7 +3337,7 @@
           </ac:picMkLst>
         </pc:picChg>
         <pc:picChg chg="mod">
-          <ac:chgData name="White, Ellie" userId="fec56361-5c8a-4790-9e84-6272d2f2258e" providerId="ADAL" clId="{87DEA6A5-04DD-4F0B-8A38-25F89595D54E}" dt="2023-04-11T15:08:54.314" v="887" actId="165"/>
+          <ac:chgData name="White, Ellie" userId="fec56361-5c8a-4790-9e84-6272d2f2258e" providerId="ADAL" clId="{87DEA6A5-04DD-4F0B-8A38-25F89595D54E}" dt="2023-04-11T20:18:02.679" v="1855"/>
           <ac:picMkLst>
             <pc:docMk/>
             <pc:sldMk cId="912822917" sldId="263"/>
@@ -3136,12 +3352,28 @@
             <ac:picMk id="38" creationId="{0A5331ED-30B2-2975-5D84-3D1181998B49}"/>
           </ac:picMkLst>
         </pc:picChg>
+        <pc:picChg chg="add mod ord">
+          <ac:chgData name="White, Ellie" userId="fec56361-5c8a-4790-9e84-6272d2f2258e" providerId="ADAL" clId="{87DEA6A5-04DD-4F0B-8A38-25F89595D54E}" dt="2023-04-11T20:38:42.924" v="2288" actId="167"/>
+          <ac:picMkLst>
+            <pc:docMk/>
+            <pc:sldMk cId="912822917" sldId="263"/>
+            <ac:picMk id="70" creationId="{3981FB47-F9C2-41E7-F778-55248F7FBFD8}"/>
+          </ac:picMkLst>
+        </pc:picChg>
         <pc:cxnChg chg="mod">
           <ac:chgData name="White, Ellie" userId="fec56361-5c8a-4790-9e84-6272d2f2258e" providerId="ADAL" clId="{87DEA6A5-04DD-4F0B-8A38-25F89595D54E}" dt="2023-04-11T06:12:12.651" v="804" actId="478"/>
           <ac:cxnSpMkLst>
             <pc:docMk/>
             <pc:sldMk cId="912822917" sldId="263"/>
             <ac:cxnSpMk id="6" creationId="{41F14311-D4F5-0B52-4DF8-A0F6259CE3D3}"/>
+          </ac:cxnSpMkLst>
+        </pc:cxnChg>
+        <pc:cxnChg chg="add mod topLvl">
+          <ac:chgData name="White, Ellie" userId="fec56361-5c8a-4790-9e84-6272d2f2258e" providerId="ADAL" clId="{87DEA6A5-04DD-4F0B-8A38-25F89595D54E}" dt="2023-04-11T20:18:02.679" v="1855"/>
+          <ac:cxnSpMkLst>
+            <pc:docMk/>
+            <pc:sldMk cId="912822917" sldId="263"/>
+            <ac:cxnSpMk id="16" creationId="{9D0ED42C-A75D-E5B0-8B5D-522736788E17}"/>
           </ac:cxnSpMkLst>
         </pc:cxnChg>
         <pc:cxnChg chg="mod">
@@ -3169,23 +3401,23 @@
           </ac:cxnSpMkLst>
         </pc:cxnChg>
         <pc:cxnChg chg="mod topLvl">
-          <ac:chgData name="White, Ellie" userId="fec56361-5c8a-4790-9e84-6272d2f2258e" providerId="ADAL" clId="{87DEA6A5-04DD-4F0B-8A38-25F89595D54E}" dt="2023-04-11T15:11:42.352" v="960" actId="164"/>
+          <ac:chgData name="White, Ellie" userId="fec56361-5c8a-4790-9e84-6272d2f2258e" providerId="ADAL" clId="{87DEA6A5-04DD-4F0B-8A38-25F89595D54E}" dt="2023-04-11T20:34:08.584" v="2208" actId="1035"/>
           <ac:cxnSpMkLst>
             <pc:docMk/>
             <pc:sldMk cId="912822917" sldId="263"/>
             <ac:cxnSpMk id="47" creationId="{2DB6AFBC-11B1-7124-2E0F-265533A64AF6}"/>
           </ac:cxnSpMkLst>
         </pc:cxnChg>
-        <pc:cxnChg chg="mod">
-          <ac:chgData name="White, Ellie" userId="fec56361-5c8a-4790-9e84-6272d2f2258e" providerId="ADAL" clId="{87DEA6A5-04DD-4F0B-8A38-25F89595D54E}" dt="2023-04-11T15:10:12.871" v="916" actId="14100"/>
+        <pc:cxnChg chg="mod topLvl">
+          <ac:chgData name="White, Ellie" userId="fec56361-5c8a-4790-9e84-6272d2f2258e" providerId="ADAL" clId="{87DEA6A5-04DD-4F0B-8A38-25F89595D54E}" dt="2023-04-11T20:18:02.679" v="1855"/>
           <ac:cxnSpMkLst>
             <pc:docMk/>
             <pc:sldMk cId="912822917" sldId="263"/>
             <ac:cxnSpMk id="55" creationId="{050612F3-F437-0AF5-AA6D-6F468E1CA894}"/>
           </ac:cxnSpMkLst>
         </pc:cxnChg>
-        <pc:cxnChg chg="mod">
-          <ac:chgData name="White, Ellie" userId="fec56361-5c8a-4790-9e84-6272d2f2258e" providerId="ADAL" clId="{87DEA6A5-04DD-4F0B-8A38-25F89595D54E}" dt="2023-04-11T15:10:12.285" v="915" actId="14100"/>
+        <pc:cxnChg chg="mod topLvl">
+          <ac:chgData name="White, Ellie" userId="fec56361-5c8a-4790-9e84-6272d2f2258e" providerId="ADAL" clId="{87DEA6A5-04DD-4F0B-8A38-25F89595D54E}" dt="2023-04-11T20:18:02.679" v="1855"/>
           <ac:cxnSpMkLst>
             <pc:docMk/>
             <pc:sldMk cId="912822917" sldId="263"/>
@@ -3200,6 +3432,37 @@
             <ac:cxnSpMk id="152" creationId="{35CD4AC8-8C5B-ED83-8F3C-0C9E0C5762AA}"/>
           </ac:cxnSpMkLst>
         </pc:cxnChg>
+      </pc:sldChg>
+      <pc:sldChg chg="addSp delSp modSp add mod">
+        <pc:chgData name="White, Ellie" userId="fec56361-5c8a-4790-9e84-6272d2f2258e" providerId="ADAL" clId="{87DEA6A5-04DD-4F0B-8A38-25F89595D54E}" dt="2023-04-11T22:05:36.722" v="2304" actId="20577"/>
+        <pc:sldMkLst>
+          <pc:docMk/>
+          <pc:sldMk cId="1836178870" sldId="264"/>
+        </pc:sldMkLst>
+        <pc:spChg chg="add mod">
+          <ac:chgData name="White, Ellie" userId="fec56361-5c8a-4790-9e84-6272d2f2258e" providerId="ADAL" clId="{87DEA6A5-04DD-4F0B-8A38-25F89595D54E}" dt="2023-04-11T22:05:36.722" v="2304" actId="20577"/>
+          <ac:spMkLst>
+            <pc:docMk/>
+            <pc:sldMk cId="1836178870" sldId="264"/>
+            <ac:spMk id="5" creationId="{08D9DFA2-5A3A-B798-9BAB-3F5A9EE52731}"/>
+          </ac:spMkLst>
+        </pc:spChg>
+        <pc:spChg chg="del">
+          <ac:chgData name="White, Ellie" userId="fec56361-5c8a-4790-9e84-6272d2f2258e" providerId="ADAL" clId="{87DEA6A5-04DD-4F0B-8A38-25F89595D54E}" dt="2023-04-11T22:05:05.627" v="2300" actId="478"/>
+          <ac:spMkLst>
+            <pc:docMk/>
+            <pc:sldMk cId="1836178870" sldId="264"/>
+            <ac:spMk id="65" creationId="{020D8591-D2BA-3C8C-92B8-7DF8E87DD431}"/>
+          </ac:spMkLst>
+        </pc:spChg>
+        <pc:spChg chg="mod">
+          <ac:chgData name="White, Ellie" userId="fec56361-5c8a-4790-9e84-6272d2f2258e" providerId="ADAL" clId="{87DEA6A5-04DD-4F0B-8A38-25F89595D54E}" dt="2023-04-11T22:04:56.626" v="2299" actId="1035"/>
+          <ac:spMkLst>
+            <pc:docMk/>
+            <pc:sldMk cId="1836178870" sldId="264"/>
+            <ac:spMk id="67" creationId="{971AAD21-5C56-2005-235D-C9C3F123073C}"/>
+          </ac:spMkLst>
+        </pc:spChg>
       </pc:sldChg>
     </pc:docChg>
   </pc:docChgLst>
@@ -5754,7 +6017,91 @@
     </p:spTree>
     <p:extLst>
       <p:ext uri="{BB962C8B-B14F-4D97-AF65-F5344CB8AC3E}">
-        <p14:creationId xmlns:p14="http://schemas.microsoft.com/office/powerpoint/2010/main" val="2837410119"/>
+        <p14:creationId xmlns:p14="http://schemas.microsoft.com/office/powerpoint/2010/main" val="1547441313"/>
+      </p:ext>
+    </p:extLst>
+  </p:cSld>
+  <p:clrMapOvr>
+    <a:masterClrMapping/>
+  </p:clrMapOvr>
+</p:notes>
+</file>
+
+<file path=ppt/notesSlides/notesSlide2.xml><?xml version="1.0" encoding="utf-8"?>
+<p:notes xmlns:a="http://schemas.openxmlformats.org/drawingml/2006/main" xmlns:r="http://schemas.openxmlformats.org/officeDocument/2006/relationships" xmlns:p="http://schemas.openxmlformats.org/presentationml/2006/main">
+  <p:cSld>
+    <p:spTree>
+      <p:nvGrpSpPr>
+        <p:cNvPr id="1" name=""/>
+        <p:cNvGrpSpPr/>
+        <p:nvPr/>
+      </p:nvGrpSpPr>
+      <p:grpSpPr>
+        <a:xfrm>
+          <a:off x="0" y="0"/>
+          <a:ext cx="0" cy="0"/>
+          <a:chOff x="0" y="0"/>
+          <a:chExt cx="0" cy="0"/>
+        </a:xfrm>
+      </p:grpSpPr>
+      <p:sp>
+        <p:nvSpPr>
+          <p:cNvPr id="2" name="Slide Image Placeholder 1"/>
+          <p:cNvSpPr>
+            <a:spLocks noGrp="1" noRot="1" noChangeAspect="1"/>
+          </p:cNvSpPr>
+          <p:nvPr>
+            <p:ph type="sldImg"/>
+          </p:nvPr>
+        </p:nvSpPr>
+        <p:spPr/>
+      </p:sp>
+      <p:sp>
+        <p:nvSpPr>
+          <p:cNvPr id="3" name="Notes Placeholder 2"/>
+          <p:cNvSpPr>
+            <a:spLocks noGrp="1"/>
+          </p:cNvSpPr>
+          <p:nvPr>
+            <p:ph type="body" idx="1"/>
+          </p:nvPr>
+        </p:nvSpPr>
+        <p:spPr/>
+        <p:txBody>
+          <a:bodyPr/>
+          <a:lstStyle/>
+          <a:p>
+            <a:endParaRPr lang="en-US" dirty="0"/>
+          </a:p>
+        </p:txBody>
+      </p:sp>
+      <p:sp>
+        <p:nvSpPr>
+          <p:cNvPr id="4" name="Slide Number Placeholder 3"/>
+          <p:cNvSpPr>
+            <a:spLocks noGrp="1"/>
+          </p:cNvSpPr>
+          <p:nvPr>
+            <p:ph type="sldNum" sz="quarter" idx="5"/>
+          </p:nvPr>
+        </p:nvSpPr>
+        <p:spPr/>
+        <p:txBody>
+          <a:bodyPr/>
+          <a:lstStyle/>
+          <a:p>
+            <a:fld id="{99E20762-F777-4FA1-AE7E-9BEFB3B40091}" type="slidenum">
+              <a:rPr lang="en-US" smtClean="0"/>
+              <a:t>3</a:t>
+            </a:fld>
+            <a:endParaRPr lang="en-US"/>
+          </a:p>
+        </p:txBody>
+      </p:sp>
+    </p:spTree>
+    <p:extLst>
+      <p:ext uri="{BB962C8B-B14F-4D97-AF65-F5344CB8AC3E}">
+        <p14:creationId xmlns:p14="http://schemas.microsoft.com/office/powerpoint/2010/main" val="676970705"/>
       </p:ext>
     </p:extLst>
   </p:cSld>
@@ -9072,12 +9419,48 @@
           <a:chExt cx="0" cy="0"/>
         </a:xfrm>
       </p:grpSpPr>
+      <p:pic>
+        <p:nvPicPr>
+          <p:cNvPr id="70" name="Picture 69" descr="Chart, radar chart&#10;&#10;Description automatically generated">
+            <a:extLst>
+              <a:ext uri="{FF2B5EF4-FFF2-40B4-BE49-F238E27FC236}">
+                <a16:creationId xmlns:a16="http://schemas.microsoft.com/office/drawing/2014/main" id="{3981FB47-F9C2-41E7-F778-55248F7FBFD8}"/>
+              </a:ext>
+            </a:extLst>
+          </p:cNvPr>
+          <p:cNvPicPr>
+            <a:picLocks noChangeAspect="1"/>
+          </p:cNvPicPr>
+          <p:nvPr/>
+        </p:nvPicPr>
+        <p:blipFill>
+          <a:blip r:embed="rId3">
+            <a:extLst>
+              <a:ext uri="{28A0092B-C50C-407E-A947-70E740481C1C}">
+                <a14:useLocalDpi xmlns:a14="http://schemas.microsoft.com/office/drawing/2010/main" val="0"/>
+              </a:ext>
+            </a:extLst>
+          </a:blip>
+          <a:stretch>
+            <a:fillRect/>
+          </a:stretch>
+        </p:blipFill>
+        <p:spPr>
+          <a:xfrm>
+            <a:off x="0" y="0"/>
+            <a:ext cx="12192000" cy="6858000"/>
+          </a:xfrm>
+          <a:prstGeom prst="rect">
+            <a:avLst/>
+          </a:prstGeom>
+        </p:spPr>
+      </p:pic>
       <p:grpSp>
         <p:nvGrpSpPr>
-          <p:cNvPr id="38" name="Group 37">
+          <p:cNvPr id="69" name="Group 68">
             <a:extLst>
               <a:ext uri="{FF2B5EF4-FFF2-40B4-BE49-F238E27FC236}">
-                <a16:creationId xmlns:a16="http://schemas.microsoft.com/office/drawing/2014/main" id="{2C63740E-0443-1953-DE50-71D0F4304A84}"/>
+                <a16:creationId xmlns:a16="http://schemas.microsoft.com/office/drawing/2014/main" id="{B7095DA6-829B-68E7-1596-B7F16113994A}"/>
               </a:ext>
             </a:extLst>
           </p:cNvPr>
@@ -9086,54 +9469,18 @@
         </p:nvGrpSpPr>
         <p:grpSpPr>
           <a:xfrm>
-            <a:off x="0" y="0"/>
-            <a:ext cx="12192000" cy="6858000"/>
-            <a:chOff x="0" y="0"/>
-            <a:chExt cx="12192000" cy="6858000"/>
+            <a:off x="148269" y="107473"/>
+            <a:ext cx="11858711" cy="6647867"/>
+            <a:chOff x="148269" y="107473"/>
+            <a:chExt cx="11858711" cy="6647867"/>
           </a:xfrm>
         </p:grpSpPr>
-        <p:pic>
-          <p:nvPicPr>
-            <p:cNvPr id="8" name="Picture 7" descr="Chart, radar chart&#10;&#10;Description automatically generated">
+        <p:grpSp>
+          <p:nvGrpSpPr>
+            <p:cNvPr id="66" name="Group 65">
               <a:extLst>
                 <a:ext uri="{FF2B5EF4-FFF2-40B4-BE49-F238E27FC236}">
-                  <a16:creationId xmlns:a16="http://schemas.microsoft.com/office/drawing/2014/main" id="{6BAE727D-786F-565F-0628-D51F41852BAB}"/>
-                </a:ext>
-              </a:extLst>
-            </p:cNvPr>
-            <p:cNvPicPr>
-              <a:picLocks noChangeAspect="1"/>
-            </p:cNvPicPr>
-            <p:nvPr/>
-          </p:nvPicPr>
-          <p:blipFill>
-            <a:blip r:embed="rId3">
-              <a:extLst>
-                <a:ext uri="{28A0092B-C50C-407E-A947-70E740481C1C}">
-                  <a14:useLocalDpi xmlns:a14="http://schemas.microsoft.com/office/drawing/2010/main" val="0"/>
-                </a:ext>
-              </a:extLst>
-            </a:blip>
-            <a:stretch>
-              <a:fillRect/>
-            </a:stretch>
-          </p:blipFill>
-          <p:spPr>
-            <a:xfrm>
-              <a:off x="0" y="0"/>
-              <a:ext cx="12192000" cy="6858000"/>
-            </a:xfrm>
-            <a:prstGeom prst="rect">
-              <a:avLst/>
-            </a:prstGeom>
-          </p:spPr>
-        </p:pic>
-        <p:grpSp>
-          <p:nvGrpSpPr>
-            <p:cNvPr id="50" name="Group 49">
-              <a:extLst>
-                <a:ext uri="{FF2B5EF4-FFF2-40B4-BE49-F238E27FC236}">
-                  <a16:creationId xmlns:a16="http://schemas.microsoft.com/office/drawing/2014/main" id="{D184B23D-5B1E-1C91-5FB7-E684AFAF8A9E}"/>
+                  <a16:creationId xmlns:a16="http://schemas.microsoft.com/office/drawing/2014/main" id="{908F4B19-AA89-618F-0325-8418408C3898}"/>
                 </a:ext>
               </a:extLst>
             </p:cNvPr>
@@ -9143,9 +9490,9 @@
           <p:grpSpPr>
             <a:xfrm>
               <a:off x="321516" y="1067535"/>
-              <a:ext cx="11685464" cy="5661834"/>
+              <a:ext cx="11685464" cy="5687805"/>
               <a:chOff x="321516" y="1067535"/>
-              <a:chExt cx="11685464" cy="5661834"/>
+              <a:chExt cx="11685464" cy="5687805"/>
             </a:xfrm>
           </p:grpSpPr>
           <p:sp>
@@ -9209,8 +9556,8 @@
               <a:lstStyle/>
               <a:p>
                 <a:pPr algn="ctr"/>
-                <a:endParaRPr lang="en-US">
-                  <a:latin typeface="Arial Nova Cond Light" panose="020B0306020202020204" pitchFamily="34" charset="0"/>
+                <a:endParaRPr lang="en-US" dirty="0">
+                  <a:latin typeface="Source Sans Pro Light" panose="020B0604020202020204" pitchFamily="34" charset="0"/>
                 </a:endParaRPr>
               </a:p>
             </p:txBody>
@@ -9325,10 +9672,10 @@
           </p:sp>
           <p:sp>
             <p:nvSpPr>
-              <p:cNvPr id="12" name="TextBox 11">
+              <p:cNvPr id="14" name="TextBox 13">
                 <a:extLst>
                   <a:ext uri="{FF2B5EF4-FFF2-40B4-BE49-F238E27FC236}">
-                    <a16:creationId xmlns:a16="http://schemas.microsoft.com/office/drawing/2014/main" id="{A92751BD-0BCB-F84D-4CE3-45911BE1EE09}"/>
+                    <a16:creationId xmlns:a16="http://schemas.microsoft.com/office/drawing/2014/main" id="{EDE2B9F8-9E3D-678D-C890-E5D58669DFD2}"/>
                   </a:ext>
                 </a:extLst>
               </p:cNvPr>
@@ -9336,9 +9683,9 @@
               <p:nvPr/>
             </p:nvSpPr>
             <p:spPr>
-              <a:xfrm rot="15617868">
-                <a:off x="8786787" y="2381006"/>
-                <a:ext cx="399468" cy="253916"/>
+              <a:xfrm rot="2795241">
+                <a:off x="1307611" y="2069305"/>
+                <a:ext cx="1345240" cy="276999"/>
               </a:xfrm>
               <a:prstGeom prst="rect">
                 <a:avLst/>
@@ -9352,49 +9699,11 @@
               <a:lstStyle/>
               <a:p>
                 <a:r>
-                  <a:rPr lang="en-US" sz="1050" dirty="0">
-                    <a:latin typeface="Arial Nova Cond Light" panose="020B0306020202020204" pitchFamily="34" charset="0"/>
+                  <a:rPr lang="en-US" sz="1200" dirty="0">
+                    <a:latin typeface="Source Sans Pro Light" panose="020B0604020202020204" pitchFamily="34" charset="0"/>
                     <a:cs typeface="Times New Roman" panose="02020603050405020304" pitchFamily="18" charset="0"/>
                   </a:rPr>
-                  <a:t>Start</a:t>
-                </a:r>
-              </a:p>
-            </p:txBody>
-          </p:sp>
-          <p:sp>
-            <p:nvSpPr>
-              <p:cNvPr id="14" name="TextBox 13">
-                <a:extLst>
-                  <a:ext uri="{FF2B5EF4-FFF2-40B4-BE49-F238E27FC236}">
-                    <a16:creationId xmlns:a16="http://schemas.microsoft.com/office/drawing/2014/main" id="{EDE2B9F8-9E3D-678D-C890-E5D58669DFD2}"/>
-                  </a:ext>
-                </a:extLst>
-              </p:cNvPr>
-              <p:cNvSpPr txBox="1"/>
-              <p:nvPr/>
-            </p:nvSpPr>
-            <p:spPr>
-              <a:xfrm rot="14694726">
-                <a:off x="2591324" y="2440195"/>
-                <a:ext cx="399468" cy="253916"/>
-              </a:xfrm>
-              <a:prstGeom prst="rect">
-                <a:avLst/>
-              </a:prstGeom>
-              <a:noFill/>
-            </p:spPr>
-            <p:txBody>
-              <a:bodyPr wrap="none" rtlCol="0">
-                <a:spAutoFit/>
-              </a:bodyPr>
-              <a:lstStyle/>
-              <a:p>
-                <a:r>
-                  <a:rPr lang="en-US" sz="1050" dirty="0">
-                    <a:latin typeface="Arial Nova Cond Light" panose="020B0306020202020204" pitchFamily="34" charset="0"/>
-                    <a:cs typeface="Times New Roman" panose="02020603050405020304" pitchFamily="18" charset="0"/>
-                  </a:rPr>
-                  <a:t>Start</a:t>
+                  <a:t> Spawning Starts</a:t>
                 </a:r>
               </a:p>
             </p:txBody>
@@ -9412,9 +9721,9 @@
               <p:nvPr/>
             </p:nvSpPr>
             <p:spPr>
-              <a:xfrm rot="18669115">
-                <a:off x="3672456" y="2575540"/>
-                <a:ext cx="367408" cy="253916"/>
+              <a:xfrm rot="18869546">
+                <a:off x="3953644" y="2119248"/>
+                <a:ext cx="1249060" cy="276999"/>
               </a:xfrm>
               <a:prstGeom prst="rect">
                 <a:avLst/>
@@ -9428,49 +9737,11 @@
               <a:lstStyle/>
               <a:p>
                 <a:r>
-                  <a:rPr lang="en-US" sz="1050" dirty="0">
-                    <a:latin typeface="Arial Nova Cond Light" panose="020B0306020202020204" pitchFamily="34" charset="0"/>
+                  <a:rPr lang="en-US" sz="1200" dirty="0">
+                    <a:latin typeface="Source Sans Pro Light" panose="020B0604020202020204" pitchFamily="34" charset="0"/>
                     <a:cs typeface="Times New Roman" panose="02020603050405020304" pitchFamily="18" charset="0"/>
                   </a:rPr>
-                  <a:t>End</a:t>
-                </a:r>
-              </a:p>
-            </p:txBody>
-          </p:sp>
-          <p:sp>
-            <p:nvSpPr>
-              <p:cNvPr id="13" name="TextBox 12">
-                <a:extLst>
-                  <a:ext uri="{FF2B5EF4-FFF2-40B4-BE49-F238E27FC236}">
-                    <a16:creationId xmlns:a16="http://schemas.microsoft.com/office/drawing/2014/main" id="{DD8FF5E5-8077-9B79-7F23-BF41326D2659}"/>
-                  </a:ext>
-                </a:extLst>
-              </p:cNvPr>
-              <p:cNvSpPr txBox="1"/>
-              <p:nvPr/>
-            </p:nvSpPr>
-            <p:spPr>
-              <a:xfrm rot="19164934">
-                <a:off x="9766109" y="2669797"/>
-                <a:ext cx="367408" cy="253916"/>
-              </a:xfrm>
-              <a:prstGeom prst="rect">
-                <a:avLst/>
-              </a:prstGeom>
-              <a:noFill/>
-            </p:spPr>
-            <p:txBody>
-              <a:bodyPr wrap="none" rtlCol="0">
-                <a:spAutoFit/>
-              </a:bodyPr>
-              <a:lstStyle/>
-              <a:p>
-                <a:r>
-                  <a:rPr lang="en-US" sz="1050" dirty="0">
-                    <a:latin typeface="Arial Nova Cond Light" panose="020B0306020202020204" pitchFamily="34" charset="0"/>
-                    <a:cs typeface="Times New Roman" panose="02020603050405020304" pitchFamily="18" charset="0"/>
-                  </a:rPr>
-                  <a:t>End</a:t>
+                  <a:t>Spawning Ends</a:t>
                 </a:r>
               </a:p>
             </p:txBody>
@@ -9489,7 +9760,7 @@
             </p:nvSpPr>
             <p:spPr>
               <a:xfrm>
-                <a:off x="1822644" y="6137550"/>
+                <a:off x="1822644" y="6201342"/>
                 <a:ext cx="10146867" cy="553998"/>
               </a:xfrm>
               <a:prstGeom prst="rect">
@@ -9802,9 +10073,9 @@
             <p:grpSpPr>
               <a:xfrm>
                 <a:off x="4705714" y="3759145"/>
-                <a:ext cx="999849" cy="390003"/>
+                <a:ext cx="1057133" cy="390003"/>
                 <a:chOff x="4207821" y="4443153"/>
-                <a:chExt cx="999849" cy="390003"/>
+                <a:chExt cx="1057133" cy="390003"/>
               </a:xfrm>
             </p:grpSpPr>
             <p:grpSp>
@@ -10330,8 +10601,8 @@
               </p:nvSpPr>
               <p:spPr>
                 <a:xfrm>
-                  <a:off x="4767558" y="4443153"/>
-                  <a:ext cx="440112" cy="246221"/>
+                  <a:off x="4767557" y="4443153"/>
+                  <a:ext cx="497397" cy="276999"/>
                 </a:xfrm>
                 <a:prstGeom prst="rect">
                   <a:avLst/>
@@ -10345,8 +10616,9 @@
                 <a:lstStyle/>
                 <a:p>
                   <a:r>
-                    <a:rPr lang="en-US" sz="1000" dirty="0">
-                      <a:latin typeface="Arial Nova Cond Light" panose="020B0306020202020204" pitchFamily="34" charset="0"/>
+                    <a:rPr lang="en-US" sz="1200" dirty="0">
+                      <a:latin typeface="Source Sans Pro Light" panose="020B0403030403020204" pitchFamily="34" charset="0"/>
+                      <a:ea typeface="Source Sans Pro Light" panose="020B0403030403020204" pitchFamily="34" charset="0"/>
                       <a:cs typeface="Times New Roman" panose="02020603050405020304" pitchFamily="18" charset="0"/>
                     </a:rPr>
                     <a:t>Eggs</a:t>
@@ -10389,7 +10661,7 @@
             </p:blipFill>
             <p:spPr>
               <a:xfrm rot="20735829">
-                <a:off x="3877734" y="4800017"/>
+                <a:off x="4043989" y="4793090"/>
                 <a:ext cx="631191" cy="406385"/>
               </a:xfrm>
               <a:prstGeom prst="rect">
@@ -10411,8 +10683,8 @@
             </p:nvSpPr>
             <p:spPr>
               <a:xfrm>
-                <a:off x="4535530" y="4759437"/>
-                <a:ext cx="490057" cy="246221"/>
+                <a:off x="4701785" y="4752510"/>
+                <a:ext cx="563665" cy="276999"/>
               </a:xfrm>
               <a:prstGeom prst="rect">
                 <a:avLst/>
@@ -10426,8 +10698,8 @@
               <a:lstStyle/>
               <a:p>
                 <a:r>
-                  <a:rPr lang="en-US" sz="1000" dirty="0">
-                    <a:latin typeface="Arial Nova Cond Light" panose="020B0306020202020204" pitchFamily="34" charset="0"/>
+                  <a:rPr lang="en-US" sz="1200" dirty="0">
+                    <a:latin typeface="Source Sans Pro Light" panose="020B0604020202020204" pitchFamily="34" charset="0"/>
                     <a:cs typeface="Times New Roman" panose="02020603050405020304" pitchFamily="18" charset="0"/>
                   </a:rPr>
                   <a:t>Larva</a:t>
@@ -10494,7 +10766,7 @@
             <p:spPr>
               <a:xfrm>
                 <a:off x="827982" y="3703688"/>
-                <a:ext cx="544537" cy="246221"/>
+                <a:ext cx="544537" cy="276999"/>
               </a:xfrm>
               <a:prstGeom prst="rect">
                 <a:avLst/>
@@ -10508,8 +10780,8 @@
               <a:lstStyle/>
               <a:p>
                 <a:r>
-                  <a:rPr lang="en-US" sz="1000" dirty="0">
-                    <a:latin typeface="Arial Nova Cond Light" panose="020B0306020202020204" pitchFamily="34" charset="0"/>
+                  <a:rPr lang="en-US" sz="1200" dirty="0">
+                    <a:latin typeface="Source Sans Pro Light" panose="020B0604020202020204" pitchFamily="34" charset="0"/>
                     <a:cs typeface="Times New Roman" panose="02020603050405020304" pitchFamily="18" charset="0"/>
                   </a:rPr>
                   <a:t>Adult</a:t>
@@ -10531,50 +10803,12 @@
             </p:nvGrpSpPr>
             <p:grpSpPr>
               <a:xfrm>
-                <a:off x="1989341" y="4935519"/>
-                <a:ext cx="1082761" cy="381830"/>
-                <a:chOff x="1989341" y="4935519"/>
-                <a:chExt cx="1082761" cy="381830"/>
+                <a:off x="1953697" y="4907811"/>
+                <a:ext cx="1118405" cy="409538"/>
+                <a:chOff x="1953697" y="4907811"/>
+                <a:chExt cx="1118405" cy="409538"/>
               </a:xfrm>
             </p:grpSpPr>
-            <p:sp>
-              <p:nvSpPr>
-                <p:cNvPr id="42" name="TextBox 41">
-                  <a:extLst>
-                    <a:ext uri="{FF2B5EF4-FFF2-40B4-BE49-F238E27FC236}">
-                      <a16:creationId xmlns:a16="http://schemas.microsoft.com/office/drawing/2014/main" id="{DF7B7AF0-D54B-3CFE-4809-9F9C70187113}"/>
-                    </a:ext>
-                  </a:extLst>
-                </p:cNvPr>
-                <p:cNvSpPr txBox="1"/>
-                <p:nvPr/>
-              </p:nvSpPr>
-              <p:spPr>
-                <a:xfrm>
-                  <a:off x="1989341" y="4935519"/>
-                  <a:ext cx="368811" cy="246221"/>
-                </a:xfrm>
-                <a:prstGeom prst="rect">
-                  <a:avLst/>
-                </a:prstGeom>
-                <a:noFill/>
-              </p:spPr>
-              <p:txBody>
-                <a:bodyPr wrap="square" rtlCol="0">
-                  <a:spAutoFit/>
-                </a:bodyPr>
-                <a:lstStyle/>
-                <a:p>
-                  <a:r>
-                    <a:rPr lang="en-US" sz="1000" dirty="0">
-                      <a:latin typeface="Arial Nova Cond Light" panose="020B0306020202020204" pitchFamily="34" charset="0"/>
-                      <a:cs typeface="Times New Roman" panose="02020603050405020304" pitchFamily="18" charset="0"/>
-                    </a:rPr>
-                    <a:t>Fry</a:t>
-                  </a:r>
-                </a:p>
-              </p:txBody>
-            </p:sp>
             <p:grpSp>
               <p:nvGrpSpPr>
                 <p:cNvPr id="82" name="Group 81">
@@ -10697,6 +10931,45 @@
                 </p:txBody>
               </p:sp>
             </p:grpSp>
+            <p:sp>
+              <p:nvSpPr>
+                <p:cNvPr id="42" name="TextBox 41">
+                  <a:extLst>
+                    <a:ext uri="{FF2B5EF4-FFF2-40B4-BE49-F238E27FC236}">
+                      <a16:creationId xmlns:a16="http://schemas.microsoft.com/office/drawing/2014/main" id="{DF7B7AF0-D54B-3CFE-4809-9F9C70187113}"/>
+                    </a:ext>
+                  </a:extLst>
+                </p:cNvPr>
+                <p:cNvSpPr txBox="1"/>
+                <p:nvPr/>
+              </p:nvSpPr>
+              <p:spPr>
+                <a:xfrm>
+                  <a:off x="1953697" y="4907811"/>
+                  <a:ext cx="468247" cy="276999"/>
+                </a:xfrm>
+                <a:prstGeom prst="rect">
+                  <a:avLst/>
+                </a:prstGeom>
+                <a:noFill/>
+              </p:spPr>
+              <p:txBody>
+                <a:bodyPr wrap="square" rtlCol="0">
+                  <a:spAutoFit/>
+                </a:bodyPr>
+                <a:lstStyle/>
+                <a:p>
+                  <a:r>
+                    <a:rPr lang="en-US" sz="1200" dirty="0">
+                      <a:latin typeface="Source Sans Pro Light" panose="020B0403030403020204" pitchFamily="34" charset="0"/>
+                      <a:ea typeface="Source Sans Pro Light" panose="020B0403030403020204" pitchFamily="34" charset="0"/>
+                      <a:cs typeface="Times New Roman" panose="02020603050405020304" pitchFamily="18" charset="0"/>
+                    </a:rPr>
+                    <a:t>Fry</a:t>
+                  </a:r>
+                </a:p>
+              </p:txBody>
+            </p:sp>
           </p:grpSp>
           <p:sp>
             <p:nvSpPr>
@@ -11382,12 +11655,318 @@
               </p:txBody>
             </p:sp>
           </p:grpSp>
+          <p:pic>
+            <p:nvPicPr>
+              <p:cNvPr id="7" name="Picture 6" descr="A picture containing fish, spiny-finned fish, dark&#10;&#10;Description automatically generated">
+                <a:extLst>
+                  <a:ext uri="{FF2B5EF4-FFF2-40B4-BE49-F238E27FC236}">
+                    <a16:creationId xmlns:a16="http://schemas.microsoft.com/office/drawing/2014/main" id="{EA211AEE-3789-D087-E374-D5EA30A8AE6D}"/>
+                  </a:ext>
+                </a:extLst>
+              </p:cNvPr>
+              <p:cNvPicPr>
+                <a:picLocks noChangeAspect="1"/>
+              </p:cNvPicPr>
+              <p:nvPr/>
+            </p:nvPicPr>
+            <p:blipFill>
+              <a:blip r:embed="rId9">
+                <a:extLst>
+                  <a:ext uri="{28A0092B-C50C-407E-A947-70E740481C1C}">
+                    <a14:useLocalDpi xmlns:a14="http://schemas.microsoft.com/office/drawing/2010/main" val="0"/>
+                  </a:ext>
+                </a:extLst>
+              </a:blip>
+              <a:stretch>
+                <a:fillRect/>
+              </a:stretch>
+            </p:blipFill>
+            <p:spPr>
+              <a:xfrm>
+                <a:off x="8074847" y="2639390"/>
+                <a:ext cx="2125717" cy="1418916"/>
+              </a:xfrm>
+              <a:prstGeom prst="rect">
+                <a:avLst/>
+              </a:prstGeom>
+            </p:spPr>
+          </p:pic>
+          <p:sp>
+            <p:nvSpPr>
+              <p:cNvPr id="117" name="Rectangle 116">
+                <a:extLst>
+                  <a:ext uri="{FF2B5EF4-FFF2-40B4-BE49-F238E27FC236}">
+                    <a16:creationId xmlns:a16="http://schemas.microsoft.com/office/drawing/2014/main" id="{4CC719BB-510E-764E-109D-D1F995DA5091}"/>
+                  </a:ext>
+                </a:extLst>
+              </p:cNvPr>
+              <p:cNvSpPr/>
+              <p:nvPr/>
+            </p:nvSpPr>
+            <p:spPr>
+              <a:xfrm rot="954805">
+                <a:off x="9826164" y="3424584"/>
+                <a:ext cx="279062" cy="77551"/>
+              </a:xfrm>
+              <a:prstGeom prst="rect">
+                <a:avLst/>
+              </a:prstGeom>
+              <a:solidFill>
+                <a:srgbClr val="FFFFFF"/>
+              </a:solidFill>
+              <a:ln>
+                <a:noFill/>
+              </a:ln>
+            </p:spPr>
+            <p:style>
+              <a:lnRef idx="2">
+                <a:schemeClr val="accent1">
+                  <a:shade val="50000"/>
+                </a:schemeClr>
+              </a:lnRef>
+              <a:fillRef idx="1">
+                <a:schemeClr val="accent1"/>
+              </a:fillRef>
+              <a:effectRef idx="0">
+                <a:schemeClr val="accent1"/>
+              </a:effectRef>
+              <a:fontRef idx="minor">
+                <a:schemeClr val="lt1"/>
+              </a:fontRef>
+            </p:style>
+            <p:txBody>
+              <a:bodyPr rtlCol="0" anchor="ctr"/>
+              <a:lstStyle/>
+              <a:p>
+                <a:pPr algn="ctr"/>
+                <a:endParaRPr lang="en-US">
+                  <a:latin typeface="Arial Nova Cond Light" panose="020B0306020202020204" pitchFamily="34" charset="0"/>
+                </a:endParaRPr>
+              </a:p>
+            </p:txBody>
+          </p:sp>
+          <p:sp>
+            <p:nvSpPr>
+              <p:cNvPr id="17" name="TextBox 16">
+                <a:extLst>
+                  <a:ext uri="{FF2B5EF4-FFF2-40B4-BE49-F238E27FC236}">
+                    <a16:creationId xmlns:a16="http://schemas.microsoft.com/office/drawing/2014/main" id="{E8EB3159-5F25-B2C0-43AC-83F1DF73BE7B}"/>
+                  </a:ext>
+                </a:extLst>
+              </p:cNvPr>
+              <p:cNvSpPr txBox="1"/>
+              <p:nvPr/>
+            </p:nvSpPr>
+            <p:spPr>
+              <a:xfrm>
+                <a:off x="8609559" y="3716585"/>
+                <a:ext cx="1247457" cy="338554"/>
+              </a:xfrm>
+              <a:prstGeom prst="rect">
+                <a:avLst/>
+              </a:prstGeom>
+              <a:noFill/>
+            </p:spPr>
+            <p:txBody>
+              <a:bodyPr wrap="none" rtlCol="0">
+                <a:spAutoFit/>
+              </a:bodyPr>
+              <a:lstStyle/>
+              <a:p>
+                <a:pPr algn="ctr"/>
+                <a:r>
+                  <a:rPr lang="en-US" sz="1600" dirty="0">
+                    <a:latin typeface="Baguet Script" panose="00000500000000000000" pitchFamily="2" charset="0"/>
+                  </a:rPr>
+                  <a:t>Striped Bass</a:t>
+                </a:r>
+              </a:p>
+            </p:txBody>
+          </p:sp>
+          <p:sp>
+            <p:nvSpPr>
+              <p:cNvPr id="45" name="TextBox 44">
+                <a:extLst>
+                  <a:ext uri="{FF2B5EF4-FFF2-40B4-BE49-F238E27FC236}">
+                    <a16:creationId xmlns:a16="http://schemas.microsoft.com/office/drawing/2014/main" id="{12B6A50C-C0A7-A3A2-2A3B-5B6FD9C0EFD2}"/>
+                  </a:ext>
+                </a:extLst>
+              </p:cNvPr>
+              <p:cNvSpPr txBox="1"/>
+              <p:nvPr/>
+            </p:nvSpPr>
+            <p:spPr>
+              <a:xfrm>
+                <a:off x="6254745" y="4134573"/>
+                <a:ext cx="3212925" cy="2123658"/>
+              </a:xfrm>
+              <a:prstGeom prst="rect">
+                <a:avLst/>
+              </a:prstGeom>
+              <a:noFill/>
+            </p:spPr>
+            <p:txBody>
+              <a:bodyPr wrap="square" rtlCol="0">
+                <a:spAutoFit/>
+              </a:bodyPr>
+              <a:lstStyle/>
+              <a:p>
+                <a:r>
+                  <a:rPr lang="en-US" sz="1200" dirty="0">
+                    <a:latin typeface="Source Sans Pro Light" panose="020B0403030403020204" pitchFamily="34" charset="0"/>
+                    <a:ea typeface="Source Sans Pro Light" panose="020B0403030403020204" pitchFamily="34" charset="0"/>
+                    <a:cs typeface="Times New Roman" panose="02020603050405020304" pitchFamily="18" charset="0"/>
+                  </a:rPr>
+                  <a:t>HOW TO READ THE PLOT</a:t>
+                </a:r>
+              </a:p>
+              <a:p>
+                <a:endParaRPr lang="en-US" sz="1200" dirty="0">
+                  <a:latin typeface="Source Sans Pro Light" panose="020B0403030403020204" pitchFamily="34" charset="0"/>
+                  <a:ea typeface="Source Sans Pro Light" panose="020B0403030403020204" pitchFamily="34" charset="0"/>
+                  <a:cs typeface="Times New Roman" panose="02020603050405020304" pitchFamily="18" charset="0"/>
+                </a:endParaRPr>
+              </a:p>
+              <a:p>
+                <a:pPr>
+                  <a:spcAft>
+                    <a:spcPts val="600"/>
+                  </a:spcAft>
+                </a:pPr>
+                <a:r>
+                  <a:rPr lang="en-US" sz="1200" dirty="0">
+                    <a:latin typeface="Source Sans Pro Light" panose="020B0403030403020204" pitchFamily="34" charset="0"/>
+                    <a:ea typeface="Source Sans Pro Light" panose="020B0403030403020204" pitchFamily="34" charset="0"/>
+                    <a:cs typeface="Times New Roman" panose="02020603050405020304" pitchFamily="18" charset="0"/>
+                  </a:rPr>
+                  <a:t>The Representative Concentration Pathways (RCP) labeled are future scenarios constructed to represent how well we are able to curb and contain greenhouse gas emissions with RCP 2.6 implementing the most aggressive strategies and RCP 8.5 being  “business-as-usual.” Their position on the y-axis of the plot above is ordered from RCP 2.6 to RCP 8.5 but their distance from the center of the circle is not significant. </a:t>
+                </a:r>
+              </a:p>
+            </p:txBody>
+          </p:sp>
+          <p:cxnSp>
+            <p:nvCxnSpPr>
+              <p:cNvPr id="47" name="Straight Connector 46">
+                <a:extLst>
+                  <a:ext uri="{FF2B5EF4-FFF2-40B4-BE49-F238E27FC236}">
+                    <a16:creationId xmlns:a16="http://schemas.microsoft.com/office/drawing/2014/main" id="{2DB6AFBC-11B1-7124-2E0F-265533A64AF6}"/>
+                  </a:ext>
+                </a:extLst>
+              </p:cNvPr>
+              <p:cNvCxnSpPr>
+                <a:cxnSpLocks/>
+              </p:cNvCxnSpPr>
+              <p:nvPr/>
+            </p:nvCxnSpPr>
+            <p:spPr>
+              <a:xfrm>
+                <a:off x="6356350" y="4424030"/>
+                <a:ext cx="5513444" cy="0"/>
+              </a:xfrm>
+              <a:prstGeom prst="line">
+                <a:avLst/>
+              </a:prstGeom>
+              <a:ln>
+                <a:solidFill>
+                  <a:schemeClr val="tx1"/>
+                </a:solidFill>
+              </a:ln>
+            </p:spPr>
+            <p:style>
+              <a:lnRef idx="1">
+                <a:schemeClr val="accent1"/>
+              </a:lnRef>
+              <a:fillRef idx="0">
+                <a:schemeClr val="accent1"/>
+              </a:fillRef>
+              <a:effectRef idx="0">
+                <a:schemeClr val="accent1"/>
+              </a:effectRef>
+              <a:fontRef idx="minor">
+                <a:schemeClr val="tx1"/>
+              </a:fontRef>
+            </p:style>
+          </p:cxnSp>
+          <p:sp>
+            <p:nvSpPr>
+              <p:cNvPr id="2" name="TextBox 1">
+                <a:extLst>
+                  <a:ext uri="{FF2B5EF4-FFF2-40B4-BE49-F238E27FC236}">
+                    <a16:creationId xmlns:a16="http://schemas.microsoft.com/office/drawing/2014/main" id="{8288BC70-C0F2-8DD8-17A6-B82FC0EAF39C}"/>
+                  </a:ext>
+                </a:extLst>
+              </p:cNvPr>
+              <p:cNvSpPr txBox="1"/>
+              <p:nvPr/>
+            </p:nvSpPr>
+            <p:spPr>
+              <a:xfrm rot="20455679">
+                <a:off x="8105448" y="1400665"/>
+                <a:ext cx="533982" cy="276999"/>
+              </a:xfrm>
+              <a:prstGeom prst="rect">
+                <a:avLst/>
+              </a:prstGeom>
+              <a:noFill/>
+            </p:spPr>
+            <p:txBody>
+              <a:bodyPr wrap="square" rtlCol="0">
+                <a:spAutoFit/>
+              </a:bodyPr>
+              <a:lstStyle/>
+              <a:p>
+                <a:r>
+                  <a:rPr lang="en-US" sz="1200" dirty="0">
+                    <a:latin typeface="Source Sans Pro Light" panose="020B0604020202020204" pitchFamily="34" charset="0"/>
+                  </a:rPr>
+                  <a:t>-20</a:t>
+                </a:r>
+              </a:p>
+            </p:txBody>
+          </p:sp>
+          <p:sp>
+            <p:nvSpPr>
+              <p:cNvPr id="4" name="TextBox 3">
+                <a:extLst>
+                  <a:ext uri="{FF2B5EF4-FFF2-40B4-BE49-F238E27FC236}">
+                    <a16:creationId xmlns:a16="http://schemas.microsoft.com/office/drawing/2014/main" id="{5D0E829E-09C8-6C7F-0619-369953D3F049}"/>
+                  </a:ext>
+                </a:extLst>
+              </p:cNvPr>
+              <p:cNvSpPr txBox="1"/>
+              <p:nvPr/>
+            </p:nvSpPr>
+            <p:spPr>
+              <a:xfrm rot="1736575">
+                <a:off x="9925210" y="1508614"/>
+                <a:ext cx="564547" cy="276999"/>
+              </a:xfrm>
+              <a:prstGeom prst="rect">
+                <a:avLst/>
+              </a:prstGeom>
+              <a:noFill/>
+            </p:spPr>
+            <p:txBody>
+              <a:bodyPr wrap="square" rtlCol="0">
+                <a:spAutoFit/>
+              </a:bodyPr>
+              <a:lstStyle/>
+              <a:p>
+                <a:r>
+                  <a:rPr lang="en-US" sz="1200" dirty="0">
+                    <a:latin typeface="Source Sans Pro Light" panose="020B0604020202020204" pitchFamily="34" charset="0"/>
+                  </a:rPr>
+                  <a:t>-27</a:t>
+                </a:r>
+              </a:p>
+            </p:txBody>
+          </p:sp>
           <p:grpSp>
             <p:nvGrpSpPr>
-              <p:cNvPr id="141" name="Group 140">
+              <p:cNvPr id="54" name="Group 53">
                 <a:extLst>
                   <a:ext uri="{FF2B5EF4-FFF2-40B4-BE49-F238E27FC236}">
-                    <a16:creationId xmlns:a16="http://schemas.microsoft.com/office/drawing/2014/main" id="{6ACCCFEC-EE8D-E85D-99F3-AEAF1A5E511D}"/>
+                    <a16:creationId xmlns:a16="http://schemas.microsoft.com/office/drawing/2014/main" id="{47611393-F909-B617-8B29-545CB26DCFCF}"/>
                   </a:ext>
                 </a:extLst>
               </p:cNvPr>
@@ -11395,931 +11974,1080 @@
               <p:nvPr/>
             </p:nvGrpSpPr>
             <p:grpSpPr>
-              <a:xfrm>
-                <a:off x="8053431" y="2610344"/>
-                <a:ext cx="2125717" cy="1444795"/>
-                <a:chOff x="8053431" y="2610344"/>
-                <a:chExt cx="2125717" cy="1444795"/>
+              <a:xfrm rot="16200000">
+                <a:off x="10439579" y="4552732"/>
+                <a:ext cx="411947" cy="2073707"/>
+                <a:chOff x="5939799" y="1258112"/>
+                <a:chExt cx="312907" cy="1422936"/>
               </a:xfrm>
             </p:grpSpPr>
-            <p:grpSp>
-              <p:nvGrpSpPr>
-                <p:cNvPr id="138" name="Group 137">
+            <p:sp>
+              <p:nvSpPr>
+                <p:cNvPr id="57" name="Rectangle 56">
                   <a:extLst>
                     <a:ext uri="{FF2B5EF4-FFF2-40B4-BE49-F238E27FC236}">
-                      <a16:creationId xmlns:a16="http://schemas.microsoft.com/office/drawing/2014/main" id="{83E2B7AF-13A4-CB34-1109-B826DFD66C78}"/>
+                      <a16:creationId xmlns:a16="http://schemas.microsoft.com/office/drawing/2014/main" id="{351D1D00-96F7-AA0C-772D-1585F447FF73}"/>
                     </a:ext>
                   </a:extLst>
                 </p:cNvPr>
-                <p:cNvGrpSpPr/>
-                <p:nvPr/>
-              </p:nvGrpSpPr>
-              <p:grpSpPr>
-                <a:xfrm>
-                  <a:off x="8053431" y="2610344"/>
-                  <a:ext cx="2125717" cy="1418916"/>
-                  <a:chOff x="8053431" y="2610344"/>
-                  <a:chExt cx="2125717" cy="1418916"/>
-                </a:xfrm>
-              </p:grpSpPr>
-              <p:pic>
-                <p:nvPicPr>
-                  <p:cNvPr id="7" name="Picture 6" descr="A picture containing fish, spiny-finned fish, dark&#10;&#10;Description automatically generated">
-                    <a:extLst>
-                      <a:ext uri="{FF2B5EF4-FFF2-40B4-BE49-F238E27FC236}">
-                        <a16:creationId xmlns:a16="http://schemas.microsoft.com/office/drawing/2014/main" id="{EA211AEE-3789-D087-E374-D5EA30A8AE6D}"/>
-                      </a:ext>
-                    </a:extLst>
-                  </p:cNvPr>
-                  <p:cNvPicPr>
-                    <a:picLocks noChangeAspect="1"/>
-                  </p:cNvPicPr>
-                  <p:nvPr/>
-                </p:nvPicPr>
-                <p:blipFill>
-                  <a:blip r:embed="rId9">
-                    <a:extLst>
-                      <a:ext uri="{28A0092B-C50C-407E-A947-70E740481C1C}">
-                        <a14:useLocalDpi xmlns:a14="http://schemas.microsoft.com/office/drawing/2010/main" val="0"/>
-                      </a:ext>
-                    </a:extLst>
-                  </a:blip>
-                  <a:stretch>
-                    <a:fillRect/>
-                  </a:stretch>
-                </p:blipFill>
-                <p:spPr>
-                  <a:xfrm>
-                    <a:off x="8053431" y="2610344"/>
-                    <a:ext cx="2125717" cy="1418916"/>
-                  </a:xfrm>
-                  <a:prstGeom prst="rect">
-                    <a:avLst/>
-                  </a:prstGeom>
-                </p:spPr>
-              </p:pic>
-              <p:sp>
-                <p:nvSpPr>
-                  <p:cNvPr id="117" name="Rectangle 116">
-                    <a:extLst>
-                      <a:ext uri="{FF2B5EF4-FFF2-40B4-BE49-F238E27FC236}">
-                        <a16:creationId xmlns:a16="http://schemas.microsoft.com/office/drawing/2014/main" id="{4CC719BB-510E-764E-109D-D1F995DA5091}"/>
-                      </a:ext>
-                    </a:extLst>
-                  </p:cNvPr>
-                  <p:cNvSpPr/>
-                  <p:nvPr/>
-                </p:nvSpPr>
-                <p:spPr>
-                  <a:xfrm rot="954805">
-                    <a:off x="9826164" y="3424584"/>
-                    <a:ext cx="279062" cy="77551"/>
-                  </a:xfrm>
-                  <a:prstGeom prst="rect">
-                    <a:avLst/>
-                  </a:prstGeom>
-                  <a:solidFill>
-                    <a:srgbClr val="FFFFFF"/>
-                  </a:solidFill>
-                  <a:ln>
-                    <a:noFill/>
-                  </a:ln>
-                </p:spPr>
-                <p:style>
-                  <a:lnRef idx="2">
-                    <a:schemeClr val="accent1">
-                      <a:shade val="50000"/>
-                    </a:schemeClr>
-                  </a:lnRef>
-                  <a:fillRef idx="1">
-                    <a:schemeClr val="accent1"/>
-                  </a:fillRef>
-                  <a:effectRef idx="0">
-                    <a:schemeClr val="accent1"/>
-                  </a:effectRef>
-                  <a:fontRef idx="minor">
-                    <a:schemeClr val="lt1"/>
-                  </a:fontRef>
-                </p:style>
-                <p:txBody>
-                  <a:bodyPr rtlCol="0" anchor="ctr"/>
-                  <a:lstStyle/>
-                  <a:p>
-                    <a:pPr algn="ctr"/>
-                    <a:endParaRPr lang="en-US">
-                      <a:latin typeface="Arial Nova Cond Light" panose="020B0306020202020204" pitchFamily="34" charset="0"/>
-                    </a:endParaRPr>
-                  </a:p>
-                </p:txBody>
-              </p:sp>
-            </p:grpSp>
-            <p:sp>
-              <p:nvSpPr>
-                <p:cNvPr id="17" name="TextBox 16">
-                  <a:extLst>
-                    <a:ext uri="{FF2B5EF4-FFF2-40B4-BE49-F238E27FC236}">
-                      <a16:creationId xmlns:a16="http://schemas.microsoft.com/office/drawing/2014/main" id="{E8EB3159-5F25-B2C0-43AC-83F1DF73BE7B}"/>
-                    </a:ext>
-                  </a:extLst>
-                </p:cNvPr>
-                <p:cNvSpPr txBox="1"/>
+                <p:cNvSpPr/>
                 <p:nvPr/>
               </p:nvSpPr>
               <p:spPr>
                 <a:xfrm>
-                  <a:off x="8609559" y="3716585"/>
-                  <a:ext cx="1247457" cy="338554"/>
+                  <a:off x="5939799" y="1258112"/>
+                  <a:ext cx="312907" cy="1419306"/>
                 </a:xfrm>
                 <a:prstGeom prst="rect">
                   <a:avLst/>
                 </a:prstGeom>
-                <a:noFill/>
-              </p:spPr>
-              <p:txBody>
-                <a:bodyPr wrap="none" rtlCol="0">
-                  <a:spAutoFit/>
-                </a:bodyPr>
-                <a:lstStyle/>
-                <a:p>
-                  <a:pPr algn="ctr"/>
-                  <a:r>
-                    <a:rPr lang="en-US" sz="1600" dirty="0">
-                      <a:latin typeface="Baguet Script" panose="00000500000000000000" pitchFamily="2" charset="0"/>
-                    </a:rPr>
-                    <a:t>Striped Bass</a:t>
-                  </a:r>
-                </a:p>
-              </p:txBody>
-            </p:sp>
-          </p:grpSp>
-          <p:grpSp>
-            <p:nvGrpSpPr>
-              <p:cNvPr id="49" name="Group 48">
-                <a:extLst>
-                  <a:ext uri="{FF2B5EF4-FFF2-40B4-BE49-F238E27FC236}">
-                    <a16:creationId xmlns:a16="http://schemas.microsoft.com/office/drawing/2014/main" id="{E20F02E3-3B69-7428-CAA7-414EC1D8DAA6}"/>
-                  </a:ext>
-                </a:extLst>
-              </p:cNvPr>
-              <p:cNvGrpSpPr/>
-              <p:nvPr/>
-            </p:nvGrpSpPr>
-            <p:grpSpPr>
-              <a:xfrm>
-                <a:off x="6254746" y="4233067"/>
-                <a:ext cx="5673006" cy="1615827"/>
-                <a:chOff x="6254746" y="4360067"/>
-                <a:chExt cx="5673006" cy="1615827"/>
-              </a:xfrm>
-            </p:grpSpPr>
-            <p:sp>
-              <p:nvSpPr>
-                <p:cNvPr id="110" name="TextBox 109">
-                  <a:extLst>
-                    <a:ext uri="{FF2B5EF4-FFF2-40B4-BE49-F238E27FC236}">
-                      <a16:creationId xmlns:a16="http://schemas.microsoft.com/office/drawing/2014/main" id="{F9664226-E875-1805-201D-4F823ECC3451}"/>
-                    </a:ext>
-                  </a:extLst>
-                </p:cNvPr>
-                <p:cNvSpPr txBox="1"/>
-                <p:nvPr/>
-              </p:nvSpPr>
-              <p:spPr>
-                <a:xfrm>
-                  <a:off x="6254746" y="4360067"/>
-                  <a:ext cx="3491146" cy="1615827"/>
-                </a:xfrm>
-                <a:prstGeom prst="rect">
-                  <a:avLst/>
-                </a:prstGeom>
-                <a:noFill/>
-              </p:spPr>
-              <p:txBody>
-                <a:bodyPr wrap="square" rtlCol="0">
-                  <a:spAutoFit/>
-                </a:bodyPr>
-                <a:lstStyle/>
-                <a:p>
-                  <a:r>
-                    <a:rPr lang="en-US" sz="1100" dirty="0">
-                      <a:latin typeface="Arial Nova Cond Light" panose="020B0306020202020204" pitchFamily="34" charset="0"/>
-                      <a:cs typeface="Arial" panose="020B0604020202020204" pitchFamily="34" charset="0"/>
-                    </a:rPr>
-                    <a:t>HOW TO READ THE PLOT</a:t>
-                  </a:r>
-                </a:p>
-                <a:p>
-                  <a:endParaRPr lang="en-US" sz="1100" dirty="0">
-                    <a:latin typeface="Arial Nova Cond Light" panose="020B0306020202020204" pitchFamily="34" charset="0"/>
-                    <a:cs typeface="Arial" panose="020B0604020202020204" pitchFamily="34" charset="0"/>
-                  </a:endParaRPr>
-                </a:p>
-                <a:p>
-                  <a:pPr>
-                    <a:spcAft>
-                      <a:spcPts val="600"/>
-                    </a:spcAft>
-                  </a:pPr>
-                  <a:r>
-                    <a:rPr lang="en-US" sz="1100" dirty="0">
-                      <a:latin typeface="Arial Nova Cond Light" panose="020B0306020202020204" pitchFamily="34" charset="0"/>
-                      <a:cs typeface="Times New Roman" panose="02020603050405020304" pitchFamily="18" charset="0"/>
-                    </a:rPr>
-                    <a:t>The Representative Concentration Pathways (RCP) labeled are future scenarios constructed to represent how well we are able to curb and contain greenhouse gas emissions with RCP 2.6 implementing the most aggressive strategies and RCP 8.5 being  “business-as-usual.” Their position on the y-axis of the plot above is ordered from RCP 2.6 to RCP 8.5 but their distance from the center of the circle is not significant. </a:t>
-                  </a:r>
-                </a:p>
-              </p:txBody>
-            </p:sp>
-            <p:cxnSp>
-              <p:nvCxnSpPr>
-                <p:cNvPr id="152" name="Straight Connector 151">
-                  <a:extLst>
-                    <a:ext uri="{FF2B5EF4-FFF2-40B4-BE49-F238E27FC236}">
-                      <a16:creationId xmlns:a16="http://schemas.microsoft.com/office/drawing/2014/main" id="{35CD4AC8-8C5B-ED83-8F3C-0C9E0C5762AA}"/>
-                    </a:ext>
-                  </a:extLst>
-                </p:cNvPr>
-                <p:cNvCxnSpPr>
-                  <a:cxnSpLocks/>
-                </p:cNvCxnSpPr>
-                <p:nvPr/>
-              </p:nvCxnSpPr>
-              <p:spPr>
-                <a:xfrm>
-                  <a:off x="6356350" y="4614822"/>
-                  <a:ext cx="5513444" cy="0"/>
-                </a:xfrm>
-                <a:prstGeom prst="line">
-                  <a:avLst/>
-                </a:prstGeom>
-                <a:ln>
+                <a:solidFill>
+                  <a:srgbClr val="D2C6E1"/>
+                </a:solidFill>
+                <a:ln w="3175">
                   <a:solidFill>
-                    <a:schemeClr val="tx1"/>
+                    <a:srgbClr val="D2C6E1"/>
                   </a:solidFill>
                 </a:ln>
               </p:spPr>
               <p:style>
-                <a:lnRef idx="1">
-                  <a:schemeClr val="accent1"/>
+                <a:lnRef idx="2">
+                  <a:schemeClr val="accent1">
+                    <a:shade val="50000"/>
+                  </a:schemeClr>
                 </a:lnRef>
-                <a:fillRef idx="0">
+                <a:fillRef idx="1">
                   <a:schemeClr val="accent1"/>
                 </a:fillRef>
                 <a:effectRef idx="0">
                   <a:schemeClr val="accent1"/>
                 </a:effectRef>
                 <a:fontRef idx="minor">
-                  <a:schemeClr val="tx1"/>
+                  <a:schemeClr val="lt1"/>
                 </a:fontRef>
               </p:style>
-            </p:cxnSp>
-            <p:grpSp>
-              <p:nvGrpSpPr>
-                <p:cNvPr id="46" name="Group 45">
-                  <a:extLst>
-                    <a:ext uri="{FF2B5EF4-FFF2-40B4-BE49-F238E27FC236}">
-                      <a16:creationId xmlns:a16="http://schemas.microsoft.com/office/drawing/2014/main" id="{00ED4E4F-8478-589E-44C5-EEE0A9E81F58}"/>
-                    </a:ext>
-                  </a:extLst>
-                </p:cNvPr>
-                <p:cNvGrpSpPr/>
-                <p:nvPr/>
-              </p:nvGrpSpPr>
-              <p:grpSpPr>
-                <a:xfrm>
-                  <a:off x="9799201" y="4738643"/>
-                  <a:ext cx="2128551" cy="914225"/>
-                  <a:chOff x="4705714" y="688492"/>
-                  <a:chExt cx="2128551" cy="914225"/>
-                </a:xfrm>
-              </p:grpSpPr>
-              <p:grpSp>
-                <p:nvGrpSpPr>
-                  <p:cNvPr id="2" name="Group 1">
-                    <a:extLst>
-                      <a:ext uri="{FF2B5EF4-FFF2-40B4-BE49-F238E27FC236}">
-                        <a16:creationId xmlns:a16="http://schemas.microsoft.com/office/drawing/2014/main" id="{E3F9AEDD-39FB-8ABD-7157-ADF57E13F5F7}"/>
-                      </a:ext>
-                    </a:extLst>
-                  </p:cNvPr>
-                  <p:cNvGrpSpPr/>
-                  <p:nvPr/>
-                </p:nvGrpSpPr>
-                <p:grpSpPr>
-                  <a:xfrm>
-                    <a:off x="4705714" y="688492"/>
-                    <a:ext cx="2128551" cy="914225"/>
-                    <a:chOff x="5063543" y="878261"/>
-                    <a:chExt cx="2128551" cy="914225"/>
-                  </a:xfrm>
-                </p:grpSpPr>
-                <p:grpSp>
-                  <p:nvGrpSpPr>
-                    <p:cNvPr id="4" name="Group 3">
-                      <a:extLst>
-                        <a:ext uri="{FF2B5EF4-FFF2-40B4-BE49-F238E27FC236}">
-                          <a16:creationId xmlns:a16="http://schemas.microsoft.com/office/drawing/2014/main" id="{4519448C-E8DD-8550-D8A0-ED1C18D6A39B}"/>
-                        </a:ext>
-                      </a:extLst>
-                    </p:cNvPr>
-                    <p:cNvGrpSpPr/>
-                    <p:nvPr/>
-                  </p:nvGrpSpPr>
-                  <p:grpSpPr>
-                    <a:xfrm>
-                      <a:off x="5063543" y="878261"/>
-                      <a:ext cx="2128551" cy="914225"/>
-                      <a:chOff x="5063543" y="878261"/>
-                      <a:chExt cx="2128551" cy="914225"/>
-                    </a:xfrm>
-                  </p:grpSpPr>
-                  <p:sp>
-                    <p:nvSpPr>
-                      <p:cNvPr id="11" name="TextBox 10">
-                        <a:extLst>
-                          <a:ext uri="{FF2B5EF4-FFF2-40B4-BE49-F238E27FC236}">
-                            <a16:creationId xmlns:a16="http://schemas.microsoft.com/office/drawing/2014/main" id="{844ABA5D-F707-9535-1914-1C3A7F482CEA}"/>
-                          </a:ext>
-                        </a:extLst>
-                      </p:cNvPr>
-                      <p:cNvSpPr txBox="1"/>
-                      <p:nvPr/>
-                    </p:nvSpPr>
-                    <p:spPr>
-                      <a:xfrm>
-                        <a:off x="6348593" y="1387488"/>
-                        <a:ext cx="843501" cy="400110"/>
-                      </a:xfrm>
-                      <a:prstGeom prst="rect">
-                        <a:avLst/>
-                      </a:prstGeom>
-                      <a:noFill/>
-                    </p:spPr>
-                    <p:txBody>
-                      <a:bodyPr wrap="none" rtlCol="0">
-                        <a:spAutoFit/>
-                      </a:bodyPr>
-                      <a:lstStyle/>
-                      <a:p>
-                        <a:pPr algn="ctr"/>
-                        <a:r>
-                          <a:rPr lang="en-US" sz="1000" dirty="0">
-                            <a:solidFill>
-                              <a:schemeClr val="bg1">
-                                <a:lumMod val="50000"/>
-                              </a:schemeClr>
-                            </a:solidFill>
-                            <a:latin typeface="Arial Nova Cond Light" panose="020B0306020202020204" pitchFamily="34" charset="0"/>
-                            <a:cs typeface="Times New Roman" panose="02020603050405020304" pitchFamily="18" charset="0"/>
-                          </a:rPr>
-                          <a:t>Historical </a:t>
-                        </a:r>
-                      </a:p>
-                      <a:p>
-                        <a:pPr algn="ctr"/>
-                        <a:r>
-                          <a:rPr lang="en-US" sz="1000" dirty="0">
-                            <a:solidFill>
-                              <a:schemeClr val="bg1">
-                                <a:lumMod val="50000"/>
-                              </a:schemeClr>
-                            </a:solidFill>
-                            <a:latin typeface="Arial Nova Cond Light" panose="020B0306020202020204" pitchFamily="34" charset="0"/>
-                            <a:cs typeface="Times New Roman" panose="02020603050405020304" pitchFamily="18" charset="0"/>
-                          </a:rPr>
-                          <a:t>(1950 – 2012)</a:t>
-                        </a:r>
-                      </a:p>
-                    </p:txBody>
-                  </p:sp>
-                  <p:sp>
-                    <p:nvSpPr>
-                      <p:cNvPr id="16" name="TextBox 15">
-                        <a:extLst>
-                          <a:ext uri="{FF2B5EF4-FFF2-40B4-BE49-F238E27FC236}">
-                            <a16:creationId xmlns:a16="http://schemas.microsoft.com/office/drawing/2014/main" id="{355663AC-5DF1-DE82-D377-3B4D2A05ADFE}"/>
-                          </a:ext>
-                        </a:extLst>
-                      </p:cNvPr>
-                      <p:cNvSpPr txBox="1"/>
-                      <p:nvPr/>
-                    </p:nvSpPr>
-                    <p:spPr>
-                      <a:xfrm>
-                        <a:off x="5520252" y="1392376"/>
-                        <a:ext cx="843501" cy="400110"/>
-                      </a:xfrm>
-                      <a:prstGeom prst="rect">
-                        <a:avLst/>
-                      </a:prstGeom>
-                      <a:noFill/>
-                    </p:spPr>
-                    <p:txBody>
-                      <a:bodyPr wrap="none" rtlCol="0">
-                        <a:spAutoFit/>
-                      </a:bodyPr>
-                      <a:lstStyle/>
-                      <a:p>
-                        <a:pPr algn="ctr"/>
-                        <a:r>
-                          <a:rPr lang="en-US" sz="1000" dirty="0">
-                            <a:solidFill>
-                              <a:schemeClr val="bg1">
-                                <a:lumMod val="50000"/>
-                              </a:schemeClr>
-                            </a:solidFill>
-                            <a:latin typeface="Arial Nova Cond Light" panose="020B0306020202020204" pitchFamily="34" charset="0"/>
-                            <a:cs typeface="Times New Roman" panose="02020603050405020304" pitchFamily="18" charset="0"/>
-                          </a:rPr>
-                          <a:t>Projected </a:t>
-                        </a:r>
-                      </a:p>
-                      <a:p>
-                        <a:pPr algn="ctr"/>
-                        <a:r>
-                          <a:rPr lang="en-US" sz="1000" dirty="0">
-                            <a:solidFill>
-                              <a:schemeClr val="bg1">
-                                <a:lumMod val="50000"/>
-                              </a:schemeClr>
-                            </a:solidFill>
-                            <a:latin typeface="Arial Nova Cond Light" panose="020B0306020202020204" pitchFamily="34" charset="0"/>
-                            <a:cs typeface="Times New Roman" panose="02020603050405020304" pitchFamily="18" charset="0"/>
-                          </a:rPr>
-                          <a:t>(2012 – 2099)</a:t>
-                        </a:r>
-                      </a:p>
-                    </p:txBody>
-                  </p:sp>
-                  <p:grpSp>
-                    <p:nvGrpSpPr>
-                      <p:cNvPr id="19" name="Group 18">
-                        <a:extLst>
-                          <a:ext uri="{FF2B5EF4-FFF2-40B4-BE49-F238E27FC236}">
-                            <a16:creationId xmlns:a16="http://schemas.microsoft.com/office/drawing/2014/main" id="{3878B5F8-BF52-D62F-4856-8CAB47AE2F00}"/>
-                          </a:ext>
-                        </a:extLst>
-                      </p:cNvPr>
-                      <p:cNvGrpSpPr/>
-                      <p:nvPr/>
-                    </p:nvGrpSpPr>
-                    <p:grpSpPr>
-                      <a:xfrm>
-                        <a:off x="5101965" y="921924"/>
-                        <a:ext cx="1774210" cy="320296"/>
-                        <a:chOff x="5101965" y="921924"/>
-                        <a:chExt cx="1774210" cy="320296"/>
-                      </a:xfrm>
-                    </p:grpSpPr>
-                    <p:grpSp>
-                      <p:nvGrpSpPr>
-                        <p:cNvPr id="25" name="Group 24">
-                          <a:extLst>
-                            <a:ext uri="{FF2B5EF4-FFF2-40B4-BE49-F238E27FC236}">
-                              <a16:creationId xmlns:a16="http://schemas.microsoft.com/office/drawing/2014/main" id="{672DBF71-450C-37B6-82FC-E5181C6708ED}"/>
-                            </a:ext>
-                          </a:extLst>
-                        </p:cNvPr>
-                        <p:cNvGrpSpPr/>
-                        <p:nvPr/>
-                      </p:nvGrpSpPr>
-                      <p:grpSpPr>
-                        <a:xfrm rot="16200000">
-                          <a:off x="5833109" y="194028"/>
-                          <a:ext cx="312907" cy="1773225"/>
-                          <a:chOff x="5939799" y="1258115"/>
-                          <a:chExt cx="312907" cy="1419306"/>
-                        </a:xfrm>
-                      </p:grpSpPr>
-                      <p:sp>
-                        <p:nvSpPr>
-                          <p:cNvPr id="31" name="Rectangle 30">
-                            <a:extLst>
-                              <a:ext uri="{FF2B5EF4-FFF2-40B4-BE49-F238E27FC236}">
-                                <a16:creationId xmlns:a16="http://schemas.microsoft.com/office/drawing/2014/main" id="{EEB2DF04-9D9C-EC47-6EB0-7A7465401FE0}"/>
-                              </a:ext>
-                            </a:extLst>
-                          </p:cNvPr>
-                          <p:cNvSpPr/>
-                          <p:nvPr/>
-                        </p:nvSpPr>
-                        <p:spPr>
-                          <a:xfrm>
-                            <a:off x="5939799" y="1258115"/>
-                            <a:ext cx="312907" cy="1419306"/>
-                          </a:xfrm>
-                          <a:prstGeom prst="rect">
-                            <a:avLst/>
-                          </a:prstGeom>
-                          <a:solidFill>
-                            <a:srgbClr val="D2C6E1"/>
-                          </a:solidFill>
-                          <a:ln w="3175">
-                            <a:noFill/>
-                          </a:ln>
-                        </p:spPr>
-                        <p:style>
-                          <a:lnRef idx="2">
-                            <a:schemeClr val="accent1">
-                              <a:shade val="50000"/>
-                            </a:schemeClr>
-                          </a:lnRef>
-                          <a:fillRef idx="1">
-                            <a:schemeClr val="accent1"/>
-                          </a:fillRef>
-                          <a:effectRef idx="0">
-                            <a:schemeClr val="accent1"/>
-                          </a:effectRef>
-                          <a:fontRef idx="minor">
-                            <a:schemeClr val="lt1"/>
-                          </a:fontRef>
-                        </p:style>
-                        <p:txBody>
-                          <a:bodyPr rtlCol="0" anchor="ctr"/>
-                          <a:lstStyle/>
-                          <a:p>
-                            <a:pPr algn="ctr"/>
-                            <a:endParaRPr lang="en-US">
-                              <a:solidFill>
-                                <a:schemeClr val="bg1">
-                                  <a:lumMod val="50000"/>
-                                </a:schemeClr>
-                              </a:solidFill>
-                              <a:latin typeface="Arial Nova Cond Light" panose="020B0306020202020204" pitchFamily="34" charset="0"/>
-                            </a:endParaRPr>
-                          </a:p>
-                        </p:txBody>
-                      </p:sp>
-                      <p:sp>
-                        <p:nvSpPr>
-                          <p:cNvPr id="33" name="Rectangle 32">
-                            <a:extLst>
-                              <a:ext uri="{FF2B5EF4-FFF2-40B4-BE49-F238E27FC236}">
-                                <a16:creationId xmlns:a16="http://schemas.microsoft.com/office/drawing/2014/main" id="{8CB1D1B3-912E-07BE-8C0A-C657CBC1F0A4}"/>
-                              </a:ext>
-                            </a:extLst>
-                          </p:cNvPr>
-                          <p:cNvSpPr/>
-                          <p:nvPr/>
-                        </p:nvSpPr>
-                        <p:spPr>
-                          <a:xfrm>
-                            <a:off x="5974916" y="1886755"/>
-                            <a:ext cx="235998" cy="785944"/>
-                          </a:xfrm>
-                          <a:prstGeom prst="rect">
-                            <a:avLst/>
-                          </a:prstGeom>
-                          <a:solidFill>
-                            <a:srgbClr val="EEE8F5"/>
-                          </a:solidFill>
-                          <a:ln>
-                            <a:solidFill>
-                              <a:srgbClr val="EEE8F5"/>
-                            </a:solidFill>
-                          </a:ln>
-                        </p:spPr>
-                        <p:style>
-                          <a:lnRef idx="2">
-                            <a:schemeClr val="accent1">
-                              <a:shade val="50000"/>
-                            </a:schemeClr>
-                          </a:lnRef>
-                          <a:fillRef idx="1">
-                            <a:schemeClr val="accent1"/>
-                          </a:fillRef>
-                          <a:effectRef idx="0">
-                            <a:schemeClr val="accent1"/>
-                          </a:effectRef>
-                          <a:fontRef idx="minor">
-                            <a:schemeClr val="lt1"/>
-                          </a:fontRef>
-                        </p:style>
-                        <p:txBody>
-                          <a:bodyPr rtlCol="0" anchor="ctr"/>
-                          <a:lstStyle/>
-                          <a:p>
-                            <a:pPr algn="ctr"/>
-                            <a:endParaRPr lang="en-US" dirty="0">
-                              <a:solidFill>
-                                <a:schemeClr val="bg1">
-                                  <a:lumMod val="50000"/>
-                                </a:schemeClr>
-                              </a:solidFill>
-                              <a:latin typeface="Arial Nova Cond Light" panose="020B0306020202020204" pitchFamily="34" charset="0"/>
-                            </a:endParaRPr>
-                          </a:p>
-                        </p:txBody>
-                      </p:sp>
-                      <p:sp>
-                        <p:nvSpPr>
-                          <p:cNvPr id="37" name="Rectangle 36">
-                            <a:extLst>
-                              <a:ext uri="{FF2B5EF4-FFF2-40B4-BE49-F238E27FC236}">
-                                <a16:creationId xmlns:a16="http://schemas.microsoft.com/office/drawing/2014/main" id="{97060462-59E5-ED59-7A98-3E36125EE861}"/>
-                              </a:ext>
-                            </a:extLst>
-                          </p:cNvPr>
-                          <p:cNvSpPr/>
-                          <p:nvPr/>
-                        </p:nvSpPr>
-                        <p:spPr>
-                          <a:xfrm>
-                            <a:off x="6026134" y="2461824"/>
-                            <a:ext cx="132450" cy="215596"/>
-                          </a:xfrm>
-                          <a:prstGeom prst="rect">
-                            <a:avLst/>
-                          </a:prstGeom>
-                          <a:solidFill>
-                            <a:srgbClr val="FBF9FD"/>
-                          </a:solidFill>
-                          <a:ln>
-                            <a:noFill/>
-                          </a:ln>
-                        </p:spPr>
-                        <p:style>
-                          <a:lnRef idx="2">
-                            <a:schemeClr val="accent1">
-                              <a:shade val="50000"/>
-                            </a:schemeClr>
-                          </a:lnRef>
-                          <a:fillRef idx="1">
-                            <a:schemeClr val="accent1"/>
-                          </a:fillRef>
-                          <a:effectRef idx="0">
-                            <a:schemeClr val="accent1"/>
-                          </a:effectRef>
-                          <a:fontRef idx="minor">
-                            <a:schemeClr val="lt1"/>
-                          </a:fontRef>
-                        </p:style>
-                        <p:txBody>
-                          <a:bodyPr rtlCol="0" anchor="ctr"/>
-                          <a:lstStyle/>
-                          <a:p>
-                            <a:pPr algn="ctr"/>
-                            <a:endParaRPr lang="en-US" dirty="0">
-                              <a:solidFill>
-                                <a:schemeClr val="bg1">
-                                  <a:lumMod val="50000"/>
-                                </a:schemeClr>
-                              </a:solidFill>
-                              <a:latin typeface="Arial Nova Cond Light" panose="020B0306020202020204" pitchFamily="34" charset="0"/>
-                            </a:endParaRPr>
-                          </a:p>
-                        </p:txBody>
-                      </p:sp>
-                    </p:grpSp>
-                    <p:cxnSp>
-                      <p:nvCxnSpPr>
-                        <p:cNvPr id="26" name="Straight Connector 25">
-                          <a:extLst>
-                            <a:ext uri="{FF2B5EF4-FFF2-40B4-BE49-F238E27FC236}">
-                              <a16:creationId xmlns:a16="http://schemas.microsoft.com/office/drawing/2014/main" id="{7329C267-D722-4AFA-6384-3F95483A05F2}"/>
-                            </a:ext>
-                          </a:extLst>
-                        </p:cNvPr>
-                        <p:cNvCxnSpPr/>
-                        <p:nvPr/>
-                      </p:nvCxnSpPr>
-                      <p:spPr>
-                        <a:xfrm>
-                          <a:off x="5102948" y="921924"/>
-                          <a:ext cx="1773227" cy="0"/>
-                        </a:xfrm>
-                        <a:prstGeom prst="line">
-                          <a:avLst/>
-                        </a:prstGeom>
-                        <a:ln w="9525">
-                          <a:solidFill>
-                            <a:schemeClr val="bg1">
-                              <a:lumMod val="50000"/>
-                            </a:schemeClr>
-                          </a:solidFill>
-                        </a:ln>
-                      </p:spPr>
-                      <p:style>
-                        <a:lnRef idx="1">
-                          <a:schemeClr val="accent1"/>
-                        </a:lnRef>
-                        <a:fillRef idx="0">
-                          <a:schemeClr val="accent1"/>
-                        </a:fillRef>
-                        <a:effectRef idx="0">
-                          <a:schemeClr val="accent1"/>
-                        </a:effectRef>
-                        <a:fontRef idx="minor">
-                          <a:schemeClr val="tx1"/>
-                        </a:fontRef>
-                      </p:style>
-                    </p:cxnSp>
-                    <p:cxnSp>
-                      <p:nvCxnSpPr>
-                        <p:cNvPr id="27" name="Straight Connector 26">
-                          <a:extLst>
-                            <a:ext uri="{FF2B5EF4-FFF2-40B4-BE49-F238E27FC236}">
-                              <a16:creationId xmlns:a16="http://schemas.microsoft.com/office/drawing/2014/main" id="{5BCD6614-6378-D72B-1695-70CED7585762}"/>
-                            </a:ext>
-                          </a:extLst>
-                        </p:cNvPr>
-                        <p:cNvCxnSpPr/>
-                        <p:nvPr/>
-                      </p:nvCxnSpPr>
-                      <p:spPr>
-                        <a:xfrm>
-                          <a:off x="5101965" y="1242220"/>
-                          <a:ext cx="1773227" cy="0"/>
-                        </a:xfrm>
-                        <a:prstGeom prst="line">
-                          <a:avLst/>
-                        </a:prstGeom>
-                        <a:ln w="9525">
-                          <a:solidFill>
-                            <a:schemeClr val="bg1">
-                              <a:lumMod val="50000"/>
-                            </a:schemeClr>
-                          </a:solidFill>
-                        </a:ln>
-                      </p:spPr>
-                      <p:style>
-                        <a:lnRef idx="1">
-                          <a:schemeClr val="accent1"/>
-                        </a:lnRef>
-                        <a:fillRef idx="0">
-                          <a:schemeClr val="accent1"/>
-                        </a:fillRef>
-                        <a:effectRef idx="0">
-                          <a:schemeClr val="accent1"/>
-                        </a:effectRef>
-                        <a:fontRef idx="minor">
-                          <a:schemeClr val="tx1"/>
-                        </a:fontRef>
-                      </p:style>
-                    </p:cxnSp>
-                  </p:grpSp>
-                  <p:sp>
-                    <p:nvSpPr>
-                      <p:cNvPr id="21" name="TextBox 20">
-                        <a:extLst>
-                          <a:ext uri="{FF2B5EF4-FFF2-40B4-BE49-F238E27FC236}">
-                            <a16:creationId xmlns:a16="http://schemas.microsoft.com/office/drawing/2014/main" id="{12A83389-59CC-68CC-BCF4-12D7D015ACA0}"/>
-                          </a:ext>
-                        </a:extLst>
-                      </p:cNvPr>
-                      <p:cNvSpPr txBox="1"/>
-                      <p:nvPr/>
-                    </p:nvSpPr>
-                    <p:spPr>
-                      <a:xfrm>
-                        <a:off x="5063543" y="878261"/>
-                        <a:ext cx="468398" cy="400110"/>
-                      </a:xfrm>
-                      <a:prstGeom prst="rect">
-                        <a:avLst/>
-                      </a:prstGeom>
-                      <a:noFill/>
-                    </p:spPr>
-                    <p:txBody>
-                      <a:bodyPr wrap="none" rtlCol="0">
-                        <a:spAutoFit/>
-                      </a:bodyPr>
-                      <a:lstStyle/>
-                      <a:p>
-                        <a:r>
-                          <a:rPr lang="en-US" sz="1000" dirty="0">
-                            <a:solidFill>
-                              <a:schemeClr val="bg1">
-                                <a:lumMod val="50000"/>
-                              </a:schemeClr>
-                            </a:solidFill>
-                            <a:latin typeface="Arial Nova Cond Light" panose="020B0306020202020204" pitchFamily="34" charset="0"/>
-                            <a:cs typeface="Times New Roman" panose="02020603050405020304" pitchFamily="18" charset="0"/>
-                          </a:rPr>
-                          <a:t>Full </a:t>
-                        </a:r>
-                      </a:p>
-                      <a:p>
-                        <a:r>
-                          <a:rPr lang="en-US" sz="1000" dirty="0">
-                            <a:solidFill>
-                              <a:schemeClr val="bg1">
-                                <a:lumMod val="50000"/>
-                              </a:schemeClr>
-                            </a:solidFill>
-                            <a:latin typeface="Arial Nova Cond Light" panose="020B0306020202020204" pitchFamily="34" charset="0"/>
-                            <a:cs typeface="Times New Roman" panose="02020603050405020304" pitchFamily="18" charset="0"/>
-                          </a:rPr>
-                          <a:t>Range</a:t>
-                        </a:r>
-                      </a:p>
-                    </p:txBody>
-                  </p:sp>
-                </p:grpSp>
-                <p:cxnSp>
-                  <p:nvCxnSpPr>
-                    <p:cNvPr id="6" name="Straight Arrow Connector 5">
-                      <a:extLst>
-                        <a:ext uri="{FF2B5EF4-FFF2-40B4-BE49-F238E27FC236}">
-                          <a16:creationId xmlns:a16="http://schemas.microsoft.com/office/drawing/2014/main" id="{41F14311-D4F5-0B52-4DF8-A0F6259CE3D3}"/>
-                        </a:ext>
-                      </a:extLst>
-                    </p:cNvPr>
-                    <p:cNvCxnSpPr>
-                      <a:cxnSpLocks/>
-                      <a:endCxn id="16" idx="0"/>
-                    </p:cNvCxnSpPr>
-                    <p:nvPr/>
-                  </p:nvCxnSpPr>
-                  <p:spPr>
-                    <a:xfrm>
-                      <a:off x="5942003" y="1058251"/>
-                      <a:ext cx="0" cy="334125"/>
-                    </a:xfrm>
-                    <a:prstGeom prst="straightConnector1">
-                      <a:avLst/>
-                    </a:prstGeom>
-                    <a:ln>
-                      <a:solidFill>
-                        <a:schemeClr val="bg1">
-                          <a:lumMod val="50000"/>
-                        </a:schemeClr>
-                      </a:solidFill>
-                      <a:tailEnd type="triangle"/>
-                    </a:ln>
-                  </p:spPr>
-                  <p:style>
-                    <a:lnRef idx="1">
-                      <a:schemeClr val="accent1"/>
-                    </a:lnRef>
-                    <a:fillRef idx="0">
-                      <a:schemeClr val="accent1"/>
-                    </a:fillRef>
-                    <a:effectRef idx="0">
-                      <a:schemeClr val="accent1"/>
-                    </a:effectRef>
-                    <a:fontRef idx="minor">
-                      <a:schemeClr val="tx1"/>
-                    </a:fontRef>
-                  </p:style>
-                </p:cxnSp>
-              </p:grpSp>
-              <p:cxnSp>
-                <p:nvCxnSpPr>
-                  <p:cNvPr id="39" name="Straight Arrow Connector 38">
-                    <a:extLst>
-                      <a:ext uri="{FF2B5EF4-FFF2-40B4-BE49-F238E27FC236}">
-                        <a16:creationId xmlns:a16="http://schemas.microsoft.com/office/drawing/2014/main" id="{CC2058BD-61E7-D871-E364-A613A531564A}"/>
-                      </a:ext>
-                    </a:extLst>
-                  </p:cNvPr>
-                  <p:cNvCxnSpPr>
-                    <a:cxnSpLocks/>
-                  </p:cNvCxnSpPr>
-                  <p:nvPr/>
-                </p:nvCxnSpPr>
-                <p:spPr>
-                  <a:xfrm>
-                    <a:off x="6402484" y="910608"/>
-                    <a:ext cx="0" cy="299741"/>
-                  </a:xfrm>
-                  <a:prstGeom prst="straightConnector1">
-                    <a:avLst/>
-                  </a:prstGeom>
-                  <a:ln>
+              <p:txBody>
+                <a:bodyPr rtlCol="0" anchor="ctr"/>
+                <a:lstStyle/>
+                <a:p>
+                  <a:pPr algn="ctr"/>
+                  <a:endParaRPr lang="en-US">
                     <a:solidFill>
                       <a:schemeClr val="bg1">
                         <a:lumMod val="50000"/>
                       </a:schemeClr>
                     </a:solidFill>
-                    <a:tailEnd type="triangle"/>
-                  </a:ln>
-                </p:spPr>
-                <p:style>
-                  <a:lnRef idx="1">
-                    <a:schemeClr val="accent1"/>
-                  </a:lnRef>
-                  <a:fillRef idx="0">
-                    <a:schemeClr val="accent1"/>
-                  </a:fillRef>
-                  <a:effectRef idx="0">
-                    <a:schemeClr val="accent1"/>
-                  </a:effectRef>
-                  <a:fontRef idx="minor">
-                    <a:schemeClr val="tx1"/>
-                  </a:fontRef>
-                </p:style>
-              </p:cxnSp>
-            </p:grpSp>
+                    <a:latin typeface="Arial Nova Cond Light" panose="020B0306020202020204" pitchFamily="34" charset="0"/>
+                  </a:endParaRPr>
+                </a:p>
+              </p:txBody>
+            </p:sp>
+            <p:sp>
+              <p:nvSpPr>
+                <p:cNvPr id="58" name="Rectangle 57">
+                  <a:extLst>
+                    <a:ext uri="{FF2B5EF4-FFF2-40B4-BE49-F238E27FC236}">
+                      <a16:creationId xmlns:a16="http://schemas.microsoft.com/office/drawing/2014/main" id="{E2E61A04-C16F-87F3-537C-3FF415F6BDB2}"/>
+                    </a:ext>
+                  </a:extLst>
+                </p:cNvPr>
+                <p:cNvSpPr/>
+                <p:nvPr/>
+              </p:nvSpPr>
+              <p:spPr>
+                <a:xfrm>
+                  <a:off x="5974916" y="2003639"/>
+                  <a:ext cx="235998" cy="677409"/>
+                </a:xfrm>
+                <a:prstGeom prst="rect">
+                  <a:avLst/>
+                </a:prstGeom>
+                <a:solidFill>
+                  <a:srgbClr val="FAF6FE"/>
+                </a:solidFill>
+                <a:ln>
+                  <a:noFill/>
+                </a:ln>
+              </p:spPr>
+              <p:style>
+                <a:lnRef idx="2">
+                  <a:schemeClr val="accent1">
+                    <a:shade val="50000"/>
+                  </a:schemeClr>
+                </a:lnRef>
+                <a:fillRef idx="1">
+                  <a:schemeClr val="accent1"/>
+                </a:fillRef>
+                <a:effectRef idx="0">
+                  <a:schemeClr val="accent1"/>
+                </a:effectRef>
+                <a:fontRef idx="minor">
+                  <a:schemeClr val="lt1"/>
+                </a:fontRef>
+              </p:style>
+              <p:txBody>
+                <a:bodyPr rtlCol="0" anchor="ctr"/>
+                <a:lstStyle/>
+                <a:p>
+                  <a:pPr algn="ctr"/>
+                  <a:endParaRPr lang="en-US" dirty="0">
+                    <a:solidFill>
+                      <a:schemeClr val="bg1">
+                        <a:lumMod val="50000"/>
+                      </a:schemeClr>
+                    </a:solidFill>
+                    <a:latin typeface="Arial Nova Cond Light" panose="020B0306020202020204" pitchFamily="34" charset="0"/>
+                  </a:endParaRPr>
+                </a:p>
+              </p:txBody>
+            </p:sp>
           </p:grpSp>
+          <p:cxnSp>
+            <p:nvCxnSpPr>
+              <p:cNvPr id="55" name="Straight Connector 54">
+                <a:extLst>
+                  <a:ext uri="{FF2B5EF4-FFF2-40B4-BE49-F238E27FC236}">
+                    <a16:creationId xmlns:a16="http://schemas.microsoft.com/office/drawing/2014/main" id="{050612F3-F437-0AF5-AA6D-6F468E1CA894}"/>
+                  </a:ext>
+                </a:extLst>
+              </p:cNvPr>
+              <p:cNvCxnSpPr/>
+              <p:nvPr/>
+            </p:nvCxnSpPr>
+            <p:spPr>
+              <a:xfrm>
+                <a:off x="9608697" y="5380629"/>
+                <a:ext cx="2068416" cy="0"/>
+              </a:xfrm>
+              <a:prstGeom prst="line">
+                <a:avLst/>
+              </a:prstGeom>
+              <a:ln w="9525">
+                <a:solidFill>
+                  <a:schemeClr val="bg1">
+                    <a:lumMod val="50000"/>
+                  </a:schemeClr>
+                </a:solidFill>
+              </a:ln>
+            </p:spPr>
+            <p:style>
+              <a:lnRef idx="1">
+                <a:schemeClr val="accent1"/>
+              </a:lnRef>
+              <a:fillRef idx="0">
+                <a:schemeClr val="accent1"/>
+              </a:fillRef>
+              <a:effectRef idx="0">
+                <a:schemeClr val="accent1"/>
+              </a:effectRef>
+              <a:fontRef idx="minor">
+                <a:schemeClr val="tx1"/>
+              </a:fontRef>
+            </p:style>
+          </p:cxnSp>
+          <p:cxnSp>
+            <p:nvCxnSpPr>
+              <p:cNvPr id="56" name="Straight Connector 55">
+                <a:extLst>
+                  <a:ext uri="{FF2B5EF4-FFF2-40B4-BE49-F238E27FC236}">
+                    <a16:creationId xmlns:a16="http://schemas.microsoft.com/office/drawing/2014/main" id="{985245FF-11DA-2B0C-6D55-36FE4EDFB12A}"/>
+                  </a:ext>
+                </a:extLst>
+              </p:cNvPr>
+              <p:cNvCxnSpPr/>
+              <p:nvPr/>
+            </p:nvCxnSpPr>
+            <p:spPr>
+              <a:xfrm>
+                <a:off x="9607550" y="5797541"/>
+                <a:ext cx="2068416" cy="0"/>
+              </a:xfrm>
+              <a:prstGeom prst="line">
+                <a:avLst/>
+              </a:prstGeom>
+              <a:ln w="9525">
+                <a:solidFill>
+                  <a:schemeClr val="bg1">
+                    <a:lumMod val="50000"/>
+                  </a:schemeClr>
+                </a:solidFill>
+              </a:ln>
+            </p:spPr>
+            <p:style>
+              <a:lnRef idx="1">
+                <a:schemeClr val="accent1"/>
+              </a:lnRef>
+              <a:fillRef idx="0">
+                <a:schemeClr val="accent1"/>
+              </a:fillRef>
+              <a:effectRef idx="0">
+                <a:schemeClr val="accent1"/>
+              </a:effectRef>
+              <a:fontRef idx="minor">
+                <a:schemeClr val="tx1"/>
+              </a:fontRef>
+            </p:style>
+          </p:cxnSp>
+          <p:sp>
+            <p:nvSpPr>
+              <p:cNvPr id="52" name="TextBox 51">
+                <a:extLst>
+                  <a:ext uri="{FF2B5EF4-FFF2-40B4-BE49-F238E27FC236}">
+                    <a16:creationId xmlns:a16="http://schemas.microsoft.com/office/drawing/2014/main" id="{A8B2F5B7-32F2-5956-89F6-ED6E67C8AE16}"/>
+                  </a:ext>
+                </a:extLst>
+              </p:cNvPr>
+              <p:cNvSpPr txBox="1"/>
+              <p:nvPr/>
+            </p:nvSpPr>
+            <p:spPr>
+              <a:xfrm>
+                <a:off x="9561685" y="5355689"/>
+                <a:ext cx="1217151" cy="461665"/>
+              </a:xfrm>
+              <a:prstGeom prst="rect">
+                <a:avLst/>
+              </a:prstGeom>
+              <a:noFill/>
+            </p:spPr>
+            <p:txBody>
+              <a:bodyPr wrap="square" rtlCol="0" anchor="ctr">
+                <a:spAutoFit/>
+              </a:bodyPr>
+              <a:lstStyle/>
+              <a:p>
+                <a:r>
+                  <a:rPr lang="en-US" sz="1200" dirty="0">
+                    <a:latin typeface="Source Sans Pro Light" panose="020B0403030403020204" pitchFamily="34" charset="0"/>
+                    <a:ea typeface="Source Sans Pro Light" panose="020B0403030403020204" pitchFamily="34" charset="0"/>
+                    <a:cs typeface="Times New Roman" panose="02020603050405020304" pitchFamily="18" charset="0"/>
+                  </a:rPr>
+                  <a:t>Possible </a:t>
+                </a:r>
+              </a:p>
+              <a:p>
+                <a:r>
+                  <a:rPr lang="en-US" sz="1200" dirty="0">
+                    <a:latin typeface="Source Sans Pro Light" panose="020B0403030403020204" pitchFamily="34" charset="0"/>
+                    <a:ea typeface="Source Sans Pro Light" panose="020B0403030403020204" pitchFamily="34" charset="0"/>
+                    <a:cs typeface="Times New Roman" panose="02020603050405020304" pitchFamily="18" charset="0"/>
+                  </a:rPr>
+                  <a:t>Spawning Range</a:t>
+                </a:r>
+              </a:p>
+            </p:txBody>
+          </p:sp>
+          <p:sp>
+            <p:nvSpPr>
+              <p:cNvPr id="53" name="TextBox 52">
+                <a:extLst>
+                  <a:ext uri="{FF2B5EF4-FFF2-40B4-BE49-F238E27FC236}">
+                    <a16:creationId xmlns:a16="http://schemas.microsoft.com/office/drawing/2014/main" id="{C34EA229-AE73-96C7-5CE2-26E979EE2A9D}"/>
+                  </a:ext>
+                </a:extLst>
+              </p:cNvPr>
+              <p:cNvSpPr txBox="1"/>
+              <p:nvPr/>
+            </p:nvSpPr>
+            <p:spPr>
+              <a:xfrm>
+                <a:off x="10690423" y="5362615"/>
+                <a:ext cx="1002967" cy="461665"/>
+              </a:xfrm>
+              <a:prstGeom prst="rect">
+                <a:avLst/>
+              </a:prstGeom>
+              <a:noFill/>
+            </p:spPr>
+            <p:txBody>
+              <a:bodyPr wrap="square" rtlCol="0" anchor="ctr">
+                <a:spAutoFit/>
+              </a:bodyPr>
+              <a:lstStyle/>
+              <a:p>
+                <a:pPr algn="r"/>
+                <a:r>
+                  <a:rPr lang="en-US" sz="1200" dirty="0">
+                    <a:latin typeface="Source Sans Pro Light" panose="020B0403030403020204" pitchFamily="34" charset="0"/>
+                    <a:ea typeface="Source Sans Pro Light" panose="020B0403030403020204" pitchFamily="34" charset="0"/>
+                    <a:cs typeface="Times New Roman" panose="02020603050405020304" pitchFamily="18" charset="0"/>
+                  </a:rPr>
+                  <a:t>Projected </a:t>
+                </a:r>
+              </a:p>
+              <a:p>
+                <a:pPr algn="r"/>
+                <a:r>
+                  <a:rPr lang="en-US" sz="1200" dirty="0">
+                    <a:latin typeface="Source Sans Pro Light" panose="020B0403030403020204" pitchFamily="34" charset="0"/>
+                    <a:ea typeface="Source Sans Pro Light" panose="020B0403030403020204" pitchFamily="34" charset="0"/>
+                    <a:cs typeface="Times New Roman" panose="02020603050405020304" pitchFamily="18" charset="0"/>
+                  </a:rPr>
+                  <a:t>(2012 – 2099)</a:t>
+                </a:r>
+              </a:p>
+            </p:txBody>
+          </p:sp>
+          <p:cxnSp>
+            <p:nvCxnSpPr>
+              <p:cNvPr id="16" name="Straight Arrow Connector 15">
+                <a:extLst>
+                  <a:ext uri="{FF2B5EF4-FFF2-40B4-BE49-F238E27FC236}">
+                    <a16:creationId xmlns:a16="http://schemas.microsoft.com/office/drawing/2014/main" id="{9D0ED42C-A75D-E5B0-8B5D-522736788E17}"/>
+                  </a:ext>
+                </a:extLst>
+              </p:cNvPr>
+              <p:cNvCxnSpPr/>
+              <p:nvPr/>
+            </p:nvCxnSpPr>
+            <p:spPr>
+              <a:xfrm flipH="1">
+                <a:off x="10690423" y="5296774"/>
+                <a:ext cx="985782" cy="0"/>
+              </a:xfrm>
+              <a:prstGeom prst="straightConnector1">
+                <a:avLst/>
+              </a:prstGeom>
+              <a:ln>
+                <a:solidFill>
+                  <a:schemeClr val="tx1"/>
+                </a:solidFill>
+                <a:tailEnd type="triangle"/>
+              </a:ln>
+            </p:spPr>
+            <p:style>
+              <a:lnRef idx="1">
+                <a:schemeClr val="accent1"/>
+              </a:lnRef>
+              <a:fillRef idx="0">
+                <a:schemeClr val="accent1"/>
+              </a:fillRef>
+              <a:effectRef idx="0">
+                <a:schemeClr val="accent1"/>
+              </a:effectRef>
+              <a:fontRef idx="minor">
+                <a:schemeClr val="tx1"/>
+              </a:fontRef>
+            </p:style>
+          </p:cxnSp>
+          <p:sp>
+            <p:nvSpPr>
+              <p:cNvPr id="19" name="TextBox 18">
+                <a:extLst>
+                  <a:ext uri="{FF2B5EF4-FFF2-40B4-BE49-F238E27FC236}">
+                    <a16:creationId xmlns:a16="http://schemas.microsoft.com/office/drawing/2014/main" id="{DA929B51-3EC7-211E-BBAF-5B09BADD2F03}"/>
+                  </a:ext>
+                </a:extLst>
+              </p:cNvPr>
+              <p:cNvSpPr txBox="1"/>
+              <p:nvPr/>
+            </p:nvSpPr>
+            <p:spPr>
+              <a:xfrm>
+                <a:off x="10611791" y="5041635"/>
+                <a:ext cx="904038" cy="276999"/>
+              </a:xfrm>
+              <a:prstGeom prst="rect">
+                <a:avLst/>
+              </a:prstGeom>
+              <a:noFill/>
+            </p:spPr>
+            <p:txBody>
+              <a:bodyPr wrap="square" rtlCol="0">
+                <a:spAutoFit/>
+              </a:bodyPr>
+              <a:lstStyle/>
+              <a:p>
+                <a:r>
+                  <a:rPr lang="en-US" sz="1200" dirty="0">
+                    <a:latin typeface="Source Sans Pro Light" panose="020B0403030403020204" pitchFamily="34" charset="0"/>
+                    <a:ea typeface="Source Sans Pro Light" panose="020B0403030403020204" pitchFamily="34" charset="0"/>
+                  </a:rPr>
+                  <a:t>Shift [days]</a:t>
+                </a:r>
+              </a:p>
+            </p:txBody>
+          </p:sp>
+          <p:sp>
+            <p:nvSpPr>
+              <p:cNvPr id="25" name="TextBox 24">
+                <a:extLst>
+                  <a:ext uri="{FF2B5EF4-FFF2-40B4-BE49-F238E27FC236}">
+                    <a16:creationId xmlns:a16="http://schemas.microsoft.com/office/drawing/2014/main" id="{6740CC60-AAA6-29FC-E133-D4D586531A7E}"/>
+                  </a:ext>
+                </a:extLst>
+              </p:cNvPr>
+              <p:cNvSpPr txBox="1"/>
+              <p:nvPr/>
+            </p:nvSpPr>
+            <p:spPr>
+              <a:xfrm rot="20452103">
+                <a:off x="8288585" y="1585177"/>
+                <a:ext cx="533982" cy="276999"/>
+              </a:xfrm>
+              <a:prstGeom prst="rect">
+                <a:avLst/>
+              </a:prstGeom>
+              <a:noFill/>
+            </p:spPr>
+            <p:txBody>
+              <a:bodyPr wrap="square" rtlCol="0">
+                <a:spAutoFit/>
+              </a:bodyPr>
+              <a:lstStyle/>
+              <a:p>
+                <a:r>
+                  <a:rPr lang="en-US" sz="1200" dirty="0">
+                    <a:latin typeface="Source Sans Pro Light" panose="020B0604020202020204" pitchFamily="34" charset="0"/>
+                  </a:rPr>
+                  <a:t>-13</a:t>
+                </a:r>
+              </a:p>
+            </p:txBody>
+          </p:sp>
+          <p:sp>
+            <p:nvSpPr>
+              <p:cNvPr id="26" name="TextBox 25">
+                <a:extLst>
+                  <a:ext uri="{FF2B5EF4-FFF2-40B4-BE49-F238E27FC236}">
+                    <a16:creationId xmlns:a16="http://schemas.microsoft.com/office/drawing/2014/main" id="{2F639B51-9B23-CF8C-B90C-337237AA59E8}"/>
+                  </a:ext>
+                </a:extLst>
+              </p:cNvPr>
+              <p:cNvSpPr txBox="1"/>
+              <p:nvPr/>
+            </p:nvSpPr>
+            <p:spPr>
+              <a:xfrm rot="2378424">
+                <a:off x="10120442" y="1929201"/>
+                <a:ext cx="564547" cy="276999"/>
+              </a:xfrm>
+              <a:prstGeom prst="rect">
+                <a:avLst/>
+              </a:prstGeom>
+              <a:noFill/>
+            </p:spPr>
+            <p:txBody>
+              <a:bodyPr wrap="square" rtlCol="0">
+                <a:spAutoFit/>
+              </a:bodyPr>
+              <a:lstStyle/>
+              <a:p>
+                <a:r>
+                  <a:rPr lang="en-US" sz="1200" dirty="0">
+                    <a:latin typeface="Source Sans Pro Light" panose="020B0604020202020204" pitchFamily="34" charset="0"/>
+                  </a:rPr>
+                  <a:t>-17</a:t>
+                </a:r>
+              </a:p>
+            </p:txBody>
+          </p:sp>
+          <p:sp>
+            <p:nvSpPr>
+              <p:cNvPr id="27" name="TextBox 26">
+                <a:extLst>
+                  <a:ext uri="{FF2B5EF4-FFF2-40B4-BE49-F238E27FC236}">
+                    <a16:creationId xmlns:a16="http://schemas.microsoft.com/office/drawing/2014/main" id="{8AEBDDE5-8B8D-D61D-765C-CCEA11C6A82A}"/>
+                  </a:ext>
+                </a:extLst>
+              </p:cNvPr>
+              <p:cNvSpPr txBox="1"/>
+              <p:nvPr/>
+            </p:nvSpPr>
+            <p:spPr>
+              <a:xfrm rot="2523222">
+                <a:off x="10043897" y="2177657"/>
+                <a:ext cx="564547" cy="276999"/>
+              </a:xfrm>
+              <a:prstGeom prst="rect">
+                <a:avLst/>
+              </a:prstGeom>
+              <a:noFill/>
+            </p:spPr>
+            <p:txBody>
+              <a:bodyPr wrap="square" rtlCol="0">
+                <a:spAutoFit/>
+              </a:bodyPr>
+              <a:lstStyle/>
+              <a:p>
+                <a:r>
+                  <a:rPr lang="en-US" sz="1200" dirty="0">
+                    <a:latin typeface="Source Sans Pro Light" panose="020B0604020202020204" pitchFamily="34" charset="0"/>
+                  </a:rPr>
+                  <a:t>-13</a:t>
+                </a:r>
+              </a:p>
+            </p:txBody>
+          </p:sp>
+          <p:sp>
+            <p:nvSpPr>
+              <p:cNvPr id="31" name="TextBox 30">
+                <a:extLst>
+                  <a:ext uri="{FF2B5EF4-FFF2-40B4-BE49-F238E27FC236}">
+                    <a16:creationId xmlns:a16="http://schemas.microsoft.com/office/drawing/2014/main" id="{3C825B84-13DF-AA06-B312-526AFA44F8D3}"/>
+                  </a:ext>
+                </a:extLst>
+              </p:cNvPr>
+              <p:cNvSpPr txBox="1"/>
+              <p:nvPr/>
+            </p:nvSpPr>
+            <p:spPr>
+              <a:xfrm rot="20828772">
+                <a:off x="8648241" y="1726996"/>
+                <a:ext cx="533982" cy="276999"/>
+              </a:xfrm>
+              <a:prstGeom prst="rect">
+                <a:avLst/>
+              </a:prstGeom>
+              <a:noFill/>
+            </p:spPr>
+            <p:txBody>
+              <a:bodyPr wrap="square" rtlCol="0">
+                <a:spAutoFit/>
+              </a:bodyPr>
+              <a:lstStyle/>
+              <a:p>
+                <a:r>
+                  <a:rPr lang="en-US" sz="1200" dirty="0">
+                    <a:latin typeface="Source Sans Pro Light" panose="020B0604020202020204" pitchFamily="34" charset="0"/>
+                  </a:rPr>
+                  <a:t>-8</a:t>
+                </a:r>
+              </a:p>
+            </p:txBody>
+          </p:sp>
+          <p:sp>
+            <p:nvSpPr>
+              <p:cNvPr id="33" name="TextBox 32">
+                <a:extLst>
+                  <a:ext uri="{FF2B5EF4-FFF2-40B4-BE49-F238E27FC236}">
+                    <a16:creationId xmlns:a16="http://schemas.microsoft.com/office/drawing/2014/main" id="{0623E2AF-E374-D1DE-45ED-B71682CA7A78}"/>
+                  </a:ext>
+                </a:extLst>
+              </p:cNvPr>
+              <p:cNvSpPr txBox="1"/>
+              <p:nvPr/>
+            </p:nvSpPr>
+            <p:spPr>
+              <a:xfrm rot="21005505">
+                <a:off x="8736466" y="1948863"/>
+                <a:ext cx="533982" cy="276999"/>
+              </a:xfrm>
+              <a:prstGeom prst="rect">
+                <a:avLst/>
+              </a:prstGeom>
+              <a:noFill/>
+            </p:spPr>
+            <p:txBody>
+              <a:bodyPr wrap="square" rtlCol="0">
+                <a:spAutoFit/>
+              </a:bodyPr>
+              <a:lstStyle/>
+              <a:p>
+                <a:r>
+                  <a:rPr lang="en-US" sz="1200" dirty="0">
+                    <a:latin typeface="Source Sans Pro Light" panose="020B0604020202020204" pitchFamily="34" charset="0"/>
+                  </a:rPr>
+                  <a:t>-4</a:t>
+                </a:r>
+              </a:p>
+            </p:txBody>
+          </p:sp>
+          <p:sp>
+            <p:nvSpPr>
+              <p:cNvPr id="37" name="TextBox 36">
+                <a:extLst>
+                  <a:ext uri="{FF2B5EF4-FFF2-40B4-BE49-F238E27FC236}">
+                    <a16:creationId xmlns:a16="http://schemas.microsoft.com/office/drawing/2014/main" id="{18EBC1E1-81D2-2127-09F4-D39CCB1BD912}"/>
+                  </a:ext>
+                </a:extLst>
+              </p:cNvPr>
+              <p:cNvSpPr txBox="1"/>
+              <p:nvPr/>
+            </p:nvSpPr>
+            <p:spPr>
+              <a:xfrm rot="2998200">
+                <a:off x="10032061" y="2521060"/>
+                <a:ext cx="564547" cy="276999"/>
+              </a:xfrm>
+              <a:prstGeom prst="rect">
+                <a:avLst/>
+              </a:prstGeom>
+              <a:noFill/>
+            </p:spPr>
+            <p:txBody>
+              <a:bodyPr wrap="square" rtlCol="0">
+                <a:spAutoFit/>
+              </a:bodyPr>
+              <a:lstStyle/>
+              <a:p>
+                <a:r>
+                  <a:rPr lang="en-US" sz="1200" dirty="0">
+                    <a:latin typeface="Source Sans Pro Light" panose="020B0604020202020204" pitchFamily="34" charset="0"/>
+                  </a:rPr>
+                  <a:t>-6</a:t>
+                </a:r>
+              </a:p>
+            </p:txBody>
+          </p:sp>
+          <p:sp>
+            <p:nvSpPr>
+              <p:cNvPr id="38" name="TextBox 37">
+                <a:extLst>
+                  <a:ext uri="{FF2B5EF4-FFF2-40B4-BE49-F238E27FC236}">
+                    <a16:creationId xmlns:a16="http://schemas.microsoft.com/office/drawing/2014/main" id="{FBC3D8DE-F4D6-6C17-0B6A-B788F41EAD5D}"/>
+                  </a:ext>
+                </a:extLst>
+              </p:cNvPr>
+              <p:cNvSpPr txBox="1"/>
+              <p:nvPr/>
+            </p:nvSpPr>
+            <p:spPr>
+              <a:xfrm rot="19287487">
+                <a:off x="1685899" y="1628739"/>
+                <a:ext cx="533982" cy="276999"/>
+              </a:xfrm>
+              <a:prstGeom prst="rect">
+                <a:avLst/>
+              </a:prstGeom>
+              <a:noFill/>
+            </p:spPr>
+            <p:txBody>
+              <a:bodyPr wrap="square" rtlCol="0">
+                <a:spAutoFit/>
+              </a:bodyPr>
+              <a:lstStyle/>
+              <a:p>
+                <a:r>
+                  <a:rPr lang="en-US" sz="1200" dirty="0">
+                    <a:latin typeface="Source Sans Pro Light" panose="020B0604020202020204" pitchFamily="34" charset="0"/>
+                  </a:rPr>
+                  <a:t>-22</a:t>
+                </a:r>
+              </a:p>
+            </p:txBody>
+          </p:sp>
+          <p:sp>
+            <p:nvSpPr>
+              <p:cNvPr id="39" name="TextBox 38">
+                <a:extLst>
+                  <a:ext uri="{FF2B5EF4-FFF2-40B4-BE49-F238E27FC236}">
+                    <a16:creationId xmlns:a16="http://schemas.microsoft.com/office/drawing/2014/main" id="{BCA7267D-0CEC-EBFA-292B-6446F5F59D83}"/>
+                  </a:ext>
+                </a:extLst>
+              </p:cNvPr>
+              <p:cNvSpPr txBox="1"/>
+              <p:nvPr/>
+            </p:nvSpPr>
+            <p:spPr>
+              <a:xfrm rot="1146590">
+                <a:off x="3742043" y="1404623"/>
+                <a:ext cx="564547" cy="276999"/>
+              </a:xfrm>
+              <a:prstGeom prst="rect">
+                <a:avLst/>
+              </a:prstGeom>
+              <a:noFill/>
+            </p:spPr>
+            <p:txBody>
+              <a:bodyPr wrap="square" rtlCol="0">
+                <a:spAutoFit/>
+              </a:bodyPr>
+              <a:lstStyle/>
+              <a:p>
+                <a:r>
+                  <a:rPr lang="en-US" sz="1200" dirty="0">
+                    <a:latin typeface="Source Sans Pro Light" panose="020B0604020202020204" pitchFamily="34" charset="0"/>
+                  </a:rPr>
+                  <a:t>-26</a:t>
+                </a:r>
+              </a:p>
+            </p:txBody>
+          </p:sp>
+          <p:sp>
+            <p:nvSpPr>
+              <p:cNvPr id="44" name="TextBox 43">
+                <a:extLst>
+                  <a:ext uri="{FF2B5EF4-FFF2-40B4-BE49-F238E27FC236}">
+                    <a16:creationId xmlns:a16="http://schemas.microsoft.com/office/drawing/2014/main" id="{C913FC49-0B42-1E63-A489-1C08A6CE75E8}"/>
+                  </a:ext>
+                </a:extLst>
+              </p:cNvPr>
+              <p:cNvSpPr txBox="1"/>
+              <p:nvPr/>
+            </p:nvSpPr>
+            <p:spPr>
+              <a:xfrm rot="19591121">
+                <a:off x="1922008" y="1763736"/>
+                <a:ext cx="533982" cy="276999"/>
+              </a:xfrm>
+              <a:prstGeom prst="rect">
+                <a:avLst/>
+              </a:prstGeom>
+              <a:noFill/>
+            </p:spPr>
+            <p:txBody>
+              <a:bodyPr wrap="square" rtlCol="0">
+                <a:spAutoFit/>
+              </a:bodyPr>
+              <a:lstStyle/>
+              <a:p>
+                <a:r>
+                  <a:rPr lang="en-US" sz="1200" dirty="0">
+                    <a:latin typeface="Source Sans Pro Light" panose="020B0604020202020204" pitchFamily="34" charset="0"/>
+                  </a:rPr>
+                  <a:t>-14</a:t>
+                </a:r>
+              </a:p>
+            </p:txBody>
+          </p:sp>
+          <p:sp>
+            <p:nvSpPr>
+              <p:cNvPr id="46" name="TextBox 45">
+                <a:extLst>
+                  <a:ext uri="{FF2B5EF4-FFF2-40B4-BE49-F238E27FC236}">
+                    <a16:creationId xmlns:a16="http://schemas.microsoft.com/office/drawing/2014/main" id="{7504EDB8-34EB-2D1B-875A-CCD79307F8E7}"/>
+                  </a:ext>
+                </a:extLst>
+              </p:cNvPr>
+              <p:cNvSpPr txBox="1"/>
+              <p:nvPr/>
+            </p:nvSpPr>
+            <p:spPr>
+              <a:xfrm rot="1898236">
+                <a:off x="3899175" y="1761710"/>
+                <a:ext cx="564547" cy="276999"/>
+              </a:xfrm>
+              <a:prstGeom prst="rect">
+                <a:avLst/>
+              </a:prstGeom>
+              <a:noFill/>
+            </p:spPr>
+            <p:txBody>
+              <a:bodyPr wrap="square" rtlCol="0">
+                <a:spAutoFit/>
+              </a:bodyPr>
+              <a:lstStyle/>
+              <a:p>
+                <a:r>
+                  <a:rPr lang="en-US" sz="1200" dirty="0">
+                    <a:latin typeface="Source Sans Pro Light" panose="020B0604020202020204" pitchFamily="34" charset="0"/>
+                  </a:rPr>
+                  <a:t>-17</a:t>
+                </a:r>
+              </a:p>
+            </p:txBody>
+          </p:sp>
+          <p:sp>
+            <p:nvSpPr>
+              <p:cNvPr id="49" name="TextBox 48">
+                <a:extLst>
+                  <a:ext uri="{FF2B5EF4-FFF2-40B4-BE49-F238E27FC236}">
+                    <a16:creationId xmlns:a16="http://schemas.microsoft.com/office/drawing/2014/main" id="{4941CF0D-2BE0-8B42-A03E-6E82061E7976}"/>
+                  </a:ext>
+                </a:extLst>
+              </p:cNvPr>
+              <p:cNvSpPr txBox="1"/>
+              <p:nvPr/>
+            </p:nvSpPr>
+            <p:spPr>
+              <a:xfrm rot="2014825">
+                <a:off x="3917880" y="2054616"/>
+                <a:ext cx="564547" cy="276999"/>
+              </a:xfrm>
+              <a:prstGeom prst="rect">
+                <a:avLst/>
+              </a:prstGeom>
+              <a:noFill/>
+            </p:spPr>
+            <p:txBody>
+              <a:bodyPr wrap="square" rtlCol="0">
+                <a:spAutoFit/>
+              </a:bodyPr>
+              <a:lstStyle/>
+              <a:p>
+                <a:r>
+                  <a:rPr lang="en-US" sz="1200" dirty="0">
+                    <a:latin typeface="Source Sans Pro Light" panose="020B0604020202020204" pitchFamily="34" charset="0"/>
+                  </a:rPr>
+                  <a:t>-13</a:t>
+                </a:r>
+              </a:p>
+            </p:txBody>
+          </p:sp>
+          <p:sp>
+            <p:nvSpPr>
+              <p:cNvPr id="50" name="TextBox 49">
+                <a:extLst>
+                  <a:ext uri="{FF2B5EF4-FFF2-40B4-BE49-F238E27FC236}">
+                    <a16:creationId xmlns:a16="http://schemas.microsoft.com/office/drawing/2014/main" id="{07F4F73D-7D88-C6BE-A2EE-1E3B1867D2B0}"/>
+                  </a:ext>
+                </a:extLst>
+              </p:cNvPr>
+              <p:cNvSpPr txBox="1"/>
+              <p:nvPr/>
+            </p:nvSpPr>
+            <p:spPr>
+              <a:xfrm rot="20083653">
+                <a:off x="2274236" y="1839804"/>
+                <a:ext cx="533982" cy="276999"/>
+              </a:xfrm>
+              <a:prstGeom prst="rect">
+                <a:avLst/>
+              </a:prstGeom>
+              <a:noFill/>
+            </p:spPr>
+            <p:txBody>
+              <a:bodyPr wrap="square" rtlCol="0">
+                <a:spAutoFit/>
+              </a:bodyPr>
+              <a:lstStyle/>
+              <a:p>
+                <a:r>
+                  <a:rPr lang="en-US" sz="1200" dirty="0">
+                    <a:latin typeface="Source Sans Pro Light" panose="020B0604020202020204" pitchFamily="34" charset="0"/>
+                  </a:rPr>
+                  <a:t>-9</a:t>
+                </a:r>
+              </a:p>
+            </p:txBody>
+          </p:sp>
+          <p:sp>
+            <p:nvSpPr>
+              <p:cNvPr id="59" name="TextBox 58">
+                <a:extLst>
+                  <a:ext uri="{FF2B5EF4-FFF2-40B4-BE49-F238E27FC236}">
+                    <a16:creationId xmlns:a16="http://schemas.microsoft.com/office/drawing/2014/main" id="{06256524-78E4-8A33-A709-CC2DDBE52305}"/>
+                  </a:ext>
+                </a:extLst>
+              </p:cNvPr>
+              <p:cNvSpPr txBox="1"/>
+              <p:nvPr/>
+            </p:nvSpPr>
+            <p:spPr>
+              <a:xfrm rot="20371374">
+                <a:off x="2445103" y="2040079"/>
+                <a:ext cx="533982" cy="276999"/>
+              </a:xfrm>
+              <a:prstGeom prst="rect">
+                <a:avLst/>
+              </a:prstGeom>
+              <a:noFill/>
+            </p:spPr>
+            <p:txBody>
+              <a:bodyPr wrap="square" rtlCol="0">
+                <a:spAutoFit/>
+              </a:bodyPr>
+              <a:lstStyle/>
+              <a:p>
+                <a:r>
+                  <a:rPr lang="en-US" sz="1200" dirty="0">
+                    <a:latin typeface="Source Sans Pro Light" panose="020B0604020202020204" pitchFamily="34" charset="0"/>
+                  </a:rPr>
+                  <a:t>-4</a:t>
+                </a:r>
+              </a:p>
+            </p:txBody>
+          </p:sp>
+          <p:sp>
+            <p:nvSpPr>
+              <p:cNvPr id="60" name="TextBox 59">
+                <a:extLst>
+                  <a:ext uri="{FF2B5EF4-FFF2-40B4-BE49-F238E27FC236}">
+                    <a16:creationId xmlns:a16="http://schemas.microsoft.com/office/drawing/2014/main" id="{FACBA321-916B-7306-ACC0-22E77247ACBB}"/>
+                  </a:ext>
+                </a:extLst>
+              </p:cNvPr>
+              <p:cNvSpPr txBox="1"/>
+              <p:nvPr/>
+            </p:nvSpPr>
+            <p:spPr>
+              <a:xfrm rot="2475631">
+                <a:off x="3918744" y="2372619"/>
+                <a:ext cx="564547" cy="276999"/>
+              </a:xfrm>
+              <a:prstGeom prst="rect">
+                <a:avLst/>
+              </a:prstGeom>
+              <a:noFill/>
+            </p:spPr>
+            <p:txBody>
+              <a:bodyPr wrap="square" rtlCol="0">
+                <a:spAutoFit/>
+              </a:bodyPr>
+              <a:lstStyle/>
+              <a:p>
+                <a:r>
+                  <a:rPr lang="en-US" sz="1200" dirty="0">
+                    <a:latin typeface="Source Sans Pro Light" panose="020B0604020202020204" pitchFamily="34" charset="0"/>
+                  </a:rPr>
+                  <a:t>-6</a:t>
+                </a:r>
+              </a:p>
+            </p:txBody>
+          </p:sp>
+          <p:sp>
+            <p:nvSpPr>
+              <p:cNvPr id="62" name="TextBox 61">
+                <a:extLst>
+                  <a:ext uri="{FF2B5EF4-FFF2-40B4-BE49-F238E27FC236}">
+                    <a16:creationId xmlns:a16="http://schemas.microsoft.com/office/drawing/2014/main" id="{F65FC63B-61EF-7AE4-DBC4-E9955A8C1A3B}"/>
+                  </a:ext>
+                </a:extLst>
+              </p:cNvPr>
+              <p:cNvSpPr txBox="1"/>
+              <p:nvPr/>
+            </p:nvSpPr>
+            <p:spPr>
+              <a:xfrm rot="3464744">
+                <a:off x="7577882" y="1829684"/>
+                <a:ext cx="1345240" cy="276999"/>
+              </a:xfrm>
+              <a:prstGeom prst="rect">
+                <a:avLst/>
+              </a:prstGeom>
+              <a:noFill/>
+            </p:spPr>
+            <p:txBody>
+              <a:bodyPr wrap="none" rtlCol="0">
+                <a:spAutoFit/>
+              </a:bodyPr>
+              <a:lstStyle/>
+              <a:p>
+                <a:r>
+                  <a:rPr lang="en-US" sz="1200" dirty="0">
+                    <a:latin typeface="Source Sans Pro Light" panose="020B0604020202020204" pitchFamily="34" charset="0"/>
+                    <a:cs typeface="Times New Roman" panose="02020603050405020304" pitchFamily="18" charset="0"/>
+                  </a:rPr>
+                  <a:t> Spawning Starts</a:t>
+                </a:r>
+              </a:p>
+            </p:txBody>
+          </p:sp>
+          <p:sp>
+            <p:nvSpPr>
+              <p:cNvPr id="63" name="TextBox 62">
+                <a:extLst>
+                  <a:ext uri="{FF2B5EF4-FFF2-40B4-BE49-F238E27FC236}">
+                    <a16:creationId xmlns:a16="http://schemas.microsoft.com/office/drawing/2014/main" id="{B9A49320-49E4-25AC-D7A4-3EF82594EFA8}"/>
+                  </a:ext>
+                </a:extLst>
+              </p:cNvPr>
+              <p:cNvSpPr txBox="1"/>
+              <p:nvPr/>
+            </p:nvSpPr>
+            <p:spPr>
+              <a:xfrm rot="19168279">
+                <a:off x="10128610" y="2343992"/>
+                <a:ext cx="1249060" cy="276999"/>
+              </a:xfrm>
+              <a:prstGeom prst="rect">
+                <a:avLst/>
+              </a:prstGeom>
+              <a:noFill/>
+            </p:spPr>
+            <p:txBody>
+              <a:bodyPr wrap="none" rtlCol="0">
+                <a:spAutoFit/>
+              </a:bodyPr>
+              <a:lstStyle/>
+              <a:p>
+                <a:r>
+                  <a:rPr lang="en-US" sz="1200" dirty="0">
+                    <a:latin typeface="Source Sans Pro Light" panose="020B0604020202020204" pitchFamily="34" charset="0"/>
+                    <a:cs typeface="Times New Roman" panose="02020603050405020304" pitchFamily="18" charset="0"/>
+                  </a:rPr>
+                  <a:t>Spawning Ends</a:t>
+                </a:r>
+              </a:p>
+            </p:txBody>
+          </p:sp>
         </p:grpSp>
+        <p:sp>
+          <p:nvSpPr>
+            <p:cNvPr id="67" name="TextBox 66">
+              <a:extLst>
+                <a:ext uri="{FF2B5EF4-FFF2-40B4-BE49-F238E27FC236}">
+                  <a16:creationId xmlns:a16="http://schemas.microsoft.com/office/drawing/2014/main" id="{971AAD21-5C56-2005-235D-C9C3F123073C}"/>
+                </a:ext>
+              </a:extLst>
+            </p:cNvPr>
+            <p:cNvSpPr txBox="1"/>
+            <p:nvPr/>
+          </p:nvSpPr>
+          <p:spPr>
+            <a:xfrm>
+              <a:off x="148269" y="107473"/>
+              <a:ext cx="11821242" cy="369332"/>
+            </a:xfrm>
+            <a:prstGeom prst="rect">
+              <a:avLst/>
+            </a:prstGeom>
+            <a:solidFill>
+              <a:schemeClr val="bg1"/>
+            </a:solidFill>
+          </p:spPr>
+          <p:txBody>
+            <a:bodyPr wrap="square" rtlCol="0">
+              <a:spAutoFit/>
+            </a:bodyPr>
+            <a:lstStyle/>
+            <a:p>
+              <a:r>
+                <a:rPr lang="en-US" b="1" dirty="0">
+                  <a:latin typeface="Arial Black" panose="020B0A04020102020204" pitchFamily="34" charset="0"/>
+                </a:rPr>
+                <a:t>FISH IN HOT WATER</a:t>
+              </a:r>
+            </a:p>
+          </p:txBody>
+        </p:sp>
+        <p:sp>
+          <p:nvSpPr>
+            <p:cNvPr id="68" name="TextBox 67">
+              <a:extLst>
+                <a:ext uri="{FF2B5EF4-FFF2-40B4-BE49-F238E27FC236}">
+                  <a16:creationId xmlns:a16="http://schemas.microsoft.com/office/drawing/2014/main" id="{565DE8B8-204B-3F62-43F2-E3B902184143}"/>
+                </a:ext>
+              </a:extLst>
+            </p:cNvPr>
+            <p:cNvSpPr txBox="1"/>
+            <p:nvPr/>
+          </p:nvSpPr>
+          <p:spPr>
+            <a:xfrm>
+              <a:off x="148270" y="415915"/>
+              <a:ext cx="11721524" cy="276999"/>
+            </a:xfrm>
+            <a:prstGeom prst="rect">
+              <a:avLst/>
+            </a:prstGeom>
+            <a:solidFill>
+              <a:schemeClr val="bg1"/>
+            </a:solidFill>
+          </p:spPr>
+          <p:txBody>
+            <a:bodyPr wrap="square" rtlCol="0">
+              <a:spAutoFit/>
+            </a:bodyPr>
+            <a:lstStyle/>
+            <a:p>
+              <a:r>
+                <a:rPr lang="en-US" sz="1200" dirty="0">
+                  <a:latin typeface="Source Sans Pro Light" panose="020B0604020202020204" pitchFamily="34" charset="0"/>
+                </a:rPr>
+                <a:t>Under projected climate change scenarios, the American Shad and Striped Bass of the Hudson River Estuary are predicted to spawn 15 days earlier on average. </a:t>
+              </a:r>
+            </a:p>
+          </p:txBody>
+        </p:sp>
       </p:grpSp>
       <p:sp>
         <p:nvSpPr>
-          <p:cNvPr id="5" name="TextBox 4">
+          <p:cNvPr id="71" name="TextBox 70">
             <a:extLst>
               <a:ext uri="{FF2B5EF4-FFF2-40B4-BE49-F238E27FC236}">
-                <a16:creationId xmlns:a16="http://schemas.microsoft.com/office/drawing/2014/main" id="{3C23B3F7-F554-DFAD-BBFB-900ED48604A4}"/>
+                <a16:creationId xmlns:a16="http://schemas.microsoft.com/office/drawing/2014/main" id="{5152D9C3-E3FE-5D11-363A-7439714E7DEB}"/>
               </a:ext>
             </a:extLst>
           </p:cNvPr>
@@ -12328,8 +13056,8 @@
         </p:nvSpPr>
         <p:spPr>
           <a:xfrm>
-            <a:off x="1143000" y="1766455"/>
-            <a:ext cx="9317182" cy="4339650"/>
+            <a:off x="2361604" y="5562538"/>
+            <a:ext cx="3229298" cy="461665"/>
           </a:xfrm>
           <a:prstGeom prst="rect">
             <a:avLst/>
@@ -12343,16 +13071,21 @@
           <a:lstStyle/>
           <a:p>
             <a:r>
-              <a:rPr lang="en-US" sz="13800" dirty="0"/>
-              <a:t>NOT USING THIS ONE</a:t>
+              <a:rPr lang="en-US" sz="1200" dirty="0">
+                <a:latin typeface="Source Sans Pro Light" panose="020B0604020202020204" pitchFamily="34" charset="0"/>
+              </a:rPr>
+              <a:t>It takes a 2-4 years for the eggs to mature</a:t>
             </a:r>
+          </a:p>
+          <a:p>
+            <a:endParaRPr lang="en-US" sz="1200" dirty="0"/>
           </a:p>
         </p:txBody>
       </p:sp>
     </p:spTree>
     <p:extLst>
       <p:ext uri="{BB962C8B-B14F-4D97-AF65-F5344CB8AC3E}">
-        <p14:creationId xmlns:p14="http://schemas.microsoft.com/office/powerpoint/2010/main" val="3136029642"/>
+        <p14:creationId xmlns:p14="http://schemas.microsoft.com/office/powerpoint/2010/main" val="912822917"/>
       </p:ext>
     </p:extLst>
   </p:cSld>
@@ -12381,10 +13114,10 @@
       </p:grpSpPr>
       <p:grpSp>
         <p:nvGrpSpPr>
-          <p:cNvPr id="8" name="Group 7">
+          <p:cNvPr id="69" name="Group 68">
             <a:extLst>
               <a:ext uri="{FF2B5EF4-FFF2-40B4-BE49-F238E27FC236}">
-                <a16:creationId xmlns:a16="http://schemas.microsoft.com/office/drawing/2014/main" id="{AA4A94BC-F5E9-8C1D-F5D3-F79F772EA02A}"/>
+                <a16:creationId xmlns:a16="http://schemas.microsoft.com/office/drawing/2014/main" id="{B7095DA6-829B-68E7-1596-B7F16113994A}"/>
               </a:ext>
             </a:extLst>
           </p:cNvPr>
@@ -12399,48 +13132,12 @@
             <a:chExt cx="12192000" cy="6858000"/>
           </a:xfrm>
         </p:grpSpPr>
-        <p:pic>
-          <p:nvPicPr>
-            <p:cNvPr id="6" name="Picture 5" descr="Chart, radar chart&#10;&#10;Description automatically generated">
+        <p:grpSp>
+          <p:nvGrpSpPr>
+            <p:cNvPr id="66" name="Group 65">
               <a:extLst>
                 <a:ext uri="{FF2B5EF4-FFF2-40B4-BE49-F238E27FC236}">
-                  <a16:creationId xmlns:a16="http://schemas.microsoft.com/office/drawing/2014/main" id="{F9A2B94A-0D58-0BD4-1D7A-27DBC8670F7B}"/>
-                </a:ext>
-              </a:extLst>
-            </p:cNvPr>
-            <p:cNvPicPr>
-              <a:picLocks noChangeAspect="1"/>
-            </p:cNvPicPr>
-            <p:nvPr/>
-          </p:nvPicPr>
-          <p:blipFill>
-            <a:blip r:embed="rId2">
-              <a:extLst>
-                <a:ext uri="{28A0092B-C50C-407E-A947-70E740481C1C}">
-                  <a14:useLocalDpi xmlns:a14="http://schemas.microsoft.com/office/drawing/2010/main" val="0"/>
-                </a:ext>
-              </a:extLst>
-            </a:blip>
-            <a:stretch>
-              <a:fillRect/>
-            </a:stretch>
-          </p:blipFill>
-          <p:spPr>
-            <a:xfrm>
-              <a:off x="0" y="0"/>
-              <a:ext cx="12192000" cy="6858000"/>
-            </a:xfrm>
-            <a:prstGeom prst="rect">
-              <a:avLst/>
-            </a:prstGeom>
-          </p:spPr>
-        </p:pic>
-        <p:grpSp>
-          <p:nvGrpSpPr>
-            <p:cNvPr id="5" name="Group 4">
-              <a:extLst>
-                <a:ext uri="{FF2B5EF4-FFF2-40B4-BE49-F238E27FC236}">
-                  <a16:creationId xmlns:a16="http://schemas.microsoft.com/office/drawing/2014/main" id="{B230CAD2-5244-44E5-4383-0C973928C157}"/>
+                  <a16:creationId xmlns:a16="http://schemas.microsoft.com/office/drawing/2014/main" id="{908F4B19-AA89-618F-0325-8418408C3898}"/>
                 </a:ext>
               </a:extLst>
             </p:cNvPr>
@@ -12449,12 +13146,48 @@
           </p:nvGrpSpPr>
           <p:grpSpPr>
             <a:xfrm>
-              <a:off x="321516" y="1067535"/>
-              <a:ext cx="11685464" cy="5661834"/>
-              <a:chOff x="321516" y="1067535"/>
-              <a:chExt cx="11685464" cy="5661834"/>
+              <a:off x="0" y="0"/>
+              <a:ext cx="12192000" cy="6858000"/>
+              <a:chOff x="0" y="0"/>
+              <a:chExt cx="12192000" cy="6858000"/>
             </a:xfrm>
           </p:grpSpPr>
+          <p:pic>
+            <p:nvPicPr>
+              <p:cNvPr id="6" name="Picture 5" descr="Chart, radar chart&#10;&#10;Description automatically generated">
+                <a:extLst>
+                  <a:ext uri="{FF2B5EF4-FFF2-40B4-BE49-F238E27FC236}">
+                    <a16:creationId xmlns:a16="http://schemas.microsoft.com/office/drawing/2014/main" id="{F9A2B94A-0D58-0BD4-1D7A-27DBC8670F7B}"/>
+                  </a:ext>
+                </a:extLst>
+              </p:cNvPr>
+              <p:cNvPicPr>
+                <a:picLocks noChangeAspect="1"/>
+              </p:cNvPicPr>
+              <p:nvPr/>
+            </p:nvPicPr>
+            <p:blipFill>
+              <a:blip r:embed="rId3">
+                <a:extLst>
+                  <a:ext uri="{28A0092B-C50C-407E-A947-70E740481C1C}">
+                    <a14:useLocalDpi xmlns:a14="http://schemas.microsoft.com/office/drawing/2010/main" val="0"/>
+                  </a:ext>
+                </a:extLst>
+              </a:blip>
+              <a:stretch>
+                <a:fillRect/>
+              </a:stretch>
+            </p:blipFill>
+            <p:spPr>
+              <a:xfrm>
+                <a:off x="0" y="0"/>
+                <a:ext cx="12192000" cy="6858000"/>
+              </a:xfrm>
+              <a:prstGeom prst="rect">
+                <a:avLst/>
+              </a:prstGeom>
+            </p:spPr>
+          </p:pic>
           <p:sp>
             <p:nvSpPr>
               <p:cNvPr id="154" name="Rectangle 153">
@@ -12517,7 +13250,7 @@
               <a:p>
                 <a:pPr algn="ctr"/>
                 <a:endParaRPr lang="en-US">
-                  <a:latin typeface="Arial Nova Cond Light" panose="020B0306020202020204" pitchFamily="34" charset="0"/>
+                  <a:latin typeface="Source Sans Pro Light" panose="020B0604020202020204" pitchFamily="34" charset="0"/>
                 </a:endParaRPr>
               </a:p>
             </p:txBody>
@@ -12632,10 +13365,10 @@
           </p:sp>
           <p:sp>
             <p:nvSpPr>
-              <p:cNvPr id="12" name="TextBox 11">
+              <p:cNvPr id="14" name="TextBox 13">
                 <a:extLst>
                   <a:ext uri="{FF2B5EF4-FFF2-40B4-BE49-F238E27FC236}">
-                    <a16:creationId xmlns:a16="http://schemas.microsoft.com/office/drawing/2014/main" id="{A92751BD-0BCB-F84D-4CE3-45911BE1EE09}"/>
+                    <a16:creationId xmlns:a16="http://schemas.microsoft.com/office/drawing/2014/main" id="{EDE2B9F8-9E3D-678D-C890-E5D58669DFD2}"/>
                   </a:ext>
                 </a:extLst>
               </p:cNvPr>
@@ -12643,9 +13376,9 @@
               <p:nvPr/>
             </p:nvSpPr>
             <p:spPr>
-              <a:xfrm rot="15617868">
-                <a:off x="8786787" y="2381006"/>
-                <a:ext cx="399468" cy="253916"/>
+              <a:xfrm rot="2795241">
+                <a:off x="1307611" y="2069305"/>
+                <a:ext cx="1345240" cy="276999"/>
               </a:xfrm>
               <a:prstGeom prst="rect">
                 <a:avLst/>
@@ -12659,49 +13392,11 @@
               <a:lstStyle/>
               <a:p>
                 <a:r>
-                  <a:rPr lang="en-US" sz="1050" dirty="0">
-                    <a:latin typeface="Arial Nova Cond Light" panose="020B0306020202020204" pitchFamily="34" charset="0"/>
+                  <a:rPr lang="en-US" sz="1200" dirty="0">
+                    <a:latin typeface="Source Sans Pro Light" panose="020B0604020202020204" pitchFamily="34" charset="0"/>
                     <a:cs typeface="Times New Roman" panose="02020603050405020304" pitchFamily="18" charset="0"/>
                   </a:rPr>
-                  <a:t>Start</a:t>
-                </a:r>
-              </a:p>
-            </p:txBody>
-          </p:sp>
-          <p:sp>
-            <p:nvSpPr>
-              <p:cNvPr id="14" name="TextBox 13">
-                <a:extLst>
-                  <a:ext uri="{FF2B5EF4-FFF2-40B4-BE49-F238E27FC236}">
-                    <a16:creationId xmlns:a16="http://schemas.microsoft.com/office/drawing/2014/main" id="{EDE2B9F8-9E3D-678D-C890-E5D58669DFD2}"/>
-                  </a:ext>
-                </a:extLst>
-              </p:cNvPr>
-              <p:cNvSpPr txBox="1"/>
-              <p:nvPr/>
-            </p:nvSpPr>
-            <p:spPr>
-              <a:xfrm rot="14694726">
-                <a:off x="2591324" y="2440195"/>
-                <a:ext cx="399468" cy="253916"/>
-              </a:xfrm>
-              <a:prstGeom prst="rect">
-                <a:avLst/>
-              </a:prstGeom>
-              <a:noFill/>
-            </p:spPr>
-            <p:txBody>
-              <a:bodyPr wrap="none" rtlCol="0">
-                <a:spAutoFit/>
-              </a:bodyPr>
-              <a:lstStyle/>
-              <a:p>
-                <a:r>
-                  <a:rPr lang="en-US" sz="1050" dirty="0">
-                    <a:latin typeface="Arial Nova Cond Light" panose="020B0306020202020204" pitchFamily="34" charset="0"/>
-                    <a:cs typeface="Times New Roman" panose="02020603050405020304" pitchFamily="18" charset="0"/>
-                  </a:rPr>
-                  <a:t>Start</a:t>
+                  <a:t> Spawning Starts</a:t>
                 </a:r>
               </a:p>
             </p:txBody>
@@ -12719,9 +13414,9 @@
               <p:nvPr/>
             </p:nvSpPr>
             <p:spPr>
-              <a:xfrm rot="18669115">
-                <a:off x="3672456" y="2575540"/>
-                <a:ext cx="367408" cy="253916"/>
+              <a:xfrm rot="18869546">
+                <a:off x="3953644" y="2119248"/>
+                <a:ext cx="1249060" cy="276999"/>
               </a:xfrm>
               <a:prstGeom prst="rect">
                 <a:avLst/>
@@ -12735,49 +13430,11 @@
               <a:lstStyle/>
               <a:p>
                 <a:r>
-                  <a:rPr lang="en-US" sz="1050" dirty="0">
-                    <a:latin typeface="Arial Nova Cond Light" panose="020B0306020202020204" pitchFamily="34" charset="0"/>
+                  <a:rPr lang="en-US" sz="1200" dirty="0">
+                    <a:latin typeface="Source Sans Pro Light" panose="020B0604020202020204" pitchFamily="34" charset="0"/>
                     <a:cs typeface="Times New Roman" panose="02020603050405020304" pitchFamily="18" charset="0"/>
                   </a:rPr>
-                  <a:t>End</a:t>
-                </a:r>
-              </a:p>
-            </p:txBody>
-          </p:sp>
-          <p:sp>
-            <p:nvSpPr>
-              <p:cNvPr id="13" name="TextBox 12">
-                <a:extLst>
-                  <a:ext uri="{FF2B5EF4-FFF2-40B4-BE49-F238E27FC236}">
-                    <a16:creationId xmlns:a16="http://schemas.microsoft.com/office/drawing/2014/main" id="{DD8FF5E5-8077-9B79-7F23-BF41326D2659}"/>
-                  </a:ext>
-                </a:extLst>
-              </p:cNvPr>
-              <p:cNvSpPr txBox="1"/>
-              <p:nvPr/>
-            </p:nvSpPr>
-            <p:spPr>
-              <a:xfrm rot="19164934">
-                <a:off x="9766109" y="2669797"/>
-                <a:ext cx="367408" cy="253916"/>
-              </a:xfrm>
-              <a:prstGeom prst="rect">
-                <a:avLst/>
-              </a:prstGeom>
-              <a:noFill/>
-            </p:spPr>
-            <p:txBody>
-              <a:bodyPr wrap="none" rtlCol="0">
-                <a:spAutoFit/>
-              </a:bodyPr>
-              <a:lstStyle/>
-              <a:p>
-                <a:r>
-                  <a:rPr lang="en-US" sz="1050" dirty="0">
-                    <a:latin typeface="Arial Nova Cond Light" panose="020B0306020202020204" pitchFamily="34" charset="0"/>
-                    <a:cs typeface="Times New Roman" panose="02020603050405020304" pitchFamily="18" charset="0"/>
-                  </a:rPr>
-                  <a:t>End</a:t>
+                  <a:t>Spawning Ends</a:t>
                 </a:r>
               </a:p>
             </p:txBody>
@@ -12796,7 +13453,7 @@
             </p:nvSpPr>
             <p:spPr>
               <a:xfrm>
-                <a:off x="1822644" y="6137550"/>
+                <a:off x="1822644" y="6201342"/>
                 <a:ext cx="10146867" cy="553998"/>
               </a:xfrm>
               <a:prstGeom prst="rect">
@@ -12856,7 +13513,7 @@
                     </a:solidFill>
                     <a:latin typeface="Arial Nova Cond Light" panose="020B0306020202020204" pitchFamily="34" charset="0"/>
                     <a:cs typeface="Times New Roman" panose="02020603050405020304" pitchFamily="18" charset="0"/>
-                    <a:hlinkClick r:id="rId3">
+                    <a:hlinkClick r:id="rId4">
                       <a:extLst>
                         <a:ext uri="{A12FA001-AC4F-418D-AE19-62706E023703}">
                           <ahyp:hlinkClr xmlns:ahyp="http://schemas.microsoft.com/office/drawing/2018/hyperlinkcolor" val="tx"/>
@@ -12938,7 +13595,7 @@
                     </a:solidFill>
                     <a:latin typeface="Arial Nova Cond Light" panose="020B0306020202020204" pitchFamily="34" charset="0"/>
                     <a:cs typeface="Times New Roman" panose="02020603050405020304" pitchFamily="18" charset="0"/>
-                    <a:hlinkClick r:id="rId4">
+                    <a:hlinkClick r:id="rId5">
                       <a:extLst>
                         <a:ext uri="{A12FA001-AC4F-418D-AE19-62706E023703}">
                           <ahyp:hlinkClr xmlns:ahyp="http://schemas.microsoft.com/office/drawing/2018/hyperlinkcolor" val="tx"/>
@@ -12978,7 +13635,7 @@
               <p:nvPr/>
             </p:nvPicPr>
             <p:blipFill>
-              <a:blip r:embed="rId5">
+              <a:blip r:embed="rId6">
                 <a:extLst>
                   <a:ext uri="{28A0092B-C50C-407E-A947-70E740481C1C}">
                     <a14:useLocalDpi xmlns:a14="http://schemas.microsoft.com/office/drawing/2010/main" val="0"/>
@@ -13072,7 +13729,7 @@
                 <p:nvPr/>
               </p:nvPicPr>
               <p:blipFill>
-                <a:blip r:embed="rId6">
+                <a:blip r:embed="rId7">
                   <a:extLst>
                     <a:ext uri="{28A0092B-C50C-407E-A947-70E740481C1C}">
                       <a14:useLocalDpi xmlns:a14="http://schemas.microsoft.com/office/drawing/2010/main" val="0"/>
@@ -13109,9 +13766,9 @@
             <p:grpSpPr>
               <a:xfrm>
                 <a:off x="4705714" y="3759145"/>
-                <a:ext cx="999849" cy="390003"/>
+                <a:ext cx="1057133" cy="390003"/>
                 <a:chOff x="4207821" y="4443153"/>
-                <a:chExt cx="999849" cy="390003"/>
+                <a:chExt cx="1057133" cy="390003"/>
               </a:xfrm>
             </p:grpSpPr>
             <p:grpSp>
@@ -13637,8 +14294,8 @@
               </p:nvSpPr>
               <p:spPr>
                 <a:xfrm>
-                  <a:off x="4767558" y="4443153"/>
-                  <a:ext cx="440112" cy="246221"/>
+                  <a:off x="4767557" y="4443153"/>
+                  <a:ext cx="497397" cy="276999"/>
                 </a:xfrm>
                 <a:prstGeom prst="rect">
                   <a:avLst/>
@@ -13652,8 +14309,9 @@
                 <a:lstStyle/>
                 <a:p>
                   <a:r>
-                    <a:rPr lang="en-US" sz="1000" dirty="0">
-                      <a:latin typeface="Arial Nova Cond Light" panose="020B0306020202020204" pitchFamily="34" charset="0"/>
+                    <a:rPr lang="en-US" sz="1200" dirty="0">
+                      <a:latin typeface="Source Sans Pro Light" panose="020B0403030403020204" pitchFamily="34" charset="0"/>
+                      <a:ea typeface="Source Sans Pro Light" panose="020B0403030403020204" pitchFamily="34" charset="0"/>
                       <a:cs typeface="Times New Roman" panose="02020603050405020304" pitchFamily="18" charset="0"/>
                     </a:rPr>
                     <a:t>Eggs</a:t>
@@ -13677,7 +14335,7 @@
               <p:nvPr/>
             </p:nvPicPr>
             <p:blipFill rotWithShape="1">
-              <a:blip r:embed="rId7">
+              <a:blip r:embed="rId8">
                 <a:duotone>
                   <a:schemeClr val="bg2">
                     <a:shade val="45000"/>
@@ -13696,7 +14354,7 @@
             </p:blipFill>
             <p:spPr>
               <a:xfrm rot="20735829">
-                <a:off x="3877734" y="4800017"/>
+                <a:off x="4043989" y="4793090"/>
                 <a:ext cx="631191" cy="406385"/>
               </a:xfrm>
               <a:prstGeom prst="rect">
@@ -13718,8 +14376,8 @@
             </p:nvSpPr>
             <p:spPr>
               <a:xfrm>
-                <a:off x="4535530" y="4759437"/>
-                <a:ext cx="490057" cy="246221"/>
+                <a:off x="4701785" y="4752510"/>
+                <a:ext cx="563665" cy="276999"/>
               </a:xfrm>
               <a:prstGeom prst="rect">
                 <a:avLst/>
@@ -13733,8 +14391,8 @@
               <a:lstStyle/>
               <a:p>
                 <a:r>
-                  <a:rPr lang="en-US" sz="1000" dirty="0">
-                    <a:latin typeface="Arial Nova Cond Light" panose="020B0306020202020204" pitchFamily="34" charset="0"/>
+                  <a:rPr lang="en-US" sz="1200" dirty="0">
+                    <a:latin typeface="Source Sans Pro Light" panose="020B0604020202020204" pitchFamily="34" charset="0"/>
                     <a:cs typeface="Times New Roman" panose="02020603050405020304" pitchFamily="18" charset="0"/>
                   </a:rPr>
                   <a:t>Larva</a:t>
@@ -13757,7 +14415,7 @@
               <p:nvPr/>
             </p:nvPicPr>
             <p:blipFill rotWithShape="1">
-              <a:blip r:embed="rId7">
+              <a:blip r:embed="rId8">
                 <a:duotone>
                   <a:schemeClr val="bg2">
                     <a:shade val="45000"/>
@@ -13801,7 +14459,7 @@
             <p:spPr>
               <a:xfrm>
                 <a:off x="827982" y="3703688"/>
-                <a:ext cx="544537" cy="246221"/>
+                <a:ext cx="544537" cy="276999"/>
               </a:xfrm>
               <a:prstGeom prst="rect">
                 <a:avLst/>
@@ -13815,8 +14473,8 @@
               <a:lstStyle/>
               <a:p>
                 <a:r>
-                  <a:rPr lang="en-US" sz="1000" dirty="0">
-                    <a:latin typeface="Arial Nova Cond Light" panose="020B0306020202020204" pitchFamily="34" charset="0"/>
+                  <a:rPr lang="en-US" sz="1200" dirty="0">
+                    <a:latin typeface="Source Sans Pro Light" panose="020B0604020202020204" pitchFamily="34" charset="0"/>
                     <a:cs typeface="Times New Roman" panose="02020603050405020304" pitchFamily="18" charset="0"/>
                   </a:rPr>
                   <a:t>Adult</a:t>
@@ -13838,50 +14496,12 @@
             </p:nvGrpSpPr>
             <p:grpSpPr>
               <a:xfrm>
-                <a:off x="1989341" y="4935519"/>
-                <a:ext cx="1082761" cy="381830"/>
-                <a:chOff x="1989341" y="4935519"/>
-                <a:chExt cx="1082761" cy="381830"/>
+                <a:off x="1953697" y="4907811"/>
+                <a:ext cx="1118405" cy="409538"/>
+                <a:chOff x="1953697" y="4907811"/>
+                <a:chExt cx="1118405" cy="409538"/>
               </a:xfrm>
             </p:grpSpPr>
-            <p:sp>
-              <p:nvSpPr>
-                <p:cNvPr id="42" name="TextBox 41">
-                  <a:extLst>
-                    <a:ext uri="{FF2B5EF4-FFF2-40B4-BE49-F238E27FC236}">
-                      <a16:creationId xmlns:a16="http://schemas.microsoft.com/office/drawing/2014/main" id="{DF7B7AF0-D54B-3CFE-4809-9F9C70187113}"/>
-                    </a:ext>
-                  </a:extLst>
-                </p:cNvPr>
-                <p:cNvSpPr txBox="1"/>
-                <p:nvPr/>
-              </p:nvSpPr>
-              <p:spPr>
-                <a:xfrm>
-                  <a:off x="1989341" y="4935519"/>
-                  <a:ext cx="368811" cy="246221"/>
-                </a:xfrm>
-                <a:prstGeom prst="rect">
-                  <a:avLst/>
-                </a:prstGeom>
-                <a:noFill/>
-              </p:spPr>
-              <p:txBody>
-                <a:bodyPr wrap="square" rtlCol="0">
-                  <a:spAutoFit/>
-                </a:bodyPr>
-                <a:lstStyle/>
-                <a:p>
-                  <a:r>
-                    <a:rPr lang="en-US" sz="1000" dirty="0">
-                      <a:latin typeface="Arial Nova Cond Light" panose="020B0306020202020204" pitchFamily="34" charset="0"/>
-                      <a:cs typeface="Times New Roman" panose="02020603050405020304" pitchFamily="18" charset="0"/>
-                    </a:rPr>
-                    <a:t>Fry</a:t>
-                  </a:r>
-                </a:p>
-              </p:txBody>
-            </p:sp>
             <p:grpSp>
               <p:nvGrpSpPr>
                 <p:cNvPr id="82" name="Group 81">
@@ -13917,7 +14537,7 @@
                   <p:nvPr/>
                 </p:nvPicPr>
                 <p:blipFill rotWithShape="1">
-                  <a:blip r:embed="rId7">
+                  <a:blip r:embed="rId8">
                     <a:duotone>
                       <a:schemeClr val="bg2">
                         <a:shade val="45000"/>
@@ -14004,6 +14624,45 @@
                 </p:txBody>
               </p:sp>
             </p:grpSp>
+            <p:sp>
+              <p:nvSpPr>
+                <p:cNvPr id="42" name="TextBox 41">
+                  <a:extLst>
+                    <a:ext uri="{FF2B5EF4-FFF2-40B4-BE49-F238E27FC236}">
+                      <a16:creationId xmlns:a16="http://schemas.microsoft.com/office/drawing/2014/main" id="{DF7B7AF0-D54B-3CFE-4809-9F9C70187113}"/>
+                    </a:ext>
+                  </a:extLst>
+                </p:cNvPr>
+                <p:cNvSpPr txBox="1"/>
+                <p:nvPr/>
+              </p:nvSpPr>
+              <p:spPr>
+                <a:xfrm>
+                  <a:off x="1953697" y="4907811"/>
+                  <a:ext cx="468247" cy="276999"/>
+                </a:xfrm>
+                <a:prstGeom prst="rect">
+                  <a:avLst/>
+                </a:prstGeom>
+                <a:noFill/>
+              </p:spPr>
+              <p:txBody>
+                <a:bodyPr wrap="square" rtlCol="0">
+                  <a:spAutoFit/>
+                </a:bodyPr>
+                <a:lstStyle/>
+                <a:p>
+                  <a:r>
+                    <a:rPr lang="en-US" sz="1200" dirty="0">
+                      <a:latin typeface="Source Sans Pro Light" panose="020B0403030403020204" pitchFamily="34" charset="0"/>
+                      <a:ea typeface="Source Sans Pro Light" panose="020B0403030403020204" pitchFamily="34" charset="0"/>
+                      <a:cs typeface="Times New Roman" panose="02020603050405020304" pitchFamily="18" charset="0"/>
+                    </a:rPr>
+                    <a:t>Fry</a:t>
+                  </a:r>
+                </a:p>
+              </p:txBody>
+            </p:sp>
           </p:grpSp>
           <p:sp>
             <p:nvSpPr>
@@ -14689,176 +15348,134 @@
               </p:txBody>
             </p:sp>
           </p:grpSp>
-          <p:grpSp>
-            <p:nvGrpSpPr>
-              <p:cNvPr id="141" name="Group 140">
+          <p:pic>
+            <p:nvPicPr>
+              <p:cNvPr id="7" name="Picture 6" descr="A picture containing fish, spiny-finned fish, dark&#10;&#10;Description automatically generated">
                 <a:extLst>
                   <a:ext uri="{FF2B5EF4-FFF2-40B4-BE49-F238E27FC236}">
-                    <a16:creationId xmlns:a16="http://schemas.microsoft.com/office/drawing/2014/main" id="{6ACCCFEC-EE8D-E85D-99F3-AEAF1A5E511D}"/>
+                    <a16:creationId xmlns:a16="http://schemas.microsoft.com/office/drawing/2014/main" id="{EA211AEE-3789-D087-E374-D5EA30A8AE6D}"/>
                   </a:ext>
                 </a:extLst>
               </p:cNvPr>
-              <p:cNvGrpSpPr/>
+              <p:cNvPicPr>
+                <a:picLocks noChangeAspect="1"/>
+              </p:cNvPicPr>
               <p:nvPr/>
-            </p:nvGrpSpPr>
-            <p:grpSpPr>
+            </p:nvPicPr>
+            <p:blipFill>
+              <a:blip r:embed="rId9">
+                <a:extLst>
+                  <a:ext uri="{28A0092B-C50C-407E-A947-70E740481C1C}">
+                    <a14:useLocalDpi xmlns:a14="http://schemas.microsoft.com/office/drawing/2010/main" val="0"/>
+                  </a:ext>
+                </a:extLst>
+              </a:blip>
+              <a:stretch>
+                <a:fillRect/>
+              </a:stretch>
+            </p:blipFill>
+            <p:spPr>
               <a:xfrm>
-                <a:off x="8053431" y="2610344"/>
-                <a:ext cx="2125717" cy="1444795"/>
-                <a:chOff x="8053431" y="2610344"/>
-                <a:chExt cx="2125717" cy="1444795"/>
+                <a:off x="8074847" y="2639390"/>
+                <a:ext cx="2125717" cy="1418916"/>
               </a:xfrm>
-            </p:grpSpPr>
-            <p:grpSp>
-              <p:nvGrpSpPr>
-                <p:cNvPr id="138" name="Group 137">
-                  <a:extLst>
-                    <a:ext uri="{FF2B5EF4-FFF2-40B4-BE49-F238E27FC236}">
-                      <a16:creationId xmlns:a16="http://schemas.microsoft.com/office/drawing/2014/main" id="{83E2B7AF-13A4-CB34-1109-B826DFD66C78}"/>
-                    </a:ext>
-                  </a:extLst>
-                </p:cNvPr>
-                <p:cNvGrpSpPr/>
-                <p:nvPr/>
-              </p:nvGrpSpPr>
-              <p:grpSpPr>
-                <a:xfrm>
-                  <a:off x="8053431" y="2610344"/>
-                  <a:ext cx="2125717" cy="1418916"/>
-                  <a:chOff x="8053431" y="2610344"/>
-                  <a:chExt cx="2125717" cy="1418916"/>
-                </a:xfrm>
-              </p:grpSpPr>
-              <p:pic>
-                <p:nvPicPr>
-                  <p:cNvPr id="7" name="Picture 6" descr="A picture containing fish, spiny-finned fish, dark&#10;&#10;Description automatically generated">
-                    <a:extLst>
-                      <a:ext uri="{FF2B5EF4-FFF2-40B4-BE49-F238E27FC236}">
-                        <a16:creationId xmlns:a16="http://schemas.microsoft.com/office/drawing/2014/main" id="{EA211AEE-3789-D087-E374-D5EA30A8AE6D}"/>
-                      </a:ext>
-                    </a:extLst>
-                  </p:cNvPr>
-                  <p:cNvPicPr>
-                    <a:picLocks noChangeAspect="1"/>
-                  </p:cNvPicPr>
-                  <p:nvPr/>
-                </p:nvPicPr>
-                <p:blipFill>
-                  <a:blip r:embed="rId8">
-                    <a:extLst>
-                      <a:ext uri="{28A0092B-C50C-407E-A947-70E740481C1C}">
-                        <a14:useLocalDpi xmlns:a14="http://schemas.microsoft.com/office/drawing/2010/main" val="0"/>
-                      </a:ext>
-                    </a:extLst>
-                  </a:blip>
-                  <a:stretch>
-                    <a:fillRect/>
-                  </a:stretch>
-                </p:blipFill>
-                <p:spPr>
-                  <a:xfrm>
-                    <a:off x="8053431" y="2610344"/>
-                    <a:ext cx="2125717" cy="1418916"/>
-                  </a:xfrm>
-                  <a:prstGeom prst="rect">
-                    <a:avLst/>
-                  </a:prstGeom>
-                </p:spPr>
-              </p:pic>
-              <p:sp>
-                <p:nvSpPr>
-                  <p:cNvPr id="117" name="Rectangle 116">
-                    <a:extLst>
-                      <a:ext uri="{FF2B5EF4-FFF2-40B4-BE49-F238E27FC236}">
-                        <a16:creationId xmlns:a16="http://schemas.microsoft.com/office/drawing/2014/main" id="{4CC719BB-510E-764E-109D-D1F995DA5091}"/>
-                      </a:ext>
-                    </a:extLst>
-                  </p:cNvPr>
-                  <p:cNvSpPr/>
-                  <p:nvPr/>
-                </p:nvSpPr>
-                <p:spPr>
-                  <a:xfrm rot="954805">
-                    <a:off x="9826164" y="3424584"/>
-                    <a:ext cx="279062" cy="77551"/>
-                  </a:xfrm>
-                  <a:prstGeom prst="rect">
-                    <a:avLst/>
-                  </a:prstGeom>
-                  <a:solidFill>
-                    <a:srgbClr val="FFFFFF"/>
-                  </a:solidFill>
-                  <a:ln>
-                    <a:noFill/>
-                  </a:ln>
-                </p:spPr>
-                <p:style>
-                  <a:lnRef idx="2">
-                    <a:schemeClr val="accent1">
-                      <a:shade val="50000"/>
-                    </a:schemeClr>
-                  </a:lnRef>
-                  <a:fillRef idx="1">
-                    <a:schemeClr val="accent1"/>
-                  </a:fillRef>
-                  <a:effectRef idx="0">
-                    <a:schemeClr val="accent1"/>
-                  </a:effectRef>
-                  <a:fontRef idx="minor">
-                    <a:schemeClr val="lt1"/>
-                  </a:fontRef>
-                </p:style>
-                <p:txBody>
-                  <a:bodyPr rtlCol="0" anchor="ctr"/>
-                  <a:lstStyle/>
-                  <a:p>
-                    <a:pPr algn="ctr"/>
-                    <a:endParaRPr lang="en-US">
-                      <a:latin typeface="Arial Nova Cond Light" panose="020B0306020202020204" pitchFamily="34" charset="0"/>
-                    </a:endParaRPr>
-                  </a:p>
-                </p:txBody>
-              </p:sp>
-            </p:grpSp>
-            <p:sp>
-              <p:nvSpPr>
-                <p:cNvPr id="17" name="TextBox 16">
-                  <a:extLst>
-                    <a:ext uri="{FF2B5EF4-FFF2-40B4-BE49-F238E27FC236}">
-                      <a16:creationId xmlns:a16="http://schemas.microsoft.com/office/drawing/2014/main" id="{E8EB3159-5F25-B2C0-43AC-83F1DF73BE7B}"/>
-                    </a:ext>
-                  </a:extLst>
-                </p:cNvPr>
-                <p:cNvSpPr txBox="1"/>
-                <p:nvPr/>
-              </p:nvSpPr>
-              <p:spPr>
-                <a:xfrm>
-                  <a:off x="8609559" y="3716585"/>
-                  <a:ext cx="1247457" cy="338554"/>
-                </a:xfrm>
-                <a:prstGeom prst="rect">
-                  <a:avLst/>
-                </a:prstGeom>
+              <a:prstGeom prst="rect">
+                <a:avLst/>
+              </a:prstGeom>
+            </p:spPr>
+          </p:pic>
+          <p:sp>
+            <p:nvSpPr>
+              <p:cNvPr id="117" name="Rectangle 116">
+                <a:extLst>
+                  <a:ext uri="{FF2B5EF4-FFF2-40B4-BE49-F238E27FC236}">
+                    <a16:creationId xmlns:a16="http://schemas.microsoft.com/office/drawing/2014/main" id="{4CC719BB-510E-764E-109D-D1F995DA5091}"/>
+                  </a:ext>
+                </a:extLst>
+              </p:cNvPr>
+              <p:cNvSpPr/>
+              <p:nvPr/>
+            </p:nvSpPr>
+            <p:spPr>
+              <a:xfrm rot="954805">
+                <a:off x="9826164" y="3424584"/>
+                <a:ext cx="279062" cy="77551"/>
+              </a:xfrm>
+              <a:prstGeom prst="rect">
+                <a:avLst/>
+              </a:prstGeom>
+              <a:solidFill>
+                <a:srgbClr val="FFFFFF"/>
+              </a:solidFill>
+              <a:ln>
                 <a:noFill/>
-              </p:spPr>
-              <p:txBody>
-                <a:bodyPr wrap="none" rtlCol="0">
-                  <a:spAutoFit/>
-                </a:bodyPr>
-                <a:lstStyle/>
-                <a:p>
-                  <a:pPr algn="ctr"/>
-                  <a:r>
-                    <a:rPr lang="en-US" sz="1600" dirty="0">
-                      <a:latin typeface="Baguet Script" panose="00000500000000000000" pitchFamily="2" charset="0"/>
-                    </a:rPr>
-                    <a:t>Striped Bass</a:t>
-                  </a:r>
-                </a:p>
-              </p:txBody>
-            </p:sp>
-          </p:grpSp>
+              </a:ln>
+            </p:spPr>
+            <p:style>
+              <a:lnRef idx="2">
+                <a:schemeClr val="accent1">
+                  <a:shade val="50000"/>
+                </a:schemeClr>
+              </a:lnRef>
+              <a:fillRef idx="1">
+                <a:schemeClr val="accent1"/>
+              </a:fillRef>
+              <a:effectRef idx="0">
+                <a:schemeClr val="accent1"/>
+              </a:effectRef>
+              <a:fontRef idx="minor">
+                <a:schemeClr val="lt1"/>
+              </a:fontRef>
+            </p:style>
+            <p:txBody>
+              <a:bodyPr rtlCol="0" anchor="ctr"/>
+              <a:lstStyle/>
+              <a:p>
+                <a:pPr algn="ctr"/>
+                <a:endParaRPr lang="en-US">
+                  <a:latin typeface="Arial Nova Cond Light" panose="020B0306020202020204" pitchFamily="34" charset="0"/>
+                </a:endParaRPr>
+              </a:p>
+            </p:txBody>
+          </p:sp>
+          <p:sp>
+            <p:nvSpPr>
+              <p:cNvPr id="17" name="TextBox 16">
+                <a:extLst>
+                  <a:ext uri="{FF2B5EF4-FFF2-40B4-BE49-F238E27FC236}">
+                    <a16:creationId xmlns:a16="http://schemas.microsoft.com/office/drawing/2014/main" id="{E8EB3159-5F25-B2C0-43AC-83F1DF73BE7B}"/>
+                  </a:ext>
+                </a:extLst>
+              </p:cNvPr>
+              <p:cNvSpPr txBox="1"/>
+              <p:nvPr/>
+            </p:nvSpPr>
+            <p:spPr>
+              <a:xfrm>
+                <a:off x="8609559" y="3716585"/>
+                <a:ext cx="1247457" cy="338554"/>
+              </a:xfrm>
+              <a:prstGeom prst="rect">
+                <a:avLst/>
+              </a:prstGeom>
+              <a:noFill/>
+            </p:spPr>
+            <p:txBody>
+              <a:bodyPr wrap="none" rtlCol="0">
+                <a:spAutoFit/>
+              </a:bodyPr>
+              <a:lstStyle/>
+              <a:p>
+                <a:pPr algn="ctr"/>
+                <a:r>
+                  <a:rPr lang="en-US" sz="1600" dirty="0">
+                    <a:latin typeface="Baguet Script" panose="00000500000000000000" pitchFamily="2" charset="0"/>
+                  </a:rPr>
+                  <a:t>Striped Bass</a:t>
+                </a:r>
+              </a:p>
+            </p:txBody>
+          </p:sp>
           <p:sp>
             <p:nvSpPr>
               <p:cNvPr id="45" name="TextBox 44">
@@ -14873,8 +15490,8 @@
             </p:nvSpPr>
             <p:spPr>
               <a:xfrm>
-                <a:off x="6254745" y="4226717"/>
-                <a:ext cx="3212925" cy="1615827"/>
+                <a:off x="6254745" y="4134573"/>
+                <a:ext cx="3212925" cy="2123658"/>
               </a:xfrm>
               <a:prstGeom prst="rect">
                 <a:avLst/>
@@ -14888,16 +15505,18 @@
               <a:lstStyle/>
               <a:p>
                 <a:r>
-                  <a:rPr lang="en-US" sz="1100" dirty="0">
-                    <a:latin typeface="Arial Nova Cond Light" panose="020B0306020202020204" pitchFamily="34" charset="0"/>
+                  <a:rPr lang="en-US" sz="1200" dirty="0">
+                    <a:latin typeface="Source Sans Pro Light" panose="020B0403030403020204" pitchFamily="34" charset="0"/>
+                    <a:ea typeface="Source Sans Pro Light" panose="020B0403030403020204" pitchFamily="34" charset="0"/>
                     <a:cs typeface="Times New Roman" panose="02020603050405020304" pitchFamily="18" charset="0"/>
                   </a:rPr>
                   <a:t>HOW TO READ THE PLOT</a:t>
                 </a:r>
               </a:p>
               <a:p>
-                <a:endParaRPr lang="en-US" sz="1100" dirty="0">
-                  <a:latin typeface="Arial Nova Cond Light" panose="020B0306020202020204" pitchFamily="34" charset="0"/>
+                <a:endParaRPr lang="en-US" sz="1200" dirty="0">
+                  <a:latin typeface="Source Sans Pro Light" panose="020B0403030403020204" pitchFamily="34" charset="0"/>
+                  <a:ea typeface="Source Sans Pro Light" panose="020B0403030403020204" pitchFamily="34" charset="0"/>
                   <a:cs typeface="Times New Roman" panose="02020603050405020304" pitchFamily="18" charset="0"/>
                 </a:endParaRPr>
               </a:p>
@@ -14908,8 +15527,9 @@
                   </a:spcAft>
                 </a:pPr>
                 <a:r>
-                  <a:rPr lang="en-US" sz="1100" dirty="0">
-                    <a:latin typeface="Arial Nova Cond Light" panose="020B0306020202020204" pitchFamily="34" charset="0"/>
+                  <a:rPr lang="en-US" sz="1200" dirty="0">
+                    <a:latin typeface="Source Sans Pro Light" panose="020B0403030403020204" pitchFamily="34" charset="0"/>
+                    <a:ea typeface="Source Sans Pro Light" panose="020B0403030403020204" pitchFamily="34" charset="0"/>
                     <a:cs typeface="Times New Roman" panose="02020603050405020304" pitchFamily="18" charset="0"/>
                   </a:rPr>
                   <a:t>The Representative Concentration Pathways (RCP) labeled are future scenarios constructed to represent how well we are able to curb and contain greenhouse gas emissions with RCP 2.6 implementing the most aggressive strategies and RCP 8.5 being  “business-as-usual.” Their position on the y-axis of the plot above is ordered from RCP 2.6 to RCP 8.5 but their distance from the center of the circle is not significant. </a:t>
@@ -14933,7 +15553,7 @@
             </p:nvCxnSpPr>
             <p:spPr>
               <a:xfrm>
-                <a:off x="6356350" y="4487822"/>
+                <a:off x="6356350" y="4424030"/>
                 <a:ext cx="5513444" cy="0"/>
               </a:xfrm>
               <a:prstGeom prst="line">
@@ -14960,12 +15580,86 @@
               </a:fontRef>
             </p:style>
           </p:cxnSp>
+          <p:sp>
+            <p:nvSpPr>
+              <p:cNvPr id="2" name="TextBox 1">
+                <a:extLst>
+                  <a:ext uri="{FF2B5EF4-FFF2-40B4-BE49-F238E27FC236}">
+                    <a16:creationId xmlns:a16="http://schemas.microsoft.com/office/drawing/2014/main" id="{8288BC70-C0F2-8DD8-17A6-B82FC0EAF39C}"/>
+                  </a:ext>
+                </a:extLst>
+              </p:cNvPr>
+              <p:cNvSpPr txBox="1"/>
+              <p:nvPr/>
+            </p:nvSpPr>
+            <p:spPr>
+              <a:xfrm rot="20455679">
+                <a:off x="8105448" y="1400665"/>
+                <a:ext cx="533982" cy="276999"/>
+              </a:xfrm>
+              <a:prstGeom prst="rect">
+                <a:avLst/>
+              </a:prstGeom>
+              <a:noFill/>
+            </p:spPr>
+            <p:txBody>
+              <a:bodyPr wrap="square" rtlCol="0">
+                <a:spAutoFit/>
+              </a:bodyPr>
+              <a:lstStyle/>
+              <a:p>
+                <a:r>
+                  <a:rPr lang="en-US" sz="1200" dirty="0">
+                    <a:latin typeface="Source Sans Pro Light" panose="020B0604020202020204" pitchFamily="34" charset="0"/>
+                  </a:rPr>
+                  <a:t>-20</a:t>
+                </a:r>
+              </a:p>
+            </p:txBody>
+          </p:sp>
+          <p:sp>
+            <p:nvSpPr>
+              <p:cNvPr id="4" name="TextBox 3">
+                <a:extLst>
+                  <a:ext uri="{FF2B5EF4-FFF2-40B4-BE49-F238E27FC236}">
+                    <a16:creationId xmlns:a16="http://schemas.microsoft.com/office/drawing/2014/main" id="{5D0E829E-09C8-6C7F-0619-369953D3F049}"/>
+                  </a:ext>
+                </a:extLst>
+              </p:cNvPr>
+              <p:cNvSpPr txBox="1"/>
+              <p:nvPr/>
+            </p:nvSpPr>
+            <p:spPr>
+              <a:xfrm rot="1736575">
+                <a:off x="9925210" y="1508614"/>
+                <a:ext cx="564547" cy="276999"/>
+              </a:xfrm>
+              <a:prstGeom prst="rect">
+                <a:avLst/>
+              </a:prstGeom>
+              <a:noFill/>
+            </p:spPr>
+            <p:txBody>
+              <a:bodyPr wrap="square" rtlCol="0">
+                <a:spAutoFit/>
+              </a:bodyPr>
+              <a:lstStyle/>
+              <a:p>
+                <a:r>
+                  <a:rPr lang="en-US" sz="1200" dirty="0">
+                    <a:latin typeface="Source Sans Pro Light" panose="020B0604020202020204" pitchFamily="34" charset="0"/>
+                  </a:rPr>
+                  <a:t>-27</a:t>
+                </a:r>
+              </a:p>
+            </p:txBody>
+          </p:sp>
           <p:grpSp>
             <p:nvGrpSpPr>
-              <p:cNvPr id="48" name="Group 47">
+              <p:cNvPr id="54" name="Group 53">
                 <a:extLst>
                   <a:ext uri="{FF2B5EF4-FFF2-40B4-BE49-F238E27FC236}">
-                    <a16:creationId xmlns:a16="http://schemas.microsoft.com/office/drawing/2014/main" id="{6F8F5552-1858-EA35-8C66-945C80A65F93}"/>
+                    <a16:creationId xmlns:a16="http://schemas.microsoft.com/office/drawing/2014/main" id="{47611393-F909-B617-8B29-545CB26DCFCF}"/>
                   </a:ext>
                 </a:extLst>
               </p:cNvPr>
@@ -14973,384 +15667,1118 @@
               <p:nvPr/>
             </p:nvGrpSpPr>
             <p:grpSpPr>
-              <a:xfrm>
-                <a:off x="9828235" y="4681734"/>
-                <a:ext cx="1882232" cy="416912"/>
-                <a:chOff x="5063543" y="921924"/>
-                <a:chExt cx="1882232" cy="316678"/>
+              <a:xfrm rot="16200000">
+                <a:off x="10439579" y="4552732"/>
+                <a:ext cx="411947" cy="2073707"/>
+                <a:chOff x="5939799" y="1258112"/>
+                <a:chExt cx="312907" cy="1422936"/>
               </a:xfrm>
             </p:grpSpPr>
-            <p:grpSp>
-              <p:nvGrpSpPr>
-                <p:cNvPr id="51" name="Group 50">
+            <p:sp>
+              <p:nvSpPr>
+                <p:cNvPr id="57" name="Rectangle 56">
                   <a:extLst>
                     <a:ext uri="{FF2B5EF4-FFF2-40B4-BE49-F238E27FC236}">
-                      <a16:creationId xmlns:a16="http://schemas.microsoft.com/office/drawing/2014/main" id="{FE249A97-C380-F3FD-FDA4-5FD49C7F2982}"/>
+                      <a16:creationId xmlns:a16="http://schemas.microsoft.com/office/drawing/2014/main" id="{351D1D00-96F7-AA0C-772D-1585F447FF73}"/>
                     </a:ext>
                   </a:extLst>
                 </p:cNvPr>
-                <p:cNvGrpSpPr/>
+                <p:cNvSpPr/>
                 <p:nvPr/>
-              </p:nvGrpSpPr>
-              <p:grpSpPr>
+              </p:nvSpPr>
+              <p:spPr>
                 <a:xfrm>
-                  <a:off x="5101965" y="921924"/>
-                  <a:ext cx="1774665" cy="316678"/>
-                  <a:chOff x="5101965" y="921924"/>
-                  <a:chExt cx="1774665" cy="316678"/>
+                  <a:off x="5939799" y="1258112"/>
+                  <a:ext cx="312907" cy="1419306"/>
                 </a:xfrm>
-              </p:grpSpPr>
-              <p:grpSp>
-                <p:nvGrpSpPr>
-                  <p:cNvPr id="54" name="Group 53">
-                    <a:extLst>
-                      <a:ext uri="{FF2B5EF4-FFF2-40B4-BE49-F238E27FC236}">
-                        <a16:creationId xmlns:a16="http://schemas.microsoft.com/office/drawing/2014/main" id="{47611393-F909-B617-8B29-545CB26DCFCF}"/>
-                      </a:ext>
-                    </a:extLst>
-                  </p:cNvPr>
-                  <p:cNvGrpSpPr/>
-                  <p:nvPr/>
-                </p:nvGrpSpPr>
-                <p:grpSpPr>
-                  <a:xfrm rot="16200000">
-                    <a:off x="5833336" y="193802"/>
-                    <a:ext cx="312907" cy="1773681"/>
-                    <a:chOff x="5939799" y="1258112"/>
-                    <a:chExt cx="312907" cy="1419669"/>
-                  </a:xfrm>
-                </p:grpSpPr>
-                <p:sp>
-                  <p:nvSpPr>
-                    <p:cNvPr id="57" name="Rectangle 56">
-                      <a:extLst>
-                        <a:ext uri="{FF2B5EF4-FFF2-40B4-BE49-F238E27FC236}">
-                          <a16:creationId xmlns:a16="http://schemas.microsoft.com/office/drawing/2014/main" id="{351D1D00-96F7-AA0C-772D-1585F447FF73}"/>
-                        </a:ext>
-                      </a:extLst>
-                    </p:cNvPr>
-                    <p:cNvSpPr/>
-                    <p:nvPr/>
-                  </p:nvSpPr>
-                  <p:spPr>
-                    <a:xfrm>
-                      <a:off x="5939799" y="1258112"/>
-                      <a:ext cx="312907" cy="1419306"/>
-                    </a:xfrm>
-                    <a:prstGeom prst="rect">
-                      <a:avLst/>
-                    </a:prstGeom>
-                    <a:solidFill>
-                      <a:srgbClr val="D2C6E1"/>
-                    </a:solidFill>
-                    <a:ln w="3175">
-                      <a:solidFill>
-                        <a:srgbClr val="D2C6E1"/>
-                      </a:solidFill>
-                    </a:ln>
-                  </p:spPr>
-                  <p:style>
-                    <a:lnRef idx="2">
-                      <a:schemeClr val="accent1">
-                        <a:shade val="50000"/>
-                      </a:schemeClr>
-                    </a:lnRef>
-                    <a:fillRef idx="1">
-                      <a:schemeClr val="accent1"/>
-                    </a:fillRef>
-                    <a:effectRef idx="0">
-                      <a:schemeClr val="accent1"/>
-                    </a:effectRef>
-                    <a:fontRef idx="minor">
-                      <a:schemeClr val="lt1"/>
-                    </a:fontRef>
-                  </p:style>
-                  <p:txBody>
-                    <a:bodyPr rtlCol="0" anchor="ctr"/>
-                    <a:lstStyle/>
-                    <a:p>
-                      <a:pPr algn="ctr"/>
-                      <a:endParaRPr lang="en-US">
-                        <a:solidFill>
-                          <a:schemeClr val="bg1">
-                            <a:lumMod val="50000"/>
-                          </a:schemeClr>
-                        </a:solidFill>
-                        <a:latin typeface="Arial Nova Cond Light" panose="020B0306020202020204" pitchFamily="34" charset="0"/>
-                      </a:endParaRPr>
-                    </a:p>
-                  </p:txBody>
-                </p:sp>
-                <p:sp>
-                  <p:nvSpPr>
-                    <p:cNvPr id="58" name="Rectangle 57">
-                      <a:extLst>
-                        <a:ext uri="{FF2B5EF4-FFF2-40B4-BE49-F238E27FC236}">
-                          <a16:creationId xmlns:a16="http://schemas.microsoft.com/office/drawing/2014/main" id="{E2E61A04-C16F-87F3-537C-3FF415F6BDB2}"/>
-                        </a:ext>
-                      </a:extLst>
-                    </p:cNvPr>
-                    <p:cNvSpPr/>
-                    <p:nvPr/>
-                  </p:nvSpPr>
-                  <p:spPr>
-                    <a:xfrm>
-                      <a:off x="5974916" y="1891837"/>
-                      <a:ext cx="235998" cy="785944"/>
-                    </a:xfrm>
-                    <a:prstGeom prst="rect">
-                      <a:avLst/>
-                    </a:prstGeom>
-                    <a:solidFill>
-                      <a:srgbClr val="FAF6FE"/>
-                    </a:solidFill>
-                    <a:ln>
-                      <a:noFill/>
-                    </a:ln>
-                  </p:spPr>
-                  <p:style>
-                    <a:lnRef idx="2">
-                      <a:schemeClr val="accent1">
-                        <a:shade val="50000"/>
-                      </a:schemeClr>
-                    </a:lnRef>
-                    <a:fillRef idx="1">
-                      <a:schemeClr val="accent1"/>
-                    </a:fillRef>
-                    <a:effectRef idx="0">
-                      <a:schemeClr val="accent1"/>
-                    </a:effectRef>
-                    <a:fontRef idx="minor">
-                      <a:schemeClr val="lt1"/>
-                    </a:fontRef>
-                  </p:style>
-                  <p:txBody>
-                    <a:bodyPr rtlCol="0" anchor="ctr"/>
-                    <a:lstStyle/>
-                    <a:p>
-                      <a:pPr algn="ctr"/>
-                      <a:endParaRPr lang="en-US" dirty="0">
-                        <a:solidFill>
-                          <a:schemeClr val="bg1">
-                            <a:lumMod val="50000"/>
-                          </a:schemeClr>
-                        </a:solidFill>
-                        <a:latin typeface="Arial Nova Cond Light" panose="020B0306020202020204" pitchFamily="34" charset="0"/>
-                      </a:endParaRPr>
-                    </a:p>
-                  </p:txBody>
-                </p:sp>
-              </p:grpSp>
-              <p:cxnSp>
-                <p:nvCxnSpPr>
-                  <p:cNvPr id="55" name="Straight Connector 54">
-                    <a:extLst>
-                      <a:ext uri="{FF2B5EF4-FFF2-40B4-BE49-F238E27FC236}">
-                        <a16:creationId xmlns:a16="http://schemas.microsoft.com/office/drawing/2014/main" id="{050612F3-F437-0AF5-AA6D-6F468E1CA894}"/>
-                      </a:ext>
-                    </a:extLst>
-                  </p:cNvPr>
-                  <p:cNvCxnSpPr/>
-                  <p:nvPr/>
-                </p:nvCxnSpPr>
-                <p:spPr>
-                  <a:xfrm>
-                    <a:off x="5102948" y="921924"/>
-                    <a:ext cx="1773227" cy="0"/>
-                  </a:xfrm>
-                  <a:prstGeom prst="line">
-                    <a:avLst/>
-                  </a:prstGeom>
-                  <a:ln w="9525">
+                <a:prstGeom prst="rect">
+                  <a:avLst/>
+                </a:prstGeom>
+                <a:solidFill>
+                  <a:srgbClr val="D2C6E1"/>
+                </a:solidFill>
+                <a:ln w="3175">
+                  <a:solidFill>
+                    <a:srgbClr val="D2C6E1"/>
+                  </a:solidFill>
+                </a:ln>
+              </p:spPr>
+              <p:style>
+                <a:lnRef idx="2">
+                  <a:schemeClr val="accent1">
+                    <a:shade val="50000"/>
+                  </a:schemeClr>
+                </a:lnRef>
+                <a:fillRef idx="1">
+                  <a:schemeClr val="accent1"/>
+                </a:fillRef>
+                <a:effectRef idx="0">
+                  <a:schemeClr val="accent1"/>
+                </a:effectRef>
+                <a:fontRef idx="minor">
+                  <a:schemeClr val="lt1"/>
+                </a:fontRef>
+              </p:style>
+              <p:txBody>
+                <a:bodyPr rtlCol="0" anchor="ctr"/>
+                <a:lstStyle/>
+                <a:p>
+                  <a:pPr algn="ctr"/>
+                  <a:endParaRPr lang="en-US">
                     <a:solidFill>
                       <a:schemeClr val="bg1">
                         <a:lumMod val="50000"/>
                       </a:schemeClr>
                     </a:solidFill>
-                  </a:ln>
-                </p:spPr>
-                <p:style>
-                  <a:lnRef idx="1">
-                    <a:schemeClr val="accent1"/>
-                  </a:lnRef>
-                  <a:fillRef idx="0">
-                    <a:schemeClr val="accent1"/>
-                  </a:fillRef>
-                  <a:effectRef idx="0">
-                    <a:schemeClr val="accent1"/>
-                  </a:effectRef>
-                  <a:fontRef idx="minor">
-                    <a:schemeClr val="tx1"/>
-                  </a:fontRef>
-                </p:style>
-              </p:cxnSp>
-              <p:cxnSp>
-                <p:nvCxnSpPr>
-                  <p:cNvPr id="56" name="Straight Connector 55">
-                    <a:extLst>
-                      <a:ext uri="{FF2B5EF4-FFF2-40B4-BE49-F238E27FC236}">
-                        <a16:creationId xmlns:a16="http://schemas.microsoft.com/office/drawing/2014/main" id="{985245FF-11DA-2B0C-6D55-36FE4EDFB12A}"/>
-                      </a:ext>
-                    </a:extLst>
-                  </p:cNvPr>
-                  <p:cNvCxnSpPr/>
-                  <p:nvPr/>
-                </p:nvCxnSpPr>
-                <p:spPr>
-                  <a:xfrm>
-                    <a:off x="5101965" y="1238602"/>
-                    <a:ext cx="1773227" cy="0"/>
-                  </a:xfrm>
-                  <a:prstGeom prst="line">
-                    <a:avLst/>
-                  </a:prstGeom>
-                  <a:ln w="9525">
+                    <a:latin typeface="Arial Nova Cond Light" panose="020B0306020202020204" pitchFamily="34" charset="0"/>
+                  </a:endParaRPr>
+                </a:p>
+              </p:txBody>
+            </p:sp>
+            <p:sp>
+              <p:nvSpPr>
+                <p:cNvPr id="58" name="Rectangle 57">
+                  <a:extLst>
+                    <a:ext uri="{FF2B5EF4-FFF2-40B4-BE49-F238E27FC236}">
+                      <a16:creationId xmlns:a16="http://schemas.microsoft.com/office/drawing/2014/main" id="{E2E61A04-C16F-87F3-537C-3FF415F6BDB2}"/>
+                    </a:ext>
+                  </a:extLst>
+                </p:cNvPr>
+                <p:cNvSpPr/>
+                <p:nvPr/>
+              </p:nvSpPr>
+              <p:spPr>
+                <a:xfrm>
+                  <a:off x="5974916" y="2003639"/>
+                  <a:ext cx="235998" cy="677409"/>
+                </a:xfrm>
+                <a:prstGeom prst="rect">
+                  <a:avLst/>
+                </a:prstGeom>
+                <a:solidFill>
+                  <a:srgbClr val="FAF6FE"/>
+                </a:solidFill>
+                <a:ln>
+                  <a:noFill/>
+                </a:ln>
+              </p:spPr>
+              <p:style>
+                <a:lnRef idx="2">
+                  <a:schemeClr val="accent1">
+                    <a:shade val="50000"/>
+                  </a:schemeClr>
+                </a:lnRef>
+                <a:fillRef idx="1">
+                  <a:schemeClr val="accent1"/>
+                </a:fillRef>
+                <a:effectRef idx="0">
+                  <a:schemeClr val="accent1"/>
+                </a:effectRef>
+                <a:fontRef idx="minor">
+                  <a:schemeClr val="lt1"/>
+                </a:fontRef>
+              </p:style>
+              <p:txBody>
+                <a:bodyPr rtlCol="0" anchor="ctr"/>
+                <a:lstStyle/>
+                <a:p>
+                  <a:pPr algn="ctr"/>
+                  <a:endParaRPr lang="en-US" dirty="0">
                     <a:solidFill>
                       <a:schemeClr val="bg1">
                         <a:lumMod val="50000"/>
                       </a:schemeClr>
                     </a:solidFill>
-                  </a:ln>
-                </p:spPr>
-                <p:style>
-                  <a:lnRef idx="1">
-                    <a:schemeClr val="accent1"/>
-                  </a:lnRef>
-                  <a:fillRef idx="0">
-                    <a:schemeClr val="accent1"/>
-                  </a:fillRef>
-                  <a:effectRef idx="0">
-                    <a:schemeClr val="accent1"/>
-                  </a:effectRef>
-                  <a:fontRef idx="minor">
-                    <a:schemeClr val="tx1"/>
-                  </a:fontRef>
-                </p:style>
-              </p:cxnSp>
-            </p:grpSp>
-            <p:sp>
-              <p:nvSpPr>
-                <p:cNvPr id="52" name="TextBox 51">
-                  <a:extLst>
-                    <a:ext uri="{FF2B5EF4-FFF2-40B4-BE49-F238E27FC236}">
-                      <a16:creationId xmlns:a16="http://schemas.microsoft.com/office/drawing/2014/main" id="{A8B2F5B7-32F2-5956-89F6-ED6E67C8AE16}"/>
-                    </a:ext>
-                  </a:extLst>
-                </p:cNvPr>
-                <p:cNvSpPr txBox="1"/>
-                <p:nvPr/>
-              </p:nvSpPr>
-              <p:spPr>
-                <a:xfrm>
-                  <a:off x="5063543" y="926358"/>
-                  <a:ext cx="825867" cy="303916"/>
-                </a:xfrm>
-                <a:prstGeom prst="rect">
-                  <a:avLst/>
-                </a:prstGeom>
-                <a:noFill/>
-              </p:spPr>
-              <p:txBody>
-                <a:bodyPr wrap="none" rtlCol="0" anchor="ctr">
-                  <a:spAutoFit/>
-                </a:bodyPr>
-                <a:lstStyle/>
-                <a:p>
-                  <a:r>
-                    <a:rPr lang="en-US" sz="1000" dirty="0">
-                      <a:solidFill>
-                        <a:schemeClr val="bg1">
-                          <a:lumMod val="50000"/>
-                        </a:schemeClr>
-                      </a:solidFill>
-                      <a:latin typeface="Arial Nova Cond Light" panose="020B0306020202020204" pitchFamily="34" charset="0"/>
-                      <a:cs typeface="Times New Roman" panose="02020603050405020304" pitchFamily="18" charset="0"/>
-                    </a:rPr>
-                    <a:t>Full Spawning</a:t>
-                  </a:r>
-                </a:p>
-                <a:p>
-                  <a:r>
-                    <a:rPr lang="en-US" sz="1000" dirty="0">
-                      <a:solidFill>
-                        <a:schemeClr val="bg1">
-                          <a:lumMod val="50000"/>
-                        </a:schemeClr>
-                      </a:solidFill>
-                      <a:latin typeface="Arial Nova Cond Light" panose="020B0306020202020204" pitchFamily="34" charset="0"/>
-                      <a:cs typeface="Times New Roman" panose="02020603050405020304" pitchFamily="18" charset="0"/>
-                    </a:rPr>
-                    <a:t>Range</a:t>
-                  </a:r>
-                </a:p>
-              </p:txBody>
-            </p:sp>
-            <p:sp>
-              <p:nvSpPr>
-                <p:cNvPr id="53" name="TextBox 52">
-                  <a:extLst>
-                    <a:ext uri="{FF2B5EF4-FFF2-40B4-BE49-F238E27FC236}">
-                      <a16:creationId xmlns:a16="http://schemas.microsoft.com/office/drawing/2014/main" id="{C34EA229-AE73-96C7-5CE2-26E979EE2A9D}"/>
-                    </a:ext>
-                  </a:extLst>
-                </p:cNvPr>
-                <p:cNvSpPr txBox="1"/>
-                <p:nvPr/>
-              </p:nvSpPr>
-              <p:spPr>
-                <a:xfrm>
-                  <a:off x="6029306" y="926358"/>
-                  <a:ext cx="916469" cy="303915"/>
-                </a:xfrm>
-                <a:prstGeom prst="rect">
-                  <a:avLst/>
-                </a:prstGeom>
-                <a:noFill/>
-              </p:spPr>
-              <p:txBody>
-                <a:bodyPr wrap="none" rtlCol="0" anchor="ctr">
-                  <a:spAutoFit/>
-                </a:bodyPr>
-                <a:lstStyle/>
-                <a:p>
-                  <a:pPr algn="r"/>
-                  <a:r>
-                    <a:rPr lang="en-US" sz="1000" dirty="0">
-                      <a:solidFill>
-                        <a:schemeClr val="bg1">
-                          <a:lumMod val="50000"/>
-                        </a:schemeClr>
-                      </a:solidFill>
-                      <a:latin typeface="Arial Nova Cond Light" panose="020B0306020202020204" pitchFamily="34" charset="0"/>
-                      <a:cs typeface="Times New Roman" panose="02020603050405020304" pitchFamily="18" charset="0"/>
-                    </a:rPr>
-                    <a:t>Projected </a:t>
-                  </a:r>
-                </a:p>
-                <a:p>
-                  <a:pPr algn="ctr"/>
-                  <a:r>
-                    <a:rPr lang="en-US" sz="1000" dirty="0">
-                      <a:solidFill>
-                        <a:schemeClr val="bg1">
-                          <a:lumMod val="50000"/>
-                        </a:schemeClr>
-                      </a:solidFill>
-                      <a:latin typeface="Arial Nova Cond Light" panose="020B0306020202020204" pitchFamily="34" charset="0"/>
-                      <a:cs typeface="Times New Roman" panose="02020603050405020304" pitchFamily="18" charset="0"/>
-                    </a:rPr>
-                    <a:t>(2012 – 2099)</a:t>
-                  </a:r>
+                    <a:latin typeface="Arial Nova Cond Light" panose="020B0306020202020204" pitchFamily="34" charset="0"/>
+                  </a:endParaRPr>
                 </a:p>
               </p:txBody>
             </p:sp>
           </p:grpSp>
+          <p:cxnSp>
+            <p:nvCxnSpPr>
+              <p:cNvPr id="55" name="Straight Connector 54">
+                <a:extLst>
+                  <a:ext uri="{FF2B5EF4-FFF2-40B4-BE49-F238E27FC236}">
+                    <a16:creationId xmlns:a16="http://schemas.microsoft.com/office/drawing/2014/main" id="{050612F3-F437-0AF5-AA6D-6F468E1CA894}"/>
+                  </a:ext>
+                </a:extLst>
+              </p:cNvPr>
+              <p:cNvCxnSpPr/>
+              <p:nvPr/>
+            </p:nvCxnSpPr>
+            <p:spPr>
+              <a:xfrm>
+                <a:off x="9608697" y="5380629"/>
+                <a:ext cx="2068416" cy="0"/>
+              </a:xfrm>
+              <a:prstGeom prst="line">
+                <a:avLst/>
+              </a:prstGeom>
+              <a:ln w="9525">
+                <a:solidFill>
+                  <a:schemeClr val="bg1">
+                    <a:lumMod val="50000"/>
+                  </a:schemeClr>
+                </a:solidFill>
+              </a:ln>
+            </p:spPr>
+            <p:style>
+              <a:lnRef idx="1">
+                <a:schemeClr val="accent1"/>
+              </a:lnRef>
+              <a:fillRef idx="0">
+                <a:schemeClr val="accent1"/>
+              </a:fillRef>
+              <a:effectRef idx="0">
+                <a:schemeClr val="accent1"/>
+              </a:effectRef>
+              <a:fontRef idx="minor">
+                <a:schemeClr val="tx1"/>
+              </a:fontRef>
+            </p:style>
+          </p:cxnSp>
+          <p:cxnSp>
+            <p:nvCxnSpPr>
+              <p:cNvPr id="56" name="Straight Connector 55">
+                <a:extLst>
+                  <a:ext uri="{FF2B5EF4-FFF2-40B4-BE49-F238E27FC236}">
+                    <a16:creationId xmlns:a16="http://schemas.microsoft.com/office/drawing/2014/main" id="{985245FF-11DA-2B0C-6D55-36FE4EDFB12A}"/>
+                  </a:ext>
+                </a:extLst>
+              </p:cNvPr>
+              <p:cNvCxnSpPr/>
+              <p:nvPr/>
+            </p:nvCxnSpPr>
+            <p:spPr>
+              <a:xfrm>
+                <a:off x="9607550" y="5797541"/>
+                <a:ext cx="2068416" cy="0"/>
+              </a:xfrm>
+              <a:prstGeom prst="line">
+                <a:avLst/>
+              </a:prstGeom>
+              <a:ln w="9525">
+                <a:solidFill>
+                  <a:schemeClr val="bg1">
+                    <a:lumMod val="50000"/>
+                  </a:schemeClr>
+                </a:solidFill>
+              </a:ln>
+            </p:spPr>
+            <p:style>
+              <a:lnRef idx="1">
+                <a:schemeClr val="accent1"/>
+              </a:lnRef>
+              <a:fillRef idx="0">
+                <a:schemeClr val="accent1"/>
+              </a:fillRef>
+              <a:effectRef idx="0">
+                <a:schemeClr val="accent1"/>
+              </a:effectRef>
+              <a:fontRef idx="minor">
+                <a:schemeClr val="tx1"/>
+              </a:fontRef>
+            </p:style>
+          </p:cxnSp>
+          <p:sp>
+            <p:nvSpPr>
+              <p:cNvPr id="52" name="TextBox 51">
+                <a:extLst>
+                  <a:ext uri="{FF2B5EF4-FFF2-40B4-BE49-F238E27FC236}">
+                    <a16:creationId xmlns:a16="http://schemas.microsoft.com/office/drawing/2014/main" id="{A8B2F5B7-32F2-5956-89F6-ED6E67C8AE16}"/>
+                  </a:ext>
+                </a:extLst>
+              </p:cNvPr>
+              <p:cNvSpPr txBox="1"/>
+              <p:nvPr/>
+            </p:nvSpPr>
+            <p:spPr>
+              <a:xfrm>
+                <a:off x="9561685" y="5355689"/>
+                <a:ext cx="1217151" cy="461665"/>
+              </a:xfrm>
+              <a:prstGeom prst="rect">
+                <a:avLst/>
+              </a:prstGeom>
+              <a:noFill/>
+            </p:spPr>
+            <p:txBody>
+              <a:bodyPr wrap="square" rtlCol="0" anchor="ctr">
+                <a:spAutoFit/>
+              </a:bodyPr>
+              <a:lstStyle/>
+              <a:p>
+                <a:r>
+                  <a:rPr lang="en-US" sz="1200" dirty="0">
+                    <a:latin typeface="Source Sans Pro Light" panose="020B0403030403020204" pitchFamily="34" charset="0"/>
+                    <a:ea typeface="Source Sans Pro Light" panose="020B0403030403020204" pitchFamily="34" charset="0"/>
+                    <a:cs typeface="Times New Roman" panose="02020603050405020304" pitchFamily="18" charset="0"/>
+                  </a:rPr>
+                  <a:t>Possible </a:t>
+                </a:r>
+              </a:p>
+              <a:p>
+                <a:r>
+                  <a:rPr lang="en-US" sz="1200" dirty="0">
+                    <a:latin typeface="Source Sans Pro Light" panose="020B0403030403020204" pitchFamily="34" charset="0"/>
+                    <a:ea typeface="Source Sans Pro Light" panose="020B0403030403020204" pitchFamily="34" charset="0"/>
+                    <a:cs typeface="Times New Roman" panose="02020603050405020304" pitchFamily="18" charset="0"/>
+                  </a:rPr>
+                  <a:t>Spawning Range</a:t>
+                </a:r>
+              </a:p>
+            </p:txBody>
+          </p:sp>
+          <p:sp>
+            <p:nvSpPr>
+              <p:cNvPr id="53" name="TextBox 52">
+                <a:extLst>
+                  <a:ext uri="{FF2B5EF4-FFF2-40B4-BE49-F238E27FC236}">
+                    <a16:creationId xmlns:a16="http://schemas.microsoft.com/office/drawing/2014/main" id="{C34EA229-AE73-96C7-5CE2-26E979EE2A9D}"/>
+                  </a:ext>
+                </a:extLst>
+              </p:cNvPr>
+              <p:cNvSpPr txBox="1"/>
+              <p:nvPr/>
+            </p:nvSpPr>
+            <p:spPr>
+              <a:xfrm>
+                <a:off x="10690423" y="5362615"/>
+                <a:ext cx="1002967" cy="461665"/>
+              </a:xfrm>
+              <a:prstGeom prst="rect">
+                <a:avLst/>
+              </a:prstGeom>
+              <a:noFill/>
+            </p:spPr>
+            <p:txBody>
+              <a:bodyPr wrap="square" rtlCol="0" anchor="ctr">
+                <a:spAutoFit/>
+              </a:bodyPr>
+              <a:lstStyle/>
+              <a:p>
+                <a:pPr algn="r"/>
+                <a:r>
+                  <a:rPr lang="en-US" sz="1200" dirty="0">
+                    <a:latin typeface="Source Sans Pro Light" panose="020B0403030403020204" pitchFamily="34" charset="0"/>
+                    <a:ea typeface="Source Sans Pro Light" panose="020B0403030403020204" pitchFamily="34" charset="0"/>
+                    <a:cs typeface="Times New Roman" panose="02020603050405020304" pitchFamily="18" charset="0"/>
+                  </a:rPr>
+                  <a:t>Projected </a:t>
+                </a:r>
+              </a:p>
+              <a:p>
+                <a:pPr algn="r"/>
+                <a:r>
+                  <a:rPr lang="en-US" sz="1200" dirty="0">
+                    <a:latin typeface="Source Sans Pro Light" panose="020B0403030403020204" pitchFamily="34" charset="0"/>
+                    <a:ea typeface="Source Sans Pro Light" panose="020B0403030403020204" pitchFamily="34" charset="0"/>
+                    <a:cs typeface="Times New Roman" panose="02020603050405020304" pitchFamily="18" charset="0"/>
+                  </a:rPr>
+                  <a:t>(2012 – 2099)</a:t>
+                </a:r>
+              </a:p>
+            </p:txBody>
+          </p:sp>
+          <p:cxnSp>
+            <p:nvCxnSpPr>
+              <p:cNvPr id="16" name="Straight Arrow Connector 15">
+                <a:extLst>
+                  <a:ext uri="{FF2B5EF4-FFF2-40B4-BE49-F238E27FC236}">
+                    <a16:creationId xmlns:a16="http://schemas.microsoft.com/office/drawing/2014/main" id="{9D0ED42C-A75D-E5B0-8B5D-522736788E17}"/>
+                  </a:ext>
+                </a:extLst>
+              </p:cNvPr>
+              <p:cNvCxnSpPr/>
+              <p:nvPr/>
+            </p:nvCxnSpPr>
+            <p:spPr>
+              <a:xfrm flipH="1">
+                <a:off x="10690423" y="5296774"/>
+                <a:ext cx="985782" cy="0"/>
+              </a:xfrm>
+              <a:prstGeom prst="straightConnector1">
+                <a:avLst/>
+              </a:prstGeom>
+              <a:ln>
+                <a:solidFill>
+                  <a:schemeClr val="tx1"/>
+                </a:solidFill>
+                <a:tailEnd type="triangle"/>
+              </a:ln>
+            </p:spPr>
+            <p:style>
+              <a:lnRef idx="1">
+                <a:schemeClr val="accent1"/>
+              </a:lnRef>
+              <a:fillRef idx="0">
+                <a:schemeClr val="accent1"/>
+              </a:fillRef>
+              <a:effectRef idx="0">
+                <a:schemeClr val="accent1"/>
+              </a:effectRef>
+              <a:fontRef idx="minor">
+                <a:schemeClr val="tx1"/>
+              </a:fontRef>
+            </p:style>
+          </p:cxnSp>
+          <p:sp>
+            <p:nvSpPr>
+              <p:cNvPr id="19" name="TextBox 18">
+                <a:extLst>
+                  <a:ext uri="{FF2B5EF4-FFF2-40B4-BE49-F238E27FC236}">
+                    <a16:creationId xmlns:a16="http://schemas.microsoft.com/office/drawing/2014/main" id="{DA929B51-3EC7-211E-BBAF-5B09BADD2F03}"/>
+                  </a:ext>
+                </a:extLst>
+              </p:cNvPr>
+              <p:cNvSpPr txBox="1"/>
+              <p:nvPr/>
+            </p:nvSpPr>
+            <p:spPr>
+              <a:xfrm>
+                <a:off x="10611791" y="5041635"/>
+                <a:ext cx="904038" cy="276999"/>
+              </a:xfrm>
+              <a:prstGeom prst="rect">
+                <a:avLst/>
+              </a:prstGeom>
+              <a:noFill/>
+            </p:spPr>
+            <p:txBody>
+              <a:bodyPr wrap="square" rtlCol="0">
+                <a:spAutoFit/>
+              </a:bodyPr>
+              <a:lstStyle/>
+              <a:p>
+                <a:r>
+                  <a:rPr lang="en-US" sz="1200" dirty="0">
+                    <a:latin typeface="Source Sans Pro Light" panose="020B0403030403020204" pitchFamily="34" charset="0"/>
+                    <a:ea typeface="Source Sans Pro Light" panose="020B0403030403020204" pitchFamily="34" charset="0"/>
+                  </a:rPr>
+                  <a:t>Shift [days]</a:t>
+                </a:r>
+              </a:p>
+            </p:txBody>
+          </p:sp>
+          <p:sp>
+            <p:nvSpPr>
+              <p:cNvPr id="25" name="TextBox 24">
+                <a:extLst>
+                  <a:ext uri="{FF2B5EF4-FFF2-40B4-BE49-F238E27FC236}">
+                    <a16:creationId xmlns:a16="http://schemas.microsoft.com/office/drawing/2014/main" id="{6740CC60-AAA6-29FC-E133-D4D586531A7E}"/>
+                  </a:ext>
+                </a:extLst>
+              </p:cNvPr>
+              <p:cNvSpPr txBox="1"/>
+              <p:nvPr/>
+            </p:nvSpPr>
+            <p:spPr>
+              <a:xfrm rot="20452103">
+                <a:off x="8288585" y="1585177"/>
+                <a:ext cx="533982" cy="276999"/>
+              </a:xfrm>
+              <a:prstGeom prst="rect">
+                <a:avLst/>
+              </a:prstGeom>
+              <a:noFill/>
+            </p:spPr>
+            <p:txBody>
+              <a:bodyPr wrap="square" rtlCol="0">
+                <a:spAutoFit/>
+              </a:bodyPr>
+              <a:lstStyle/>
+              <a:p>
+                <a:r>
+                  <a:rPr lang="en-US" sz="1200" dirty="0">
+                    <a:latin typeface="Source Sans Pro Light" panose="020B0604020202020204" pitchFamily="34" charset="0"/>
+                  </a:rPr>
+                  <a:t>-13</a:t>
+                </a:r>
+              </a:p>
+            </p:txBody>
+          </p:sp>
+          <p:sp>
+            <p:nvSpPr>
+              <p:cNvPr id="26" name="TextBox 25">
+                <a:extLst>
+                  <a:ext uri="{FF2B5EF4-FFF2-40B4-BE49-F238E27FC236}">
+                    <a16:creationId xmlns:a16="http://schemas.microsoft.com/office/drawing/2014/main" id="{2F639B51-9B23-CF8C-B90C-337237AA59E8}"/>
+                  </a:ext>
+                </a:extLst>
+              </p:cNvPr>
+              <p:cNvSpPr txBox="1"/>
+              <p:nvPr/>
+            </p:nvSpPr>
+            <p:spPr>
+              <a:xfrm rot="2378424">
+                <a:off x="10120442" y="1929201"/>
+                <a:ext cx="564547" cy="276999"/>
+              </a:xfrm>
+              <a:prstGeom prst="rect">
+                <a:avLst/>
+              </a:prstGeom>
+              <a:noFill/>
+            </p:spPr>
+            <p:txBody>
+              <a:bodyPr wrap="square" rtlCol="0">
+                <a:spAutoFit/>
+              </a:bodyPr>
+              <a:lstStyle/>
+              <a:p>
+                <a:r>
+                  <a:rPr lang="en-US" sz="1200" dirty="0">
+                    <a:latin typeface="Source Sans Pro Light" panose="020B0604020202020204" pitchFamily="34" charset="0"/>
+                  </a:rPr>
+                  <a:t>-17</a:t>
+                </a:r>
+              </a:p>
+            </p:txBody>
+          </p:sp>
+          <p:sp>
+            <p:nvSpPr>
+              <p:cNvPr id="27" name="TextBox 26">
+                <a:extLst>
+                  <a:ext uri="{FF2B5EF4-FFF2-40B4-BE49-F238E27FC236}">
+                    <a16:creationId xmlns:a16="http://schemas.microsoft.com/office/drawing/2014/main" id="{8AEBDDE5-8B8D-D61D-765C-CCEA11C6A82A}"/>
+                  </a:ext>
+                </a:extLst>
+              </p:cNvPr>
+              <p:cNvSpPr txBox="1"/>
+              <p:nvPr/>
+            </p:nvSpPr>
+            <p:spPr>
+              <a:xfrm rot="2523222">
+                <a:off x="10043897" y="2177657"/>
+                <a:ext cx="564547" cy="276999"/>
+              </a:xfrm>
+              <a:prstGeom prst="rect">
+                <a:avLst/>
+              </a:prstGeom>
+              <a:noFill/>
+            </p:spPr>
+            <p:txBody>
+              <a:bodyPr wrap="square" rtlCol="0">
+                <a:spAutoFit/>
+              </a:bodyPr>
+              <a:lstStyle/>
+              <a:p>
+                <a:r>
+                  <a:rPr lang="en-US" sz="1200" dirty="0">
+                    <a:latin typeface="Source Sans Pro Light" panose="020B0604020202020204" pitchFamily="34" charset="0"/>
+                  </a:rPr>
+                  <a:t>-13</a:t>
+                </a:r>
+              </a:p>
+            </p:txBody>
+          </p:sp>
+          <p:sp>
+            <p:nvSpPr>
+              <p:cNvPr id="31" name="TextBox 30">
+                <a:extLst>
+                  <a:ext uri="{FF2B5EF4-FFF2-40B4-BE49-F238E27FC236}">
+                    <a16:creationId xmlns:a16="http://schemas.microsoft.com/office/drawing/2014/main" id="{3C825B84-13DF-AA06-B312-526AFA44F8D3}"/>
+                  </a:ext>
+                </a:extLst>
+              </p:cNvPr>
+              <p:cNvSpPr txBox="1"/>
+              <p:nvPr/>
+            </p:nvSpPr>
+            <p:spPr>
+              <a:xfrm rot="20828772">
+                <a:off x="8648241" y="1726996"/>
+                <a:ext cx="533982" cy="276999"/>
+              </a:xfrm>
+              <a:prstGeom prst="rect">
+                <a:avLst/>
+              </a:prstGeom>
+              <a:noFill/>
+            </p:spPr>
+            <p:txBody>
+              <a:bodyPr wrap="square" rtlCol="0">
+                <a:spAutoFit/>
+              </a:bodyPr>
+              <a:lstStyle/>
+              <a:p>
+                <a:r>
+                  <a:rPr lang="en-US" sz="1200" dirty="0">
+                    <a:latin typeface="Source Sans Pro Light" panose="020B0604020202020204" pitchFamily="34" charset="0"/>
+                  </a:rPr>
+                  <a:t>-8</a:t>
+                </a:r>
+              </a:p>
+            </p:txBody>
+          </p:sp>
+          <p:sp>
+            <p:nvSpPr>
+              <p:cNvPr id="33" name="TextBox 32">
+                <a:extLst>
+                  <a:ext uri="{FF2B5EF4-FFF2-40B4-BE49-F238E27FC236}">
+                    <a16:creationId xmlns:a16="http://schemas.microsoft.com/office/drawing/2014/main" id="{0623E2AF-E374-D1DE-45ED-B71682CA7A78}"/>
+                  </a:ext>
+                </a:extLst>
+              </p:cNvPr>
+              <p:cNvSpPr txBox="1"/>
+              <p:nvPr/>
+            </p:nvSpPr>
+            <p:spPr>
+              <a:xfrm rot="21005505">
+                <a:off x="8736466" y="1948863"/>
+                <a:ext cx="533982" cy="276999"/>
+              </a:xfrm>
+              <a:prstGeom prst="rect">
+                <a:avLst/>
+              </a:prstGeom>
+              <a:noFill/>
+            </p:spPr>
+            <p:txBody>
+              <a:bodyPr wrap="square" rtlCol="0">
+                <a:spAutoFit/>
+              </a:bodyPr>
+              <a:lstStyle/>
+              <a:p>
+                <a:r>
+                  <a:rPr lang="en-US" sz="1200" dirty="0">
+                    <a:latin typeface="Source Sans Pro Light" panose="020B0604020202020204" pitchFamily="34" charset="0"/>
+                  </a:rPr>
+                  <a:t>-4</a:t>
+                </a:r>
+              </a:p>
+            </p:txBody>
+          </p:sp>
+          <p:sp>
+            <p:nvSpPr>
+              <p:cNvPr id="37" name="TextBox 36">
+                <a:extLst>
+                  <a:ext uri="{FF2B5EF4-FFF2-40B4-BE49-F238E27FC236}">
+                    <a16:creationId xmlns:a16="http://schemas.microsoft.com/office/drawing/2014/main" id="{18EBC1E1-81D2-2127-09F4-D39CCB1BD912}"/>
+                  </a:ext>
+                </a:extLst>
+              </p:cNvPr>
+              <p:cNvSpPr txBox="1"/>
+              <p:nvPr/>
+            </p:nvSpPr>
+            <p:spPr>
+              <a:xfrm rot="2998200">
+                <a:off x="10032061" y="2521060"/>
+                <a:ext cx="564547" cy="276999"/>
+              </a:xfrm>
+              <a:prstGeom prst="rect">
+                <a:avLst/>
+              </a:prstGeom>
+              <a:noFill/>
+            </p:spPr>
+            <p:txBody>
+              <a:bodyPr wrap="square" rtlCol="0">
+                <a:spAutoFit/>
+              </a:bodyPr>
+              <a:lstStyle/>
+              <a:p>
+                <a:r>
+                  <a:rPr lang="en-US" sz="1200" dirty="0">
+                    <a:latin typeface="Source Sans Pro Light" panose="020B0604020202020204" pitchFamily="34" charset="0"/>
+                  </a:rPr>
+                  <a:t>-6</a:t>
+                </a:r>
+              </a:p>
+            </p:txBody>
+          </p:sp>
+          <p:sp>
+            <p:nvSpPr>
+              <p:cNvPr id="38" name="TextBox 37">
+                <a:extLst>
+                  <a:ext uri="{FF2B5EF4-FFF2-40B4-BE49-F238E27FC236}">
+                    <a16:creationId xmlns:a16="http://schemas.microsoft.com/office/drawing/2014/main" id="{FBC3D8DE-F4D6-6C17-0B6A-B788F41EAD5D}"/>
+                  </a:ext>
+                </a:extLst>
+              </p:cNvPr>
+              <p:cNvSpPr txBox="1"/>
+              <p:nvPr/>
+            </p:nvSpPr>
+            <p:spPr>
+              <a:xfrm rot="19287487">
+                <a:off x="1685899" y="1628739"/>
+                <a:ext cx="533982" cy="276999"/>
+              </a:xfrm>
+              <a:prstGeom prst="rect">
+                <a:avLst/>
+              </a:prstGeom>
+              <a:noFill/>
+            </p:spPr>
+            <p:txBody>
+              <a:bodyPr wrap="square" rtlCol="0">
+                <a:spAutoFit/>
+              </a:bodyPr>
+              <a:lstStyle/>
+              <a:p>
+                <a:r>
+                  <a:rPr lang="en-US" sz="1200" dirty="0">
+                    <a:latin typeface="Source Sans Pro Light" panose="020B0604020202020204" pitchFamily="34" charset="0"/>
+                  </a:rPr>
+                  <a:t>-22</a:t>
+                </a:r>
+              </a:p>
+            </p:txBody>
+          </p:sp>
+          <p:sp>
+            <p:nvSpPr>
+              <p:cNvPr id="39" name="TextBox 38">
+                <a:extLst>
+                  <a:ext uri="{FF2B5EF4-FFF2-40B4-BE49-F238E27FC236}">
+                    <a16:creationId xmlns:a16="http://schemas.microsoft.com/office/drawing/2014/main" id="{BCA7267D-0CEC-EBFA-292B-6446F5F59D83}"/>
+                  </a:ext>
+                </a:extLst>
+              </p:cNvPr>
+              <p:cNvSpPr txBox="1"/>
+              <p:nvPr/>
+            </p:nvSpPr>
+            <p:spPr>
+              <a:xfrm rot="1146590">
+                <a:off x="3742043" y="1404623"/>
+                <a:ext cx="564547" cy="276999"/>
+              </a:xfrm>
+              <a:prstGeom prst="rect">
+                <a:avLst/>
+              </a:prstGeom>
+              <a:noFill/>
+            </p:spPr>
+            <p:txBody>
+              <a:bodyPr wrap="square" rtlCol="0">
+                <a:spAutoFit/>
+              </a:bodyPr>
+              <a:lstStyle/>
+              <a:p>
+                <a:r>
+                  <a:rPr lang="en-US" sz="1200" dirty="0">
+                    <a:latin typeface="Source Sans Pro Light" panose="020B0604020202020204" pitchFamily="34" charset="0"/>
+                  </a:rPr>
+                  <a:t>-26</a:t>
+                </a:r>
+              </a:p>
+            </p:txBody>
+          </p:sp>
+          <p:sp>
+            <p:nvSpPr>
+              <p:cNvPr id="44" name="TextBox 43">
+                <a:extLst>
+                  <a:ext uri="{FF2B5EF4-FFF2-40B4-BE49-F238E27FC236}">
+                    <a16:creationId xmlns:a16="http://schemas.microsoft.com/office/drawing/2014/main" id="{C913FC49-0B42-1E63-A489-1C08A6CE75E8}"/>
+                  </a:ext>
+                </a:extLst>
+              </p:cNvPr>
+              <p:cNvSpPr txBox="1"/>
+              <p:nvPr/>
+            </p:nvSpPr>
+            <p:spPr>
+              <a:xfrm rot="19591121">
+                <a:off x="1922008" y="1763736"/>
+                <a:ext cx="533982" cy="276999"/>
+              </a:xfrm>
+              <a:prstGeom prst="rect">
+                <a:avLst/>
+              </a:prstGeom>
+              <a:noFill/>
+            </p:spPr>
+            <p:txBody>
+              <a:bodyPr wrap="square" rtlCol="0">
+                <a:spAutoFit/>
+              </a:bodyPr>
+              <a:lstStyle/>
+              <a:p>
+                <a:r>
+                  <a:rPr lang="en-US" sz="1200" dirty="0">
+                    <a:latin typeface="Source Sans Pro Light" panose="020B0604020202020204" pitchFamily="34" charset="0"/>
+                  </a:rPr>
+                  <a:t>-14</a:t>
+                </a:r>
+              </a:p>
+            </p:txBody>
+          </p:sp>
+          <p:sp>
+            <p:nvSpPr>
+              <p:cNvPr id="46" name="TextBox 45">
+                <a:extLst>
+                  <a:ext uri="{FF2B5EF4-FFF2-40B4-BE49-F238E27FC236}">
+                    <a16:creationId xmlns:a16="http://schemas.microsoft.com/office/drawing/2014/main" id="{7504EDB8-34EB-2D1B-875A-CCD79307F8E7}"/>
+                  </a:ext>
+                </a:extLst>
+              </p:cNvPr>
+              <p:cNvSpPr txBox="1"/>
+              <p:nvPr/>
+            </p:nvSpPr>
+            <p:spPr>
+              <a:xfrm rot="1898236">
+                <a:off x="3899175" y="1761710"/>
+                <a:ext cx="564547" cy="276999"/>
+              </a:xfrm>
+              <a:prstGeom prst="rect">
+                <a:avLst/>
+              </a:prstGeom>
+              <a:noFill/>
+            </p:spPr>
+            <p:txBody>
+              <a:bodyPr wrap="square" rtlCol="0">
+                <a:spAutoFit/>
+              </a:bodyPr>
+              <a:lstStyle/>
+              <a:p>
+                <a:r>
+                  <a:rPr lang="en-US" sz="1200" dirty="0">
+                    <a:latin typeface="Source Sans Pro Light" panose="020B0604020202020204" pitchFamily="34" charset="0"/>
+                  </a:rPr>
+                  <a:t>-17</a:t>
+                </a:r>
+              </a:p>
+            </p:txBody>
+          </p:sp>
+          <p:sp>
+            <p:nvSpPr>
+              <p:cNvPr id="49" name="TextBox 48">
+                <a:extLst>
+                  <a:ext uri="{FF2B5EF4-FFF2-40B4-BE49-F238E27FC236}">
+                    <a16:creationId xmlns:a16="http://schemas.microsoft.com/office/drawing/2014/main" id="{4941CF0D-2BE0-8B42-A03E-6E82061E7976}"/>
+                  </a:ext>
+                </a:extLst>
+              </p:cNvPr>
+              <p:cNvSpPr txBox="1"/>
+              <p:nvPr/>
+            </p:nvSpPr>
+            <p:spPr>
+              <a:xfrm rot="2014825">
+                <a:off x="3917880" y="2054616"/>
+                <a:ext cx="564547" cy="276999"/>
+              </a:xfrm>
+              <a:prstGeom prst="rect">
+                <a:avLst/>
+              </a:prstGeom>
+              <a:noFill/>
+            </p:spPr>
+            <p:txBody>
+              <a:bodyPr wrap="square" rtlCol="0">
+                <a:spAutoFit/>
+              </a:bodyPr>
+              <a:lstStyle/>
+              <a:p>
+                <a:r>
+                  <a:rPr lang="en-US" sz="1200" dirty="0">
+                    <a:latin typeface="Source Sans Pro Light" panose="020B0604020202020204" pitchFamily="34" charset="0"/>
+                  </a:rPr>
+                  <a:t>-13</a:t>
+                </a:r>
+              </a:p>
+            </p:txBody>
+          </p:sp>
+          <p:sp>
+            <p:nvSpPr>
+              <p:cNvPr id="50" name="TextBox 49">
+                <a:extLst>
+                  <a:ext uri="{FF2B5EF4-FFF2-40B4-BE49-F238E27FC236}">
+                    <a16:creationId xmlns:a16="http://schemas.microsoft.com/office/drawing/2014/main" id="{07F4F73D-7D88-C6BE-A2EE-1E3B1867D2B0}"/>
+                  </a:ext>
+                </a:extLst>
+              </p:cNvPr>
+              <p:cNvSpPr txBox="1"/>
+              <p:nvPr/>
+            </p:nvSpPr>
+            <p:spPr>
+              <a:xfrm rot="20083653">
+                <a:off x="2274236" y="1839804"/>
+                <a:ext cx="533982" cy="276999"/>
+              </a:xfrm>
+              <a:prstGeom prst="rect">
+                <a:avLst/>
+              </a:prstGeom>
+              <a:noFill/>
+            </p:spPr>
+            <p:txBody>
+              <a:bodyPr wrap="square" rtlCol="0">
+                <a:spAutoFit/>
+              </a:bodyPr>
+              <a:lstStyle/>
+              <a:p>
+                <a:r>
+                  <a:rPr lang="en-US" sz="1200" dirty="0">
+                    <a:latin typeface="Source Sans Pro Light" panose="020B0604020202020204" pitchFamily="34" charset="0"/>
+                  </a:rPr>
+                  <a:t>-9</a:t>
+                </a:r>
+              </a:p>
+            </p:txBody>
+          </p:sp>
+          <p:sp>
+            <p:nvSpPr>
+              <p:cNvPr id="59" name="TextBox 58">
+                <a:extLst>
+                  <a:ext uri="{FF2B5EF4-FFF2-40B4-BE49-F238E27FC236}">
+                    <a16:creationId xmlns:a16="http://schemas.microsoft.com/office/drawing/2014/main" id="{06256524-78E4-8A33-A709-CC2DDBE52305}"/>
+                  </a:ext>
+                </a:extLst>
+              </p:cNvPr>
+              <p:cNvSpPr txBox="1"/>
+              <p:nvPr/>
+            </p:nvSpPr>
+            <p:spPr>
+              <a:xfrm rot="20371374">
+                <a:off x="2445103" y="2040079"/>
+                <a:ext cx="533982" cy="276999"/>
+              </a:xfrm>
+              <a:prstGeom prst="rect">
+                <a:avLst/>
+              </a:prstGeom>
+              <a:noFill/>
+            </p:spPr>
+            <p:txBody>
+              <a:bodyPr wrap="square" rtlCol="0">
+                <a:spAutoFit/>
+              </a:bodyPr>
+              <a:lstStyle/>
+              <a:p>
+                <a:r>
+                  <a:rPr lang="en-US" sz="1200" dirty="0">
+                    <a:latin typeface="Source Sans Pro Light" panose="020B0604020202020204" pitchFamily="34" charset="0"/>
+                  </a:rPr>
+                  <a:t>-4</a:t>
+                </a:r>
+              </a:p>
+            </p:txBody>
+          </p:sp>
+          <p:sp>
+            <p:nvSpPr>
+              <p:cNvPr id="60" name="TextBox 59">
+                <a:extLst>
+                  <a:ext uri="{FF2B5EF4-FFF2-40B4-BE49-F238E27FC236}">
+                    <a16:creationId xmlns:a16="http://schemas.microsoft.com/office/drawing/2014/main" id="{FACBA321-916B-7306-ACC0-22E77247ACBB}"/>
+                  </a:ext>
+                </a:extLst>
+              </p:cNvPr>
+              <p:cNvSpPr txBox="1"/>
+              <p:nvPr/>
+            </p:nvSpPr>
+            <p:spPr>
+              <a:xfrm rot="2475631">
+                <a:off x="3918744" y="2372619"/>
+                <a:ext cx="564547" cy="276999"/>
+              </a:xfrm>
+              <a:prstGeom prst="rect">
+                <a:avLst/>
+              </a:prstGeom>
+              <a:noFill/>
+            </p:spPr>
+            <p:txBody>
+              <a:bodyPr wrap="square" rtlCol="0">
+                <a:spAutoFit/>
+              </a:bodyPr>
+              <a:lstStyle/>
+              <a:p>
+                <a:r>
+                  <a:rPr lang="en-US" sz="1200" dirty="0">
+                    <a:latin typeface="Source Sans Pro Light" panose="020B0604020202020204" pitchFamily="34" charset="0"/>
+                  </a:rPr>
+                  <a:t>-6</a:t>
+                </a:r>
+              </a:p>
+            </p:txBody>
+          </p:sp>
+          <p:sp>
+            <p:nvSpPr>
+              <p:cNvPr id="62" name="TextBox 61">
+                <a:extLst>
+                  <a:ext uri="{FF2B5EF4-FFF2-40B4-BE49-F238E27FC236}">
+                    <a16:creationId xmlns:a16="http://schemas.microsoft.com/office/drawing/2014/main" id="{F65FC63B-61EF-7AE4-DBC4-E9955A8C1A3B}"/>
+                  </a:ext>
+                </a:extLst>
+              </p:cNvPr>
+              <p:cNvSpPr txBox="1"/>
+              <p:nvPr/>
+            </p:nvSpPr>
+            <p:spPr>
+              <a:xfrm rot="3464744">
+                <a:off x="7577882" y="1829684"/>
+                <a:ext cx="1345240" cy="276999"/>
+              </a:xfrm>
+              <a:prstGeom prst="rect">
+                <a:avLst/>
+              </a:prstGeom>
+              <a:noFill/>
+            </p:spPr>
+            <p:txBody>
+              <a:bodyPr wrap="none" rtlCol="0">
+                <a:spAutoFit/>
+              </a:bodyPr>
+              <a:lstStyle/>
+              <a:p>
+                <a:r>
+                  <a:rPr lang="en-US" sz="1200" dirty="0">
+                    <a:latin typeface="Source Sans Pro Light" panose="020B0604020202020204" pitchFamily="34" charset="0"/>
+                    <a:cs typeface="Times New Roman" panose="02020603050405020304" pitchFamily="18" charset="0"/>
+                  </a:rPr>
+                  <a:t> Spawning Starts</a:t>
+                </a:r>
+              </a:p>
+            </p:txBody>
+          </p:sp>
+          <p:sp>
+            <p:nvSpPr>
+              <p:cNvPr id="63" name="TextBox 62">
+                <a:extLst>
+                  <a:ext uri="{FF2B5EF4-FFF2-40B4-BE49-F238E27FC236}">
+                    <a16:creationId xmlns:a16="http://schemas.microsoft.com/office/drawing/2014/main" id="{B9A49320-49E4-25AC-D7A4-3EF82594EFA8}"/>
+                  </a:ext>
+                </a:extLst>
+              </p:cNvPr>
+              <p:cNvSpPr txBox="1"/>
+              <p:nvPr/>
+            </p:nvSpPr>
+            <p:spPr>
+              <a:xfrm rot="19168279">
+                <a:off x="10128610" y="2343992"/>
+                <a:ext cx="1249060" cy="276999"/>
+              </a:xfrm>
+              <a:prstGeom prst="rect">
+                <a:avLst/>
+              </a:prstGeom>
+              <a:noFill/>
+            </p:spPr>
+            <p:txBody>
+              <a:bodyPr wrap="none" rtlCol="0">
+                <a:spAutoFit/>
+              </a:bodyPr>
+              <a:lstStyle/>
+              <a:p>
+                <a:r>
+                  <a:rPr lang="en-US" sz="1200" dirty="0">
+                    <a:latin typeface="Source Sans Pro Light" panose="020B0604020202020204" pitchFamily="34" charset="0"/>
+                    <a:cs typeface="Times New Roman" panose="02020603050405020304" pitchFamily="18" charset="0"/>
+                  </a:rPr>
+                  <a:t>Spawning Ends</a:t>
+                </a:r>
+              </a:p>
+            </p:txBody>
+          </p:sp>
         </p:grpSp>
+        <p:sp>
+          <p:nvSpPr>
+            <p:cNvPr id="67" name="TextBox 66">
+              <a:extLst>
+                <a:ext uri="{FF2B5EF4-FFF2-40B4-BE49-F238E27FC236}">
+                  <a16:creationId xmlns:a16="http://schemas.microsoft.com/office/drawing/2014/main" id="{971AAD21-5C56-2005-235D-C9C3F123073C}"/>
+                </a:ext>
+              </a:extLst>
+            </p:cNvPr>
+            <p:cNvSpPr txBox="1"/>
+            <p:nvPr/>
+          </p:nvSpPr>
+          <p:spPr>
+            <a:xfrm>
+              <a:off x="148269" y="107473"/>
+              <a:ext cx="11821242" cy="369332"/>
+            </a:xfrm>
+            <a:prstGeom prst="rect">
+              <a:avLst/>
+            </a:prstGeom>
+            <a:solidFill>
+              <a:schemeClr val="bg1"/>
+            </a:solidFill>
+          </p:spPr>
+          <p:txBody>
+            <a:bodyPr wrap="square" rtlCol="0">
+              <a:spAutoFit/>
+            </a:bodyPr>
+            <a:lstStyle/>
+            <a:p>
+              <a:r>
+                <a:rPr lang="en-US" b="1" dirty="0">
+                  <a:latin typeface="Arial Black" panose="020B0A04020102020204" pitchFamily="34" charset="0"/>
+                </a:rPr>
+                <a:t>FISH IN HOT WATER</a:t>
+              </a:r>
+            </a:p>
+          </p:txBody>
+        </p:sp>
+        <p:sp>
+          <p:nvSpPr>
+            <p:cNvPr id="68" name="TextBox 67">
+              <a:extLst>
+                <a:ext uri="{FF2B5EF4-FFF2-40B4-BE49-F238E27FC236}">
+                  <a16:creationId xmlns:a16="http://schemas.microsoft.com/office/drawing/2014/main" id="{565DE8B8-204B-3F62-43F2-E3B902184143}"/>
+                </a:ext>
+              </a:extLst>
+            </p:cNvPr>
+            <p:cNvSpPr txBox="1"/>
+            <p:nvPr/>
+          </p:nvSpPr>
+          <p:spPr>
+            <a:xfrm>
+              <a:off x="148270" y="415915"/>
+              <a:ext cx="11721524" cy="276999"/>
+            </a:xfrm>
+            <a:prstGeom prst="rect">
+              <a:avLst/>
+            </a:prstGeom>
+            <a:solidFill>
+              <a:schemeClr val="bg1"/>
+            </a:solidFill>
+          </p:spPr>
+          <p:txBody>
+            <a:bodyPr wrap="square" rtlCol="0">
+              <a:spAutoFit/>
+            </a:bodyPr>
+            <a:lstStyle/>
+            <a:p>
+              <a:r>
+                <a:rPr lang="en-US" sz="1200" dirty="0">
+                  <a:latin typeface="Source Sans Pro Light" panose="020B0604020202020204" pitchFamily="34" charset="0"/>
+                </a:rPr>
+                <a:t>Under projected climate change scenarios, the American Shad and Striped Bass of the Hudson River Estuary are predicted to spawn 15 days earlier on average. </a:t>
+              </a:r>
+            </a:p>
+          </p:txBody>
+        </p:sp>
       </p:grpSp>
+      <p:sp>
+        <p:nvSpPr>
+          <p:cNvPr id="5" name="TextBox 4">
+            <a:extLst>
+              <a:ext uri="{FF2B5EF4-FFF2-40B4-BE49-F238E27FC236}">
+                <a16:creationId xmlns:a16="http://schemas.microsoft.com/office/drawing/2014/main" id="{08D9DFA2-5A3A-B798-9BAB-3F5A9EE52731}"/>
+              </a:ext>
+            </a:extLst>
+          </p:cNvPr>
+          <p:cNvSpPr txBox="1"/>
+          <p:nvPr/>
+        </p:nvSpPr>
+        <p:spPr>
+          <a:xfrm>
+            <a:off x="546490" y="4795672"/>
+            <a:ext cx="1150523" cy="830997"/>
+          </a:xfrm>
+          <a:prstGeom prst="rect">
+            <a:avLst/>
+          </a:prstGeom>
+          <a:noFill/>
+        </p:spPr>
+        <p:txBody>
+          <a:bodyPr wrap="square" rtlCol="0">
+            <a:spAutoFit/>
+          </a:bodyPr>
+          <a:lstStyle/>
+          <a:p>
+            <a:r>
+              <a:rPr lang="en-US" sz="1200" dirty="0">
+                <a:latin typeface="Source Sans Pro Light" panose="020B0604020202020204" pitchFamily="34" charset="0"/>
+              </a:rPr>
+              <a:t>It takes a 2-4 years for the eggs to mature.</a:t>
+            </a:r>
+          </a:p>
+          <a:p>
+            <a:endParaRPr lang="en-US" sz="1200" dirty="0"/>
+          </a:p>
+        </p:txBody>
+      </p:sp>
     </p:spTree>
     <p:extLst>
       <p:ext uri="{BB962C8B-B14F-4D97-AF65-F5344CB8AC3E}">
-        <p14:creationId xmlns:p14="http://schemas.microsoft.com/office/powerpoint/2010/main" val="912822917"/>
+        <p14:creationId xmlns:p14="http://schemas.microsoft.com/office/powerpoint/2010/main" val="1836178870"/>
       </p:ext>
     </p:extLst>
   </p:cSld>
